--- a/RWorkshopPart4-CaseStudy.pptx
+++ b/RWorkshopPart4-CaseStudy.pptx
@@ -5,39 +5,35 @@
     <p:sldMasterId id="2147483648" r:id="rId1"/>
   </p:sldMasterIdLst>
   <p:notesMasterIdLst>
-    <p:notesMasterId r:id="rId29"/>
+    <p:notesMasterId r:id="rId25"/>
   </p:notesMasterIdLst>
   <p:handoutMasterIdLst>
-    <p:handoutMasterId r:id="rId30"/>
+    <p:handoutMasterId r:id="rId26"/>
   </p:handoutMasterIdLst>
   <p:sldIdLst>
     <p:sldId id="256" r:id="rId2"/>
     <p:sldId id="257" r:id="rId3"/>
     <p:sldId id="262" r:id="rId4"/>
     <p:sldId id="261" r:id="rId5"/>
-    <p:sldId id="263" r:id="rId6"/>
-    <p:sldId id="264" r:id="rId7"/>
-    <p:sldId id="265" r:id="rId8"/>
-    <p:sldId id="266" r:id="rId9"/>
-    <p:sldId id="267" r:id="rId10"/>
-    <p:sldId id="268" r:id="rId11"/>
-    <p:sldId id="298" r:id="rId12"/>
-    <p:sldId id="299" r:id="rId13"/>
-    <p:sldId id="300" r:id="rId14"/>
-    <p:sldId id="277" r:id="rId15"/>
-    <p:sldId id="271" r:id="rId16"/>
-    <p:sldId id="305" r:id="rId17"/>
-    <p:sldId id="272" r:id="rId18"/>
-    <p:sldId id="278" r:id="rId19"/>
-    <p:sldId id="279" r:id="rId20"/>
-    <p:sldId id="273" r:id="rId21"/>
-    <p:sldId id="290" r:id="rId22"/>
-    <p:sldId id="280" r:id="rId23"/>
-    <p:sldId id="301" r:id="rId24"/>
-    <p:sldId id="303" r:id="rId25"/>
-    <p:sldId id="304" r:id="rId26"/>
-    <p:sldId id="281" r:id="rId27"/>
-    <p:sldId id="292" r:id="rId28"/>
+    <p:sldId id="264" r:id="rId6"/>
+    <p:sldId id="265" r:id="rId7"/>
+    <p:sldId id="266" r:id="rId8"/>
+    <p:sldId id="267" r:id="rId9"/>
+    <p:sldId id="268" r:id="rId10"/>
+    <p:sldId id="298" r:id="rId11"/>
+    <p:sldId id="299" r:id="rId12"/>
+    <p:sldId id="300" r:id="rId13"/>
+    <p:sldId id="277" r:id="rId14"/>
+    <p:sldId id="271" r:id="rId15"/>
+    <p:sldId id="305" r:id="rId16"/>
+    <p:sldId id="272" r:id="rId17"/>
+    <p:sldId id="278" r:id="rId18"/>
+    <p:sldId id="279" r:id="rId19"/>
+    <p:sldId id="273" r:id="rId20"/>
+    <p:sldId id="290" r:id="rId21"/>
+    <p:sldId id="280" r:id="rId22"/>
+    <p:sldId id="301" r:id="rId23"/>
+    <p:sldId id="304" r:id="rId24"/>
   </p:sldIdLst>
   <p:sldSz cx="9144000" cy="6858000" type="screen4x3"/>
   <p:notesSz cx="6858000" cy="9144000"/>
@@ -237,7 +233,7 @@
           <a:p>
             <a:fld id="{C2CC3A1E-D33B-5246-BFA9-2C16B7A4A015}" type="datetimeFigureOut">
               <a:rPr lang="en-US" smtClean="0"/>
-              <a:t>5/10/23</a:t>
+              <a:t>5/22/23</a:t>
             </a:fld>
             <a:endParaRPr lang="en-US"/>
           </a:p>
@@ -403,7 +399,7 @@
           <a:p>
             <a:fld id="{14893C57-73AC-D045-AFD1-F234B36E49AC}" type="datetimeFigureOut">
               <a:rPr lang="en-US" smtClean="0"/>
-              <a:t>5/10/23</a:t>
+              <a:t>5/22/23</a:t>
             </a:fld>
             <a:endParaRPr lang="en-US"/>
           </a:p>
@@ -850,7 +846,7 @@
           <a:p>
             <a:fld id="{73F025B3-1245-954B-9D5F-4E55C1BF09C0}" type="datetime1">
               <a:rPr lang="en-US" smtClean="0"/>
-              <a:t>5/10/23</a:t>
+              <a:t>5/22/23</a:t>
             </a:fld>
             <a:endParaRPr lang="en-US"/>
           </a:p>
@@ -1018,7 +1014,7 @@
           <a:p>
             <a:fld id="{E9B01D77-7F89-4447-85E3-EE5C814C1D07}" type="datetime1">
               <a:rPr lang="en-US" smtClean="0"/>
-              <a:t>5/10/23</a:t>
+              <a:t>5/22/23</a:t>
             </a:fld>
             <a:endParaRPr lang="en-US"/>
           </a:p>
@@ -1196,7 +1192,7 @@
           <a:p>
             <a:fld id="{54CC813B-A69E-A94B-90E2-131F574C30D8}" type="datetime1">
               <a:rPr lang="en-US" smtClean="0"/>
-              <a:t>5/10/23</a:t>
+              <a:t>5/22/23</a:t>
             </a:fld>
             <a:endParaRPr lang="en-US"/>
           </a:p>
@@ -1364,7 +1360,7 @@
           <a:p>
             <a:fld id="{6695767E-C73D-5D43-B624-40911C1676C1}" type="datetime1">
               <a:rPr lang="en-US" smtClean="0"/>
-              <a:t>5/10/23</a:t>
+              <a:t>5/22/23</a:t>
             </a:fld>
             <a:endParaRPr lang="en-US"/>
           </a:p>
@@ -1609,7 +1605,7 @@
           <a:p>
             <a:fld id="{C7E9268E-5315-2F49-8807-13694EDF20BA}" type="datetime1">
               <a:rPr lang="en-US" smtClean="0"/>
-              <a:t>5/10/23</a:t>
+              <a:t>5/22/23</a:t>
             </a:fld>
             <a:endParaRPr lang="en-US"/>
           </a:p>
@@ -1894,7 +1890,7 @@
           <a:p>
             <a:fld id="{42737842-E50F-E048-831C-2DAEE47DF075}" type="datetime1">
               <a:rPr lang="en-US" smtClean="0"/>
-              <a:t>5/10/23</a:t>
+              <a:t>5/22/23</a:t>
             </a:fld>
             <a:endParaRPr lang="en-US"/>
           </a:p>
@@ -2313,7 +2309,7 @@
           <a:p>
             <a:fld id="{06677687-FD27-3D45-84EA-22933349BC5F}" type="datetime1">
               <a:rPr lang="en-US" smtClean="0"/>
-              <a:t>5/10/23</a:t>
+              <a:t>5/22/23</a:t>
             </a:fld>
             <a:endParaRPr lang="en-US"/>
           </a:p>
@@ -2430,7 +2426,7 @@
           <a:p>
             <a:fld id="{6CD3199B-C0EB-034E-9AC5-EE156F337F13}" type="datetime1">
               <a:rPr lang="en-US" smtClean="0"/>
-              <a:t>5/10/23</a:t>
+              <a:t>5/22/23</a:t>
             </a:fld>
             <a:endParaRPr lang="en-US"/>
           </a:p>
@@ -2525,7 +2521,7 @@
           <a:p>
             <a:fld id="{3BD42CBB-68CB-1B43-BE35-628089C82B9F}" type="datetime1">
               <a:rPr lang="en-US" smtClean="0"/>
-              <a:t>5/10/23</a:t>
+              <a:t>5/22/23</a:t>
             </a:fld>
             <a:endParaRPr lang="en-US"/>
           </a:p>
@@ -2800,7 +2796,7 @@
           <a:p>
             <a:fld id="{C7FEAB64-78C5-3245-AB5C-13D1CE6A3097}" type="datetime1">
               <a:rPr lang="en-US" smtClean="0"/>
-              <a:t>5/10/23</a:t>
+              <a:t>5/22/23</a:t>
             </a:fld>
             <a:endParaRPr lang="en-US"/>
           </a:p>
@@ -3052,7 +3048,7 @@
           <a:p>
             <a:fld id="{5A0AA411-28A0-3A4C-B001-2104CB59ABA1}" type="datetime1">
               <a:rPr lang="en-US" smtClean="0"/>
-              <a:t>5/10/23</a:t>
+              <a:t>5/22/23</a:t>
             </a:fld>
             <a:endParaRPr lang="en-US"/>
           </a:p>
@@ -3263,7 +3259,7 @@
           <a:p>
             <a:fld id="{391060B3-373B-644E-A1B7-D215202ACDAD}" type="datetime1">
               <a:rPr lang="en-US" smtClean="0"/>
-              <a:t>5/10/23</a:t>
+              <a:t>5/22/23</a:t>
             </a:fld>
             <a:endParaRPr lang="en-US"/>
           </a:p>
@@ -3779,14 +3775,14 @@
           </a:ln>
           <a:extLst>
             <a:ext uri="{909E8E84-426E-40dd-AFC4-6F175D3DCCD1}">
-              <a14:hiddenFill xmlns="" xmlns:a14="http://schemas.microsoft.com/office/drawing/2010/main">
+              <a14:hiddenFill xmlns:a14="http://schemas.microsoft.com/office/drawing/2010/main" xmlns="">
                 <a:solidFill>
                   <a:schemeClr val="accent1"/>
                 </a:solidFill>
               </a14:hiddenFill>
             </a:ext>
             <a:ext uri="{91240B29-F687-4f45-9708-019B960494DF}">
-              <a14:hiddenLine xmlns="" xmlns:a14="http://schemas.microsoft.com/office/drawing/2010/main" w="9525">
+              <a14:hiddenLine xmlns:a14="http://schemas.microsoft.com/office/drawing/2010/main" xmlns="" w="9525">
                 <a:solidFill>
                   <a:schemeClr val="tx1"/>
                 </a:solidFill>
@@ -3845,7 +3841,7 @@
           <a:p>
             <a:r>
               <a:rPr lang="en-US" dirty="0"/>
-              <a:t>Get the data</a:t>
+              <a:t>Get the data into R</a:t>
             </a:r>
           </a:p>
         </p:txBody>
@@ -3867,92 +3863,114 @@
           <a:p>
             <a:r>
               <a:rPr lang="en-US" dirty="0"/>
-              <a:t>NHANES is publically available on the CDC's site</a:t>
-            </a:r>
-          </a:p>
-          <a:p>
+              <a:t>The data come as a </a:t>
+            </a:r>
+            <a:r>
+              <a:rPr lang="en-US" dirty="0" err="1"/>
+              <a:t>xport</a:t>
+            </a:r>
             <a:r>
               <a:rPr lang="en-US" dirty="0"/>
-              <a:t>We want demographics and phthalates for 2005-2006</a:t>
-            </a:r>
-          </a:p>
-          <a:p>
-            <a:r>
-              <a:rPr lang="en-US" dirty="0"/>
-              <a:t>(Copied to GitHub for </a:t>
-            </a:r>
-            <a:r>
-              <a:rPr lang="en-US"/>
-              <a:t>this workshop)</a:t>
-            </a:r>
+              <a:t> file, so we'll need an external package to load them:</a:t>
+            </a:r>
+          </a:p>
+          <a:p>
             <a:endParaRPr lang="en-US" dirty="0"/>
           </a:p>
-        </p:txBody>
-      </p:sp>
-      <p:pic>
-        <p:nvPicPr>
-          <p:cNvPr id="4098" name="Picture 2"/>
-          <p:cNvPicPr>
-            <a:picLocks noChangeAspect="1" noChangeArrowheads="1"/>
-          </p:cNvPicPr>
-          <p:nvPr/>
-        </p:nvPicPr>
-        <p:blipFill>
-          <a:blip r:embed="rId2">
-            <a:extLst>
-              <a:ext uri="{28A0092B-C50C-407E-A947-70E740481C1C}">
-                <a14:useLocalDpi xmlns:a14="http://schemas.microsoft.com/office/drawing/2010/main" val="0"/>
-              </a:ext>
-            </a:extLst>
-          </a:blip>
-          <a:srcRect/>
-          <a:stretch>
-            <a:fillRect/>
-          </a:stretch>
-        </p:blipFill>
-        <p:spPr bwMode="auto">
-          <a:xfrm>
-            <a:off x="1800225" y="4362450"/>
-            <a:ext cx="5543550" cy="1428750"/>
-          </a:xfrm>
-          <a:prstGeom prst="rect">
-            <a:avLst/>
-          </a:prstGeom>
-          <a:noFill/>
-          <a:ln>
-            <a:noFill/>
-          </a:ln>
-          <a:effectLst/>
-          <a:extLst>
-            <a:ext uri="{909E8E84-426E-40dd-AFC4-6F175D3DCCD1}">
-              <a14:hiddenFill xmlns="" xmlns:a14="http://schemas.microsoft.com/office/drawing/2010/main">
-                <a:solidFill>
-                  <a:schemeClr val="accent1"/>
-                </a:solidFill>
-              </a14:hiddenFill>
-            </a:ext>
-            <a:ext uri="{91240B29-F687-4f45-9708-019B960494DF}">
-              <a14:hiddenLine xmlns="" xmlns:a14="http://schemas.microsoft.com/office/drawing/2010/main" w="9525">
-                <a:solidFill>
-                  <a:schemeClr val="tx1"/>
-                </a:solidFill>
-                <a:miter lim="800000"/>
-                <a:headEnd/>
-                <a:tailEnd/>
-              </a14:hiddenLine>
-            </a:ext>
-            <a:ext uri="{AF507438-7753-43e0-B8FC-AC1667EBCBE1}">
-              <a14:hiddenEffects xmlns="" xmlns:a14="http://schemas.microsoft.com/office/drawing/2010/main">
-                <a:effectLst>
-                  <a:outerShdw dist="35921" dir="2700000" algn="ctr" rotWithShape="0">
-                    <a:schemeClr val="bg2"/>
-                  </a:outerShdw>
-                </a:effectLst>
-              </a14:hiddenEffects>
-            </a:ext>
-          </a:extLst>
-        </p:spPr>
-      </p:pic>
+          <a:p>
+            <a:pPr marL="0" indent="0">
+              <a:buNone/>
+            </a:pPr>
+            <a:r>
+              <a:rPr lang="en-US" sz="1600" dirty="0">
+                <a:latin typeface="Courier New" panose="02070309020205020404" pitchFamily="49" charset="0"/>
+                <a:cs typeface="Courier New" panose="02070309020205020404" pitchFamily="49" charset="0"/>
+              </a:rPr>
+              <a:t>library(haven)</a:t>
+            </a:r>
+          </a:p>
+          <a:p>
+            <a:pPr marL="0" indent="0">
+              <a:buNone/>
+            </a:pPr>
+            <a:r>
+              <a:rPr lang="en-US" sz="1600" dirty="0">
+                <a:latin typeface="Courier New" panose="02070309020205020404" pitchFamily="49" charset="0"/>
+                <a:cs typeface="Courier New" panose="02070309020205020404" pitchFamily="49" charset="0"/>
+              </a:rPr>
+              <a:t>demo &lt;- </a:t>
+            </a:r>
+            <a:r>
+              <a:rPr lang="en-US" sz="1600" dirty="0" err="1">
+                <a:latin typeface="Courier New" panose="02070309020205020404" pitchFamily="49" charset="0"/>
+                <a:cs typeface="Courier New" panose="02070309020205020404" pitchFamily="49" charset="0"/>
+              </a:rPr>
+              <a:t>read_xpt</a:t>
+            </a:r>
+            <a:r>
+              <a:rPr lang="en-US" sz="1600" dirty="0">
+                <a:latin typeface="Courier New" panose="02070309020205020404" pitchFamily="49" charset="0"/>
+                <a:cs typeface="Courier New" panose="02070309020205020404" pitchFamily="49" charset="0"/>
+              </a:rPr>
+              <a:t>('&lt;</a:t>
+            </a:r>
+            <a:r>
+              <a:rPr lang="en-US" sz="1600" dirty="0" err="1">
+                <a:latin typeface="Courier New" panose="02070309020205020404" pitchFamily="49" charset="0"/>
+                <a:cs typeface="Courier New" panose="02070309020205020404" pitchFamily="49" charset="0"/>
+              </a:rPr>
+              <a:t>yourpath</a:t>
+            </a:r>
+            <a:r>
+              <a:rPr lang="en-US" sz="1600" dirty="0">
+                <a:latin typeface="Courier New" panose="02070309020205020404" pitchFamily="49" charset="0"/>
+                <a:cs typeface="Courier New" panose="02070309020205020404" pitchFamily="49" charset="0"/>
+              </a:rPr>
+              <a:t>&gt;/DEMO_D.XPT')</a:t>
+            </a:r>
+          </a:p>
+          <a:p>
+            <a:pPr marL="0" indent="0">
+              <a:buNone/>
+            </a:pPr>
+            <a:r>
+              <a:rPr lang="en-US" sz="1600" dirty="0">
+                <a:latin typeface="Courier New" panose="02070309020205020404" pitchFamily="49" charset="0"/>
+                <a:cs typeface="Courier New" panose="02070309020205020404" pitchFamily="49" charset="0"/>
+              </a:rPr>
+              <a:t>phthalates &lt;- </a:t>
+            </a:r>
+            <a:r>
+              <a:rPr lang="en-US" sz="1600" dirty="0" err="1">
+                <a:latin typeface="Courier New" panose="02070309020205020404" pitchFamily="49" charset="0"/>
+                <a:cs typeface="Courier New" panose="02070309020205020404" pitchFamily="49" charset="0"/>
+              </a:rPr>
+              <a:t>read_xpt</a:t>
+            </a:r>
+            <a:r>
+              <a:rPr lang="en-US" sz="1600" dirty="0">
+                <a:latin typeface="Courier New" panose="02070309020205020404" pitchFamily="49" charset="0"/>
+                <a:cs typeface="Courier New" panose="02070309020205020404" pitchFamily="49" charset="0"/>
+              </a:rPr>
+              <a:t>('&lt;</a:t>
+            </a:r>
+            <a:r>
+              <a:rPr lang="en-US" sz="1600" dirty="0" err="1">
+                <a:latin typeface="Courier New" panose="02070309020205020404" pitchFamily="49" charset="0"/>
+                <a:cs typeface="Courier New" panose="02070309020205020404" pitchFamily="49" charset="0"/>
+              </a:rPr>
+              <a:t>yourpath</a:t>
+            </a:r>
+            <a:r>
+              <a:rPr lang="en-US" sz="1600" dirty="0">
+                <a:latin typeface="Courier New" panose="02070309020205020404" pitchFamily="49" charset="0"/>
+                <a:cs typeface="Courier New" panose="02070309020205020404" pitchFamily="49" charset="0"/>
+              </a:rPr>
+              <a:t>&gt;/PHTHTE_D.XPT')</a:t>
+            </a:r>
+          </a:p>
+        </p:txBody>
+      </p:sp>
       <p:sp>
         <p:nvSpPr>
           <p:cNvPr id="4" name="Slide Number Placeholder 3"/>
@@ -3979,7 +3997,7 @@
     </p:spTree>
     <p:extLst>
       <p:ext uri="{BB962C8B-B14F-4D97-AF65-F5344CB8AC3E}">
-        <p14:creationId xmlns:p14="http://schemas.microsoft.com/office/powerpoint/2010/main" val="1773612785"/>
+        <p14:creationId xmlns:p14="http://schemas.microsoft.com/office/powerpoint/2010/main" val="1303424586"/>
       </p:ext>
     </p:extLst>
   </p:cSld>
@@ -4023,7 +4041,7 @@
           <a:p>
             <a:r>
               <a:rPr lang="en-US" dirty="0"/>
-              <a:t>Get the data into R</a:t>
+              <a:t>Merging data</a:t>
             </a:r>
           </a:p>
         </p:txBody>
@@ -4040,129 +4058,55 @@
         </p:nvSpPr>
         <p:spPr/>
         <p:txBody>
-          <a:bodyPr/>
+          <a:bodyPr>
+            <a:normAutofit/>
+          </a:bodyPr>
           <a:lstStyle/>
           <a:p>
             <a:r>
               <a:rPr lang="en-US" dirty="0"/>
-              <a:t>The data come as a </a:t>
-            </a:r>
-            <a:r>
-              <a:rPr lang="en-US" dirty="0" err="1"/>
-              <a:t>xport</a:t>
-            </a:r>
+              <a:t>We haven't talked about merging in this workshop yet.</a:t>
+            </a:r>
+          </a:p>
+          <a:p>
+            <a:pPr lvl="1"/>
             <a:r>
               <a:rPr lang="en-US" dirty="0"/>
-              <a:t> file, so we'll need an external package to load them:</a:t>
+              <a:t>Google "R merge data frame"</a:t>
             </a:r>
           </a:p>
           <a:p>
             <a:endParaRPr lang="en-US" dirty="0"/>
+          </a:p>
+          <a:p>
+            <a:r>
+              <a:rPr lang="en-US" dirty="0"/>
+              <a:t>Looks like merge() should work:</a:t>
+            </a:r>
           </a:p>
           <a:p>
             <a:pPr marL="0" indent="0">
               <a:buNone/>
             </a:pPr>
+            <a:endParaRPr lang="en-US" dirty="0"/>
+          </a:p>
+          <a:p>
+            <a:pPr marL="0" indent="0">
+              <a:buNone/>
+            </a:pPr>
+            <a:r>
+              <a:rPr lang="en-US" sz="1600" dirty="0" err="1">
+                <a:latin typeface="Courier New" panose="02070309020205020404" pitchFamily="49" charset="0"/>
+                <a:cs typeface="Courier New" panose="02070309020205020404" pitchFamily="49" charset="0"/>
+              </a:rPr>
+              <a:t>nhanes</a:t>
+            </a:r>
             <a:r>
               <a:rPr lang="en-US" sz="1600" dirty="0">
                 <a:latin typeface="Courier New" panose="02070309020205020404" pitchFamily="49" charset="0"/>
                 <a:cs typeface="Courier New" panose="02070309020205020404" pitchFamily="49" charset="0"/>
               </a:rPr>
-              <a:t>library(</a:t>
-            </a:r>
-            <a:r>
-              <a:rPr lang="en-US" sz="1600" dirty="0" err="1">
-                <a:latin typeface="Courier New" panose="02070309020205020404" pitchFamily="49" charset="0"/>
-                <a:cs typeface="Courier New" panose="02070309020205020404" pitchFamily="49" charset="0"/>
-              </a:rPr>
-              <a:t>SASxport</a:t>
-            </a:r>
-            <a:r>
-              <a:rPr lang="en-US" sz="1600" dirty="0">
-                <a:latin typeface="Courier New" panose="02070309020205020404" pitchFamily="49" charset="0"/>
-                <a:cs typeface="Courier New" panose="02070309020205020404" pitchFamily="49" charset="0"/>
-              </a:rPr>
-              <a:t>)</a:t>
-            </a:r>
-          </a:p>
-          <a:p>
-            <a:pPr marL="0" indent="0">
-              <a:buNone/>
-            </a:pPr>
-            <a:r>
-              <a:rPr lang="en-US" sz="1600" dirty="0">
-                <a:latin typeface="Courier New" panose="02070309020205020404" pitchFamily="49" charset="0"/>
-                <a:cs typeface="Courier New" panose="02070309020205020404" pitchFamily="49" charset="0"/>
-              </a:rPr>
-              <a:t>demo &lt;- </a:t>
-            </a:r>
-            <a:r>
-              <a:rPr lang="en-US" sz="1600" dirty="0" err="1">
-                <a:latin typeface="Courier New" panose="02070309020205020404" pitchFamily="49" charset="0"/>
-                <a:cs typeface="Courier New" panose="02070309020205020404" pitchFamily="49" charset="0"/>
-              </a:rPr>
-              <a:t>read.xport</a:t>
-            </a:r>
-            <a:r>
-              <a:rPr lang="en-US" sz="1600" dirty="0">
-                <a:latin typeface="Courier New" panose="02070309020205020404" pitchFamily="49" charset="0"/>
-                <a:cs typeface="Courier New" panose="02070309020205020404" pitchFamily="49" charset="0"/>
-              </a:rPr>
-              <a:t>('&lt;</a:t>
-            </a:r>
-            <a:r>
-              <a:rPr lang="en-US" sz="1600" dirty="0" err="1">
-                <a:latin typeface="Courier New" panose="02070309020205020404" pitchFamily="49" charset="0"/>
-                <a:cs typeface="Courier New" panose="02070309020205020404" pitchFamily="49" charset="0"/>
-              </a:rPr>
-              <a:t>yourpath</a:t>
-            </a:r>
-            <a:r>
-              <a:rPr lang="en-US" sz="1600" dirty="0">
-                <a:latin typeface="Courier New" panose="02070309020205020404" pitchFamily="49" charset="0"/>
-                <a:cs typeface="Courier New" panose="02070309020205020404" pitchFamily="49" charset="0"/>
-              </a:rPr>
-              <a:t>&gt;/DEMO_D.XPT')</a:t>
-            </a:r>
-          </a:p>
-          <a:p>
-            <a:pPr marL="0" indent="0">
-              <a:buNone/>
-            </a:pPr>
-            <a:r>
-              <a:rPr lang="en-US" sz="1600" dirty="0">
-                <a:latin typeface="Courier New" panose="02070309020205020404" pitchFamily="49" charset="0"/>
-                <a:cs typeface="Courier New" panose="02070309020205020404" pitchFamily="49" charset="0"/>
-              </a:rPr>
-              <a:t>phthalates &lt;- </a:t>
-            </a:r>
-            <a:r>
-              <a:rPr lang="en-US" sz="1600" dirty="0" err="1">
-                <a:latin typeface="Courier New" panose="02070309020205020404" pitchFamily="49" charset="0"/>
-                <a:cs typeface="Courier New" panose="02070309020205020404" pitchFamily="49" charset="0"/>
-              </a:rPr>
-              <a:t>read.xport</a:t>
-            </a:r>
-            <a:r>
-              <a:rPr lang="en-US" sz="1600" dirty="0">
-                <a:latin typeface="Courier New" panose="02070309020205020404" pitchFamily="49" charset="0"/>
-                <a:cs typeface="Courier New" panose="02070309020205020404" pitchFamily="49" charset="0"/>
-              </a:rPr>
-              <a:t>('&lt;</a:t>
-            </a:r>
-            <a:r>
-              <a:rPr lang="en-US" sz="1600" dirty="0" err="1">
-                <a:latin typeface="Courier New" panose="02070309020205020404" pitchFamily="49" charset="0"/>
-                <a:cs typeface="Courier New" panose="02070309020205020404" pitchFamily="49" charset="0"/>
-              </a:rPr>
-              <a:t>yourpath</a:t>
-            </a:r>
-            <a:r>
-              <a:rPr lang="en-US" sz="1600" dirty="0">
-                <a:latin typeface="Courier New" panose="02070309020205020404" pitchFamily="49" charset="0"/>
-                <a:cs typeface="Courier New" panose="02070309020205020404" pitchFamily="49" charset="0"/>
-              </a:rPr>
-              <a:t>&gt;/PHTHTE_D.XPT')</a:t>
+              <a:t> &lt;- merge(demo, phthalates, by='SEQN')</a:t>
             </a:r>
           </a:p>
         </p:txBody>
@@ -4193,7 +4137,7 @@
     </p:spTree>
     <p:extLst>
       <p:ext uri="{BB962C8B-B14F-4D97-AF65-F5344CB8AC3E}">
-        <p14:creationId xmlns:p14="http://schemas.microsoft.com/office/powerpoint/2010/main" val="1303424586"/>
+        <p14:creationId xmlns:p14="http://schemas.microsoft.com/office/powerpoint/2010/main" val="239003829"/>
       </p:ext>
     </p:extLst>
   </p:cSld>
@@ -4237,7 +4181,7 @@
           <a:p>
             <a:r>
               <a:rPr lang="en-US" dirty="0"/>
-              <a:t>Merging data</a:t>
+              <a:t>Filtering to women 15-45</a:t>
             </a:r>
           </a:p>
         </p:txBody>
@@ -4254,30 +4198,12 @@
         </p:nvSpPr>
         <p:spPr/>
         <p:txBody>
-          <a:bodyPr>
-            <a:normAutofit/>
-          </a:bodyPr>
+          <a:bodyPr/>
           <a:lstStyle/>
           <a:p>
             <a:r>
               <a:rPr lang="en-US" dirty="0"/>
-              <a:t>We haven't talked about merging in this workshop yet.</a:t>
-            </a:r>
-          </a:p>
-          <a:p>
-            <a:pPr lvl="1"/>
-            <a:r>
-              <a:rPr lang="en-US" dirty="0"/>
-              <a:t>Google "R merge data frame"</a:t>
-            </a:r>
-          </a:p>
-          <a:p>
-            <a:endParaRPr lang="en-US" dirty="0"/>
-          </a:p>
-          <a:p>
-            <a:r>
-              <a:rPr lang="en-US" dirty="0"/>
-              <a:t>Looks like merge() should work:</a:t>
+              <a:t>Q: Remember how to do this?</a:t>
             </a:r>
           </a:p>
           <a:p>
@@ -4290,6 +4216,13 @@
             <a:pPr marL="0" indent="0">
               <a:buNone/>
             </a:pPr>
+            <a:r>
+              <a:rPr lang="en-US" sz="1600" dirty="0">
+                <a:latin typeface="Courier New" panose="02070309020205020404" pitchFamily="49" charset="0"/>
+                <a:cs typeface="Courier New" panose="02070309020205020404" pitchFamily="49" charset="0"/>
+              </a:rPr>
+              <a:t>women &lt;- </a:t>
+            </a:r>
             <a:r>
               <a:rPr lang="en-US" sz="1600" dirty="0" err="1">
                 <a:latin typeface="Courier New" panose="02070309020205020404" pitchFamily="49" charset="0"/>
@@ -4302,135 +4235,6 @@
                 <a:latin typeface="Courier New" panose="02070309020205020404" pitchFamily="49" charset="0"/>
                 <a:cs typeface="Courier New" panose="02070309020205020404" pitchFamily="49" charset="0"/>
               </a:rPr>
-              <a:t> &lt;- merge(demo, phthalates, by='SEQN')</a:t>
-            </a:r>
-          </a:p>
-        </p:txBody>
-      </p:sp>
-      <p:sp>
-        <p:nvSpPr>
-          <p:cNvPr id="4" name="Slide Number Placeholder 3"/>
-          <p:cNvSpPr>
-            <a:spLocks noGrp="1"/>
-          </p:cNvSpPr>
-          <p:nvPr>
-            <p:ph type="sldNum" sz="quarter" idx="12"/>
-          </p:nvPr>
-        </p:nvSpPr>
-        <p:spPr/>
-        <p:txBody>
-          <a:bodyPr/>
-          <a:lstStyle/>
-          <a:p>
-            <a:fld id="{3CE78DC2-C3EA-4731-B863-4FE22F9DFA93}" type="slidenum">
-              <a:rPr lang="en-US" smtClean="0"/>
-              <a:t>12</a:t>
-            </a:fld>
-            <a:endParaRPr lang="en-US"/>
-          </a:p>
-        </p:txBody>
-      </p:sp>
-    </p:spTree>
-    <p:extLst>
-      <p:ext uri="{BB962C8B-B14F-4D97-AF65-F5344CB8AC3E}">
-        <p14:creationId xmlns:p14="http://schemas.microsoft.com/office/powerpoint/2010/main" val="239003829"/>
-      </p:ext>
-    </p:extLst>
-  </p:cSld>
-  <p:clrMapOvr>
-    <a:masterClrMapping/>
-  </p:clrMapOvr>
-</p:sld>
-</file>
-
-<file path=ppt/slides/slide13.xml><?xml version="1.0" encoding="utf-8"?>
-<p:sld xmlns:a="http://schemas.openxmlformats.org/drawingml/2006/main" xmlns:r="http://schemas.openxmlformats.org/officeDocument/2006/relationships" xmlns:p="http://schemas.openxmlformats.org/presentationml/2006/main">
-  <p:cSld>
-    <p:spTree>
-      <p:nvGrpSpPr>
-        <p:cNvPr id="1" name=""/>
-        <p:cNvGrpSpPr/>
-        <p:nvPr/>
-      </p:nvGrpSpPr>
-      <p:grpSpPr>
-        <a:xfrm>
-          <a:off x="0" y="0"/>
-          <a:ext cx="0" cy="0"/>
-          <a:chOff x="0" y="0"/>
-          <a:chExt cx="0" cy="0"/>
-        </a:xfrm>
-      </p:grpSpPr>
-      <p:sp>
-        <p:nvSpPr>
-          <p:cNvPr id="2" name="Title 1"/>
-          <p:cNvSpPr>
-            <a:spLocks noGrp="1"/>
-          </p:cNvSpPr>
-          <p:nvPr>
-            <p:ph type="title"/>
-          </p:nvPr>
-        </p:nvSpPr>
-        <p:spPr/>
-        <p:txBody>
-          <a:bodyPr/>
-          <a:lstStyle/>
-          <a:p>
-            <a:r>
-              <a:rPr lang="en-US" dirty="0"/>
-              <a:t>Filtering to women 15-45</a:t>
-            </a:r>
-          </a:p>
-        </p:txBody>
-      </p:sp>
-      <p:sp>
-        <p:nvSpPr>
-          <p:cNvPr id="3" name="Content Placeholder 2"/>
-          <p:cNvSpPr>
-            <a:spLocks noGrp="1"/>
-          </p:cNvSpPr>
-          <p:nvPr>
-            <p:ph idx="1"/>
-          </p:nvPr>
-        </p:nvSpPr>
-        <p:spPr/>
-        <p:txBody>
-          <a:bodyPr/>
-          <a:lstStyle/>
-          <a:p>
-            <a:r>
-              <a:rPr lang="en-US" dirty="0"/>
-              <a:t>Q: Remember how to do this?</a:t>
-            </a:r>
-          </a:p>
-          <a:p>
-            <a:pPr marL="0" indent="0">
-              <a:buNone/>
-            </a:pPr>
-            <a:endParaRPr lang="en-US" dirty="0"/>
-          </a:p>
-          <a:p>
-            <a:pPr marL="0" indent="0">
-              <a:buNone/>
-            </a:pPr>
-            <a:r>
-              <a:rPr lang="en-US" sz="1600" dirty="0">
-                <a:latin typeface="Courier New" panose="02070309020205020404" pitchFamily="49" charset="0"/>
-                <a:cs typeface="Courier New" panose="02070309020205020404" pitchFamily="49" charset="0"/>
-              </a:rPr>
-              <a:t>women &lt;- </a:t>
-            </a:r>
-            <a:r>
-              <a:rPr lang="en-US" sz="1600" dirty="0" err="1">
-                <a:latin typeface="Courier New" panose="02070309020205020404" pitchFamily="49" charset="0"/>
-                <a:cs typeface="Courier New" panose="02070309020205020404" pitchFamily="49" charset="0"/>
-              </a:rPr>
-              <a:t>nhanes</a:t>
-            </a:r>
-            <a:r>
-              <a:rPr lang="en-US" sz="1600" dirty="0">
-                <a:latin typeface="Courier New" panose="02070309020205020404" pitchFamily="49" charset="0"/>
-                <a:cs typeface="Courier New" panose="02070309020205020404" pitchFamily="49" charset="0"/>
-              </a:rPr>
               <a:t>[</a:t>
             </a:r>
             <a:r>
@@ -4538,7 +4342,7 @@
           <a:p>
             <a:fld id="{3CE78DC2-C3EA-4731-B863-4FE22F9DFA93}" type="slidenum">
               <a:rPr lang="en-US" smtClean="0"/>
-              <a:t>13</a:t>
+              <a:t>12</a:t>
             </a:fld>
             <a:endParaRPr lang="en-US"/>
           </a:p>
@@ -4557,7 +4361,7 @@
 </p:sld>
 </file>
 
-<file path=ppt/slides/slide14.xml><?xml version="1.0" encoding="utf-8"?>
+<file path=ppt/slides/slide13.xml><?xml version="1.0" encoding="utf-8"?>
 <p:sld xmlns:a="http://schemas.openxmlformats.org/drawingml/2006/main" xmlns:r="http://schemas.openxmlformats.org/officeDocument/2006/relationships" xmlns:p="http://schemas.openxmlformats.org/presentationml/2006/main">
   <p:cSld>
     <p:spTree>
@@ -4654,14 +4458,14 @@
           <a:effectLst/>
           <a:extLst>
             <a:ext uri="{909E8E84-426E-40dd-AFC4-6F175D3DCCD1}">
-              <a14:hiddenFill xmlns="" xmlns:a14="http://schemas.microsoft.com/office/drawing/2010/main">
+              <a14:hiddenFill xmlns:a14="http://schemas.microsoft.com/office/drawing/2010/main" xmlns="">
                 <a:solidFill>
                   <a:schemeClr val="accent1"/>
                 </a:solidFill>
               </a14:hiddenFill>
             </a:ext>
             <a:ext uri="{91240B29-F687-4f45-9708-019B960494DF}">
-              <a14:hiddenLine xmlns="" xmlns:a14="http://schemas.microsoft.com/office/drawing/2010/main" w="9525">
+              <a14:hiddenLine xmlns:a14="http://schemas.microsoft.com/office/drawing/2010/main" xmlns="" w="9525">
                 <a:solidFill>
                   <a:schemeClr val="tx1"/>
                 </a:solidFill>
@@ -4671,7 +4475,7 @@
               </a14:hiddenLine>
             </a:ext>
             <a:ext uri="{AF507438-7753-43e0-B8FC-AC1667EBCBE1}">
-              <a14:hiddenEffects xmlns="" xmlns:a14="http://schemas.microsoft.com/office/drawing/2010/main">
+              <a14:hiddenEffects xmlns:a14="http://schemas.microsoft.com/office/drawing/2010/main" xmlns="">
                 <a:effectLst>
                   <a:outerShdw dist="35921" dir="2700000" algn="ctr" rotWithShape="0">
                     <a:schemeClr val="bg2"/>
@@ -4699,9 +4503,160 @@
           <a:p>
             <a:fld id="{3CE78DC2-C3EA-4731-B863-4FE22F9DFA93}" type="slidenum">
               <a:rPr lang="en-US" smtClean="0"/>
-              <a:t>14</a:t>
+              <a:t>13</a:t>
             </a:fld>
             <a:endParaRPr lang="en-US"/>
+          </a:p>
+        </p:txBody>
+      </p:sp>
+      <p:sp>
+        <p:nvSpPr>
+          <p:cNvPr id="5" name="TextBox 4">
+            <a:extLst>
+              <a:ext uri="{FF2B5EF4-FFF2-40B4-BE49-F238E27FC236}">
+                <a16:creationId xmlns:a16="http://schemas.microsoft.com/office/drawing/2014/main" id="{EBF84591-B552-A240-B4B0-487ECFDE62E1}"/>
+              </a:ext>
+            </a:extLst>
+          </p:cNvPr>
+          <p:cNvSpPr txBox="1"/>
+          <p:nvPr/>
+        </p:nvSpPr>
+        <p:spPr>
+          <a:xfrm>
+            <a:off x="3733800" y="3407229"/>
+            <a:ext cx="4158511" cy="2462213"/>
+          </a:xfrm>
+          <a:prstGeom prst="rect">
+            <a:avLst/>
+          </a:prstGeom>
+          <a:noFill/>
+          <a:ln>
+            <a:solidFill>
+              <a:schemeClr val="tx1"/>
+            </a:solidFill>
+          </a:ln>
+        </p:spPr>
+        <p:txBody>
+          <a:bodyPr wrap="none" rtlCol="0">
+            <a:spAutoFit/>
+          </a:bodyPr>
+          <a:lstStyle/>
+          <a:p>
+            <a:r>
+              <a:rPr lang="en-US" sz="1400" dirty="0" err="1">
+                <a:latin typeface="Courier New" panose="02070309020205020404" pitchFamily="49" charset="0"/>
+                <a:cs typeface="Courier New" panose="02070309020205020404" pitchFamily="49" charset="0"/>
+              </a:rPr>
+              <a:t>colnames</a:t>
+            </a:r>
+            <a:r>
+              <a:rPr lang="en-US" sz="1400" dirty="0">
+                <a:latin typeface="Courier New" panose="02070309020205020404" pitchFamily="49" charset="0"/>
+                <a:cs typeface="Courier New" panose="02070309020205020404" pitchFamily="49" charset="0"/>
+              </a:rPr>
+              <a:t>(women1545)</a:t>
+            </a:r>
+          </a:p>
+          <a:p>
+            <a:r>
+              <a:rPr lang="en-US" sz="1400" dirty="0" err="1">
+                <a:latin typeface="Courier New" panose="02070309020205020404" pitchFamily="49" charset="0"/>
+                <a:cs typeface="Courier New" panose="02070309020205020404" pitchFamily="49" charset="0"/>
+              </a:rPr>
+              <a:t>phthalate_column_names</a:t>
+            </a:r>
+            <a:r>
+              <a:rPr lang="en-US" sz="1400" dirty="0">
+                <a:latin typeface="Courier New" panose="02070309020205020404" pitchFamily="49" charset="0"/>
+                <a:cs typeface="Courier New" panose="02070309020205020404" pitchFamily="49" charset="0"/>
+              </a:rPr>
+              <a:t> &lt;- c('URXMHP',</a:t>
+            </a:r>
+          </a:p>
+          <a:p>
+            <a:r>
+              <a:rPr lang="en-US" sz="1400" dirty="0">
+                <a:latin typeface="Courier New" panose="02070309020205020404" pitchFamily="49" charset="0"/>
+                <a:cs typeface="Courier New" panose="02070309020205020404" pitchFamily="49" charset="0"/>
+              </a:rPr>
+              <a:t>			'URXMHH',</a:t>
+            </a:r>
+          </a:p>
+          <a:p>
+            <a:r>
+              <a:rPr lang="en-US" sz="1400" dirty="0">
+                <a:latin typeface="Courier New" panose="02070309020205020404" pitchFamily="49" charset="0"/>
+                <a:cs typeface="Courier New" panose="02070309020205020404" pitchFamily="49" charset="0"/>
+              </a:rPr>
+              <a:t>			'URXECP',</a:t>
+            </a:r>
+          </a:p>
+          <a:p>
+            <a:r>
+              <a:rPr lang="en-US" sz="1400" dirty="0">
+                <a:latin typeface="Courier New" panose="02070309020205020404" pitchFamily="49" charset="0"/>
+                <a:cs typeface="Courier New" panose="02070309020205020404" pitchFamily="49" charset="0"/>
+              </a:rPr>
+              <a:t>			'URXMOH',</a:t>
+            </a:r>
+          </a:p>
+          <a:p>
+            <a:r>
+              <a:rPr lang="en-US" sz="1400" dirty="0">
+                <a:latin typeface="Courier New" panose="02070309020205020404" pitchFamily="49" charset="0"/>
+                <a:cs typeface="Courier New" panose="02070309020205020404" pitchFamily="49" charset="0"/>
+              </a:rPr>
+              <a:t>			'URXMC1',</a:t>
+            </a:r>
+          </a:p>
+          <a:p>
+            <a:r>
+              <a:rPr lang="en-US" sz="1400" dirty="0">
+                <a:latin typeface="Courier New" panose="02070309020205020404" pitchFamily="49" charset="0"/>
+                <a:cs typeface="Courier New" panose="02070309020205020404" pitchFamily="49" charset="0"/>
+              </a:rPr>
+              <a:t>			'URXMIB',</a:t>
+            </a:r>
+          </a:p>
+          <a:p>
+            <a:r>
+              <a:rPr lang="en-US" sz="1400" dirty="0">
+                <a:latin typeface="Courier New" panose="02070309020205020404" pitchFamily="49" charset="0"/>
+                <a:cs typeface="Courier New" panose="02070309020205020404" pitchFamily="49" charset="0"/>
+              </a:rPr>
+              <a:t>			'URXMBP',</a:t>
+            </a:r>
+          </a:p>
+          <a:p>
+            <a:r>
+              <a:rPr lang="en-US" sz="1400" dirty="0">
+                <a:latin typeface="Courier New" panose="02070309020205020404" pitchFamily="49" charset="0"/>
+                <a:cs typeface="Courier New" panose="02070309020205020404" pitchFamily="49" charset="0"/>
+              </a:rPr>
+              <a:t>			'URXMZP',</a:t>
+            </a:r>
+          </a:p>
+          <a:p>
+            <a:r>
+              <a:rPr lang="en-US" sz="1400" dirty="0">
+                <a:latin typeface="Courier New" panose="02070309020205020404" pitchFamily="49" charset="0"/>
+                <a:cs typeface="Courier New" panose="02070309020205020404" pitchFamily="49" charset="0"/>
+              </a:rPr>
+              <a:t>			'URXMEP')</a:t>
+            </a:r>
+          </a:p>
+          <a:p>
+            <a:r>
+              <a:rPr lang="en-US" sz="1400" dirty="0" err="1">
+                <a:latin typeface="Courier New" panose="02070309020205020404" pitchFamily="49" charset="0"/>
+                <a:cs typeface="Courier New" panose="02070309020205020404" pitchFamily="49" charset="0"/>
+              </a:rPr>
+              <a:t>phthalate_column_names</a:t>
+            </a:r>
+            <a:endParaRPr lang="en-US" sz="1400" dirty="0">
+              <a:latin typeface="Courier New" panose="02070309020205020404" pitchFamily="49" charset="0"/>
+              <a:cs typeface="Courier New" panose="02070309020205020404" pitchFamily="49" charset="0"/>
+            </a:endParaRPr>
           </a:p>
         </p:txBody>
       </p:sp>
@@ -4709,6 +4664,211 @@
     <p:extLst>
       <p:ext uri="{BB962C8B-B14F-4D97-AF65-F5344CB8AC3E}">
         <p14:creationId xmlns:p14="http://schemas.microsoft.com/office/powerpoint/2010/main" val="2756427205"/>
+      </p:ext>
+    </p:extLst>
+  </p:cSld>
+  <p:clrMapOvr>
+    <a:masterClrMapping/>
+  </p:clrMapOvr>
+</p:sld>
+</file>
+
+<file path=ppt/slides/slide14.xml><?xml version="1.0" encoding="utf-8"?>
+<p:sld xmlns:a="http://schemas.openxmlformats.org/drawingml/2006/main" xmlns:r="http://schemas.openxmlformats.org/officeDocument/2006/relationships" xmlns:p="http://schemas.openxmlformats.org/presentationml/2006/main">
+  <p:cSld>
+    <p:spTree>
+      <p:nvGrpSpPr>
+        <p:cNvPr id="1" name=""/>
+        <p:cNvGrpSpPr/>
+        <p:nvPr/>
+      </p:nvGrpSpPr>
+      <p:grpSpPr>
+        <a:xfrm>
+          <a:off x="0" y="0"/>
+          <a:ext cx="0" cy="0"/>
+          <a:chOff x="0" y="0"/>
+          <a:chExt cx="0" cy="0"/>
+        </a:xfrm>
+      </p:grpSpPr>
+      <p:sp>
+        <p:nvSpPr>
+          <p:cNvPr id="2" name="Title 1"/>
+          <p:cNvSpPr>
+            <a:spLocks noGrp="1"/>
+          </p:cNvSpPr>
+          <p:nvPr>
+            <p:ph type="title"/>
+          </p:nvPr>
+        </p:nvSpPr>
+        <p:spPr/>
+        <p:txBody>
+          <a:bodyPr/>
+          <a:lstStyle/>
+          <a:p>
+            <a:r>
+              <a:rPr lang="en-US" dirty="0"/>
+              <a:t>Log transform variables</a:t>
+            </a:r>
+          </a:p>
+        </p:txBody>
+      </p:sp>
+      <p:sp>
+        <p:nvSpPr>
+          <p:cNvPr id="3" name="Content Placeholder 2"/>
+          <p:cNvSpPr>
+            <a:spLocks noGrp="1"/>
+          </p:cNvSpPr>
+          <p:nvPr>
+            <p:ph idx="1"/>
+          </p:nvPr>
+        </p:nvSpPr>
+        <p:spPr/>
+        <p:txBody>
+          <a:bodyPr>
+            <a:normAutofit/>
+          </a:bodyPr>
+          <a:lstStyle/>
+          <a:p>
+            <a:r>
+              <a:rPr lang="en-US" dirty="0"/>
+              <a:t>Using indexing by name, we can log-transform them all at once</a:t>
+            </a:r>
+          </a:p>
+          <a:p>
+            <a:endParaRPr lang="en-US" dirty="0"/>
+          </a:p>
+          <a:p>
+            <a:pPr marL="0" indent="0">
+              <a:buNone/>
+            </a:pPr>
+            <a:r>
+              <a:rPr lang="en-US" sz="1400" dirty="0" err="1">
+                <a:latin typeface="Courier New" panose="02070309020205020404" pitchFamily="49" charset="0"/>
+                <a:cs typeface="Courier New" panose="02070309020205020404" pitchFamily="49" charset="0"/>
+              </a:rPr>
+              <a:t>log_phthalate_column_names</a:t>
+            </a:r>
+            <a:r>
+              <a:rPr lang="en-US" sz="1400" dirty="0">
+                <a:latin typeface="Courier New" panose="02070309020205020404" pitchFamily="49" charset="0"/>
+                <a:cs typeface="Courier New" panose="02070309020205020404" pitchFamily="49" charset="0"/>
+              </a:rPr>
+              <a:t> &lt;- paste('Ln', </a:t>
+            </a:r>
+            <a:r>
+              <a:rPr lang="en-US" sz="1400" dirty="0" err="1">
+                <a:latin typeface="Courier New" panose="02070309020205020404" pitchFamily="49" charset="0"/>
+                <a:cs typeface="Courier New" panose="02070309020205020404" pitchFamily="49" charset="0"/>
+              </a:rPr>
+              <a:t>phthalate_column_names</a:t>
+            </a:r>
+            <a:r>
+              <a:rPr lang="en-US" sz="1400" dirty="0">
+                <a:latin typeface="Courier New" panose="02070309020205020404" pitchFamily="49" charset="0"/>
+                <a:cs typeface="Courier New" panose="02070309020205020404" pitchFamily="49" charset="0"/>
+              </a:rPr>
+              <a:t>, </a:t>
+            </a:r>
+            <a:r>
+              <a:rPr lang="en-US" sz="1400" dirty="0" err="1">
+                <a:latin typeface="Courier New" panose="02070309020205020404" pitchFamily="49" charset="0"/>
+                <a:cs typeface="Courier New" panose="02070309020205020404" pitchFamily="49" charset="0"/>
+              </a:rPr>
+              <a:t>sep</a:t>
+            </a:r>
+            <a:r>
+              <a:rPr lang="en-US" sz="1400" dirty="0">
+                <a:latin typeface="Courier New" panose="02070309020205020404" pitchFamily="49" charset="0"/>
+                <a:cs typeface="Courier New" panose="02070309020205020404" pitchFamily="49" charset="0"/>
+              </a:rPr>
+              <a:t>='')</a:t>
+            </a:r>
+          </a:p>
+          <a:p>
+            <a:pPr marL="0" indent="0">
+              <a:buNone/>
+            </a:pPr>
+            <a:r>
+              <a:rPr lang="en-US" sz="1400" dirty="0" err="1">
+                <a:latin typeface="Courier New" panose="02070309020205020404" pitchFamily="49" charset="0"/>
+                <a:cs typeface="Courier New" panose="02070309020205020404" pitchFamily="49" charset="0"/>
+              </a:rPr>
+              <a:t>log_phthalate_column_names</a:t>
+            </a:r>
+            <a:endParaRPr lang="en-US" sz="1400" dirty="0">
+              <a:latin typeface="Courier New" panose="02070309020205020404" pitchFamily="49" charset="0"/>
+              <a:cs typeface="Courier New" panose="02070309020205020404" pitchFamily="49" charset="0"/>
+            </a:endParaRPr>
+          </a:p>
+          <a:p>
+            <a:pPr marL="0" indent="0">
+              <a:buNone/>
+            </a:pPr>
+            <a:r>
+              <a:rPr lang="en-US" sz="1400" dirty="0">
+                <a:latin typeface="Courier New" panose="02070309020205020404" pitchFamily="49" charset="0"/>
+                <a:cs typeface="Courier New" panose="02070309020205020404" pitchFamily="49" charset="0"/>
+              </a:rPr>
+              <a:t>women1545[,</a:t>
+            </a:r>
+            <a:r>
+              <a:rPr lang="en-US" sz="1400" dirty="0" err="1">
+                <a:latin typeface="Courier New" panose="02070309020205020404" pitchFamily="49" charset="0"/>
+                <a:cs typeface="Courier New" panose="02070309020205020404" pitchFamily="49" charset="0"/>
+              </a:rPr>
+              <a:t>log_phthalate_column_names</a:t>
+            </a:r>
+            <a:r>
+              <a:rPr lang="en-US" sz="1400" dirty="0">
+                <a:latin typeface="Courier New" panose="02070309020205020404" pitchFamily="49" charset="0"/>
+                <a:cs typeface="Courier New" panose="02070309020205020404" pitchFamily="49" charset="0"/>
+              </a:rPr>
+              <a:t>] &lt;- log(women1545[,</a:t>
+            </a:r>
+            <a:r>
+              <a:rPr lang="en-US" sz="1400" dirty="0" err="1">
+                <a:latin typeface="Courier New" panose="02070309020205020404" pitchFamily="49" charset="0"/>
+                <a:cs typeface="Courier New" panose="02070309020205020404" pitchFamily="49" charset="0"/>
+              </a:rPr>
+              <a:t>phthalate_column_names</a:t>
+            </a:r>
+            <a:r>
+              <a:rPr lang="en-US" sz="1400" dirty="0">
+                <a:latin typeface="Courier New" panose="02070309020205020404" pitchFamily="49" charset="0"/>
+                <a:cs typeface="Courier New" panose="02070309020205020404" pitchFamily="49" charset="0"/>
+              </a:rPr>
+              <a:t>])</a:t>
+            </a:r>
+          </a:p>
+        </p:txBody>
+      </p:sp>
+      <p:sp>
+        <p:nvSpPr>
+          <p:cNvPr id="4" name="Slide Number Placeholder 3"/>
+          <p:cNvSpPr>
+            <a:spLocks noGrp="1"/>
+          </p:cNvSpPr>
+          <p:nvPr>
+            <p:ph type="sldNum" sz="quarter" idx="12"/>
+          </p:nvPr>
+        </p:nvSpPr>
+        <p:spPr/>
+        <p:txBody>
+          <a:bodyPr/>
+          <a:lstStyle/>
+          <a:p>
+            <a:fld id="{3CE78DC2-C3EA-4731-B863-4FE22F9DFA93}" type="slidenum">
+              <a:rPr lang="en-US" smtClean="0"/>
+              <a:t>14</a:t>
+            </a:fld>
+            <a:endParaRPr lang="en-US"/>
+          </a:p>
+        </p:txBody>
+      </p:sp>
+    </p:spTree>
+    <p:extLst>
+      <p:ext uri="{BB962C8B-B14F-4D97-AF65-F5344CB8AC3E}">
+        <p14:creationId xmlns:p14="http://schemas.microsoft.com/office/powerpoint/2010/main" val="2150952325"/>
       </p:ext>
     </p:extLst>
   </p:cSld>
@@ -4752,7 +4912,7 @@
           <a:p>
             <a:r>
               <a:rPr lang="en-US" dirty="0"/>
-              <a:t>Log transform variables</a:t>
+              <a:t>Log-transform variables</a:t>
             </a:r>
           </a:p>
         </p:txBody>
@@ -4769,120 +4929,12 @@
         </p:nvSpPr>
         <p:spPr/>
         <p:txBody>
-          <a:bodyPr>
-            <a:normAutofit/>
-          </a:bodyPr>
+          <a:bodyPr/>
           <a:lstStyle/>
           <a:p>
             <a:r>
               <a:rPr lang="en-US" dirty="0"/>
-              <a:t>Using indexing by name, we can log-transform them all at once</a:t>
-            </a:r>
-          </a:p>
-          <a:p>
-            <a:endParaRPr lang="en-US" dirty="0"/>
-          </a:p>
-          <a:p>
-            <a:pPr marL="0" indent="0">
-              <a:buNone/>
-            </a:pPr>
-            <a:r>
-              <a:rPr lang="en-US" sz="1400" dirty="0" err="1">
-                <a:latin typeface="Courier New" panose="02070309020205020404" pitchFamily="49" charset="0"/>
-                <a:cs typeface="Courier New" panose="02070309020205020404" pitchFamily="49" charset="0"/>
-              </a:rPr>
-              <a:t>log_phthalate_column_names</a:t>
-            </a:r>
-            <a:r>
-              <a:rPr lang="en-US" sz="1400" dirty="0">
-                <a:latin typeface="Courier New" panose="02070309020205020404" pitchFamily="49" charset="0"/>
-                <a:cs typeface="Courier New" panose="02070309020205020404" pitchFamily="49" charset="0"/>
-              </a:rPr>
-              <a:t> &lt;- paste('Ln', </a:t>
-            </a:r>
-            <a:r>
-              <a:rPr lang="en-US" sz="1400" dirty="0" err="1">
-                <a:latin typeface="Courier New" panose="02070309020205020404" pitchFamily="49" charset="0"/>
-                <a:cs typeface="Courier New" panose="02070309020205020404" pitchFamily="49" charset="0"/>
-              </a:rPr>
-              <a:t>phthalate_column_names</a:t>
-            </a:r>
-            <a:r>
-              <a:rPr lang="en-US" sz="1400" dirty="0">
-                <a:latin typeface="Courier New" panose="02070309020205020404" pitchFamily="49" charset="0"/>
-                <a:cs typeface="Courier New" panose="02070309020205020404" pitchFamily="49" charset="0"/>
-              </a:rPr>
-              <a:t>, </a:t>
-            </a:r>
-            <a:r>
-              <a:rPr lang="en-US" sz="1400" dirty="0" err="1">
-                <a:latin typeface="Courier New" panose="02070309020205020404" pitchFamily="49" charset="0"/>
-                <a:cs typeface="Courier New" panose="02070309020205020404" pitchFamily="49" charset="0"/>
-              </a:rPr>
-              <a:t>sep</a:t>
-            </a:r>
-            <a:r>
-              <a:rPr lang="en-US" sz="1400" dirty="0">
-                <a:latin typeface="Courier New" panose="02070309020205020404" pitchFamily="49" charset="0"/>
-                <a:cs typeface="Courier New" panose="02070309020205020404" pitchFamily="49" charset="0"/>
-              </a:rPr>
-              <a:t>='')</a:t>
-            </a:r>
-          </a:p>
-          <a:p>
-            <a:pPr marL="0" indent="0">
-              <a:buNone/>
-            </a:pPr>
-            <a:r>
-              <a:rPr lang="en-US" sz="1400" dirty="0" err="1">
-                <a:latin typeface="Courier New" panose="02070309020205020404" pitchFamily="49" charset="0"/>
-                <a:cs typeface="Courier New" panose="02070309020205020404" pitchFamily="49" charset="0"/>
-              </a:rPr>
-              <a:t>log_phthalate_column_names</a:t>
-            </a:r>
-            <a:endParaRPr lang="en-US" sz="1400" dirty="0">
-              <a:latin typeface="Courier New" panose="02070309020205020404" pitchFamily="49" charset="0"/>
-              <a:cs typeface="Courier New" panose="02070309020205020404" pitchFamily="49" charset="0"/>
-            </a:endParaRPr>
-          </a:p>
-          <a:p>
-            <a:pPr marL="0" indent="0">
-              <a:buNone/>
-            </a:pPr>
-            <a:r>
-              <a:rPr lang="en-US" sz="1400" dirty="0">
-                <a:latin typeface="Courier New" panose="02070309020205020404" pitchFamily="49" charset="0"/>
-                <a:cs typeface="Courier New" panose="02070309020205020404" pitchFamily="49" charset="0"/>
-              </a:rPr>
-              <a:t>women1545[,</a:t>
-            </a:r>
-            <a:r>
-              <a:rPr lang="en-US" sz="1400" dirty="0" err="1">
-                <a:latin typeface="Courier New" panose="02070309020205020404" pitchFamily="49" charset="0"/>
-                <a:cs typeface="Courier New" panose="02070309020205020404" pitchFamily="49" charset="0"/>
-              </a:rPr>
-              <a:t>log_phthalate_column_names</a:t>
-            </a:r>
-            <a:r>
-              <a:rPr lang="en-US" sz="1400" dirty="0">
-                <a:latin typeface="Courier New" panose="02070309020205020404" pitchFamily="49" charset="0"/>
-                <a:cs typeface="Courier New" panose="02070309020205020404" pitchFamily="49" charset="0"/>
-              </a:rPr>
-              <a:t>] &lt;- log(women1545[,</a:t>
-            </a:r>
-            <a:r>
-              <a:rPr lang="en-US" sz="1400" dirty="0" err="1">
-                <a:latin typeface="Courier New" panose="02070309020205020404" pitchFamily="49" charset="0"/>
-                <a:cs typeface="Courier New" panose="02070309020205020404" pitchFamily="49" charset="0"/>
-              </a:rPr>
-              <a:t>phthalate_column_names</a:t>
-            </a:r>
-            <a:r>
-              <a:rPr lang="en-US" sz="1400" dirty="0">
-                <a:latin typeface="Courier New" panose="02070309020205020404" pitchFamily="49" charset="0"/>
-                <a:cs typeface="Courier New" panose="02070309020205020404" pitchFamily="49" charset="0"/>
-              </a:rPr>
-              <a:t>])</a:t>
+              <a:t>This bulk operation is elegant, but in practice, I didn’t do it that way initially.  See code for two other versions</a:t>
             </a:r>
           </a:p>
         </p:txBody>
@@ -4913,7 +4965,7 @@
     </p:spTree>
     <p:extLst>
       <p:ext uri="{BB962C8B-B14F-4D97-AF65-F5344CB8AC3E}">
-        <p14:creationId xmlns:p14="http://schemas.microsoft.com/office/powerpoint/2010/main" val="2150952325"/>
+        <p14:creationId xmlns:p14="http://schemas.microsoft.com/office/powerpoint/2010/main" val="2817137095"/>
       </p:ext>
     </p:extLst>
   </p:cSld>
@@ -4957,7 +5009,7 @@
           <a:p>
             <a:r>
               <a:rPr lang="en-US" dirty="0"/>
-              <a:t>Log-transform variables</a:t>
+              <a:t>Loops</a:t>
             </a:r>
           </a:p>
         </p:txBody>
@@ -4974,13 +5026,167 @@
         </p:nvSpPr>
         <p:spPr/>
         <p:txBody>
-          <a:bodyPr/>
-          <a:lstStyle/>
-          <a:p>
-            <a:r>
-              <a:rPr lang="en-US" dirty="0"/>
-              <a:t>This bulk operation is elegant, but in practice, I didn’t do it that way initially.  See code for two other versions</a:t>
-            </a:r>
+          <a:bodyPr>
+            <a:normAutofit fontScale="92500" lnSpcReduction="20000"/>
+          </a:bodyPr>
+          <a:lstStyle/>
+          <a:p>
+            <a:r>
+              <a:rPr lang="en-US" sz="2800" dirty="0"/>
+              <a:t>There are several ways to loop in R, but the most common is using for:</a:t>
+            </a:r>
+          </a:p>
+          <a:p>
+            <a:endParaRPr lang="en-US" sz="2800" dirty="0"/>
+          </a:p>
+          <a:p>
+            <a:pPr marL="0" indent="0">
+              <a:buNone/>
+            </a:pPr>
+            <a:r>
+              <a:rPr lang="en-US" sz="2000" dirty="0">
+                <a:latin typeface="Courier New" pitchFamily="49" charset="0"/>
+                <a:cs typeface="Courier New" pitchFamily="49" charset="0"/>
+              </a:rPr>
+              <a:t>for (i in </a:t>
+            </a:r>
+            <a:r>
+              <a:rPr lang="en-US" sz="2000" i="1" dirty="0" err="1">
+                <a:latin typeface="Courier New" pitchFamily="49" charset="0"/>
+                <a:cs typeface="Courier New" pitchFamily="49" charset="0"/>
+              </a:rPr>
+              <a:t>somevector</a:t>
+            </a:r>
+            <a:r>
+              <a:rPr lang="en-US" sz="2000" dirty="0">
+                <a:latin typeface="Courier New" pitchFamily="49" charset="0"/>
+                <a:cs typeface="Courier New" pitchFamily="49" charset="0"/>
+              </a:rPr>
+              <a:t>) {</a:t>
+            </a:r>
+          </a:p>
+          <a:p>
+            <a:pPr marL="0" indent="0">
+              <a:buNone/>
+            </a:pPr>
+            <a:r>
+              <a:rPr lang="en-US" sz="2000" dirty="0">
+                <a:latin typeface="Courier New" pitchFamily="49" charset="0"/>
+                <a:cs typeface="Courier New" pitchFamily="49" charset="0"/>
+              </a:rPr>
+              <a:t>  #do something with i</a:t>
+            </a:r>
+          </a:p>
+          <a:p>
+            <a:pPr marL="0" indent="0">
+              <a:buNone/>
+            </a:pPr>
+            <a:r>
+              <a:rPr lang="en-US" sz="2000" dirty="0">
+                <a:latin typeface="Courier New" pitchFamily="49" charset="0"/>
+                <a:cs typeface="Courier New" pitchFamily="49" charset="0"/>
+              </a:rPr>
+              <a:t>}</a:t>
+            </a:r>
+          </a:p>
+          <a:p>
+            <a:pPr marL="0" indent="0">
+              <a:buNone/>
+            </a:pPr>
+            <a:endParaRPr lang="en-US" sz="2000" dirty="0">
+              <a:latin typeface="Courier New" pitchFamily="49" charset="0"/>
+              <a:cs typeface="Courier New" pitchFamily="49" charset="0"/>
+            </a:endParaRPr>
+          </a:p>
+          <a:p>
+            <a:r>
+              <a:rPr lang="en-US" sz="2800" dirty="0">
+                <a:cs typeface="Courier New" pitchFamily="49" charset="0"/>
+              </a:rPr>
+              <a:t>Sometimes it's easier to use the positional index, in which case the code takes this form:</a:t>
+            </a:r>
+          </a:p>
+          <a:p>
+            <a:pPr marL="0" indent="0">
+              <a:buNone/>
+            </a:pPr>
+            <a:endParaRPr lang="en-US" sz="2000" dirty="0">
+              <a:latin typeface="Courier New" pitchFamily="49" charset="0"/>
+              <a:cs typeface="Courier New" pitchFamily="49" charset="0"/>
+            </a:endParaRPr>
+          </a:p>
+          <a:p>
+            <a:pPr marL="0" indent="0">
+              <a:buNone/>
+            </a:pPr>
+            <a:r>
+              <a:rPr lang="en-US" sz="2000" dirty="0">
+                <a:latin typeface="Courier New" pitchFamily="49" charset="0"/>
+                <a:cs typeface="Courier New" pitchFamily="49" charset="0"/>
+              </a:rPr>
+              <a:t>for (i in 1:length(</a:t>
+            </a:r>
+            <a:r>
+              <a:rPr lang="en-US" sz="2000" i="1" dirty="0" err="1">
+                <a:latin typeface="Courier New" pitchFamily="49" charset="0"/>
+                <a:cs typeface="Courier New" pitchFamily="49" charset="0"/>
+              </a:rPr>
+              <a:t>somevector</a:t>
+            </a:r>
+            <a:r>
+              <a:rPr lang="en-US" sz="2000" dirty="0">
+                <a:latin typeface="Courier New" pitchFamily="49" charset="0"/>
+                <a:cs typeface="Courier New" pitchFamily="49" charset="0"/>
+              </a:rPr>
+              <a:t>)) {</a:t>
+            </a:r>
+          </a:p>
+          <a:p>
+            <a:pPr marL="0" indent="0">
+              <a:buNone/>
+            </a:pPr>
+            <a:r>
+              <a:rPr lang="en-US" sz="2000" dirty="0">
+                <a:latin typeface="Courier New" pitchFamily="49" charset="0"/>
+                <a:cs typeface="Courier New" pitchFamily="49" charset="0"/>
+              </a:rPr>
+              <a:t>  #do something with </a:t>
+            </a:r>
+            <a:r>
+              <a:rPr lang="en-US" sz="2000" i="1" dirty="0" err="1">
+                <a:latin typeface="Courier New" pitchFamily="49" charset="0"/>
+                <a:cs typeface="Courier New" pitchFamily="49" charset="0"/>
+              </a:rPr>
+              <a:t>somevector</a:t>
+            </a:r>
+            <a:r>
+              <a:rPr lang="en-US" sz="2000" dirty="0">
+                <a:latin typeface="Courier New" pitchFamily="49" charset="0"/>
+                <a:cs typeface="Courier New" pitchFamily="49" charset="0"/>
+              </a:rPr>
+              <a:t>[i]</a:t>
+            </a:r>
+          </a:p>
+          <a:p>
+            <a:pPr marL="0" indent="0">
+              <a:buNone/>
+            </a:pPr>
+            <a:r>
+              <a:rPr lang="en-US" sz="2000" dirty="0">
+                <a:latin typeface="Courier New" pitchFamily="49" charset="0"/>
+                <a:cs typeface="Courier New" pitchFamily="49" charset="0"/>
+              </a:rPr>
+              <a:t>}</a:t>
+            </a:r>
+          </a:p>
+          <a:p>
+            <a:pPr marL="0" indent="0">
+              <a:buNone/>
+            </a:pPr>
+            <a:endParaRPr lang="en-US" sz="2000" dirty="0">
+              <a:latin typeface="Courier New" pitchFamily="49" charset="0"/>
+              <a:cs typeface="Courier New" pitchFamily="49" charset="0"/>
+            </a:endParaRPr>
           </a:p>
         </p:txBody>
       </p:sp>
@@ -5010,7 +5216,7 @@
     </p:spTree>
     <p:extLst>
       <p:ext uri="{BB962C8B-B14F-4D97-AF65-F5344CB8AC3E}">
-        <p14:creationId xmlns:p14="http://schemas.microsoft.com/office/powerpoint/2010/main" val="2817137095"/>
+        <p14:creationId xmlns:p14="http://schemas.microsoft.com/office/powerpoint/2010/main" val="133229452"/>
       </p:ext>
     </p:extLst>
   </p:cSld>
@@ -5054,7 +5260,7 @@
           <a:p>
             <a:r>
               <a:rPr lang="en-US" dirty="0"/>
-              <a:t>Loops</a:t>
+              <a:t>Loops vs. alternatives</a:t>
             </a:r>
           </a:p>
         </p:txBody>
@@ -5072,166 +5278,48 @@
         <p:spPr/>
         <p:txBody>
           <a:bodyPr>
-            <a:normAutofit fontScale="92500" lnSpcReduction="20000"/>
+            <a:normAutofit fontScale="92500" lnSpcReduction="10000"/>
           </a:bodyPr>
           <a:lstStyle/>
           <a:p>
             <a:r>
-              <a:rPr lang="en-US" sz="2800" dirty="0"/>
-              <a:t>There are several ways to loop in R, but the most common is using for:</a:t>
-            </a:r>
-          </a:p>
-          <a:p>
-            <a:endParaRPr lang="en-US" sz="2800" dirty="0"/>
-          </a:p>
-          <a:p>
-            <a:pPr marL="0" indent="0">
-              <a:buNone/>
-            </a:pPr>
-            <a:r>
-              <a:rPr lang="en-US" sz="2000" dirty="0">
-                <a:latin typeface="Courier New" pitchFamily="49" charset="0"/>
-                <a:cs typeface="Courier New" pitchFamily="49" charset="0"/>
-              </a:rPr>
-              <a:t>for (i in </a:t>
-            </a:r>
-            <a:r>
-              <a:rPr lang="en-US" sz="2000" i="1" dirty="0" err="1">
-                <a:latin typeface="Courier New" pitchFamily="49" charset="0"/>
-                <a:cs typeface="Courier New" pitchFamily="49" charset="0"/>
-              </a:rPr>
-              <a:t>somevector</a:t>
-            </a:r>
-            <a:r>
-              <a:rPr lang="en-US" sz="2000" dirty="0">
-                <a:latin typeface="Courier New" pitchFamily="49" charset="0"/>
-                <a:cs typeface="Courier New" pitchFamily="49" charset="0"/>
-              </a:rPr>
-              <a:t>) {</a:t>
-            </a:r>
-          </a:p>
-          <a:p>
-            <a:pPr marL="0" indent="0">
-              <a:buNone/>
-            </a:pPr>
-            <a:r>
-              <a:rPr lang="en-US" sz="2000" dirty="0">
-                <a:latin typeface="Courier New" pitchFamily="49" charset="0"/>
-                <a:cs typeface="Courier New" pitchFamily="49" charset="0"/>
-              </a:rPr>
-              <a:t>  #do something with i</a:t>
-            </a:r>
-          </a:p>
-          <a:p>
-            <a:pPr marL="0" indent="0">
-              <a:buNone/>
-            </a:pPr>
-            <a:r>
-              <a:rPr lang="en-US" sz="2000" dirty="0">
-                <a:latin typeface="Courier New" pitchFamily="49" charset="0"/>
-                <a:cs typeface="Courier New" pitchFamily="49" charset="0"/>
-              </a:rPr>
-              <a:t>}</a:t>
-            </a:r>
-          </a:p>
-          <a:p>
-            <a:pPr marL="0" indent="0">
-              <a:buNone/>
-            </a:pPr>
-            <a:endParaRPr lang="en-US" sz="2000" dirty="0">
-              <a:latin typeface="Courier New" pitchFamily="49" charset="0"/>
-              <a:cs typeface="Courier New" pitchFamily="49" charset="0"/>
-            </a:endParaRPr>
-          </a:p>
-          <a:p>
-            <a:r>
-              <a:rPr lang="en-US" sz="2800" dirty="0">
-                <a:cs typeface="Courier New" pitchFamily="49" charset="0"/>
-              </a:rPr>
-              <a:t>Sometimes it's easier to use the positional index, in which case the code takes this form:</a:t>
-            </a:r>
-          </a:p>
-          <a:p>
-            <a:pPr marL="0" indent="0">
-              <a:buNone/>
-            </a:pPr>
-            <a:endParaRPr lang="en-US" sz="2000" dirty="0">
-              <a:latin typeface="Courier New" pitchFamily="49" charset="0"/>
-              <a:cs typeface="Courier New" pitchFamily="49" charset="0"/>
-            </a:endParaRPr>
-          </a:p>
-          <a:p>
-            <a:pPr marL="0" indent="0">
-              <a:buNone/>
-            </a:pPr>
-            <a:r>
-              <a:rPr lang="en-US" sz="2000" dirty="0">
-                <a:latin typeface="Courier New" pitchFamily="49" charset="0"/>
-                <a:cs typeface="Courier New" pitchFamily="49" charset="0"/>
-              </a:rPr>
-              <a:t>for (i in 1:length(</a:t>
-            </a:r>
-            <a:r>
-              <a:rPr lang="en-US" sz="2000" i="1" dirty="0" err="1">
-                <a:latin typeface="Courier New" pitchFamily="49" charset="0"/>
-                <a:cs typeface="Courier New" pitchFamily="49" charset="0"/>
-              </a:rPr>
-              <a:t>somevector</a:t>
-            </a:r>
-            <a:r>
-              <a:rPr lang="en-US" sz="2000" dirty="0">
-                <a:latin typeface="Courier New" pitchFamily="49" charset="0"/>
-                <a:cs typeface="Courier New" pitchFamily="49" charset="0"/>
-              </a:rPr>
-              <a:t>)) {</a:t>
-            </a:r>
-          </a:p>
-          <a:p>
-            <a:pPr marL="0" indent="0">
-              <a:buNone/>
-            </a:pPr>
-            <a:r>
-              <a:rPr lang="en-US" sz="2000" dirty="0">
-                <a:latin typeface="Courier New" pitchFamily="49" charset="0"/>
-                <a:cs typeface="Courier New" pitchFamily="49" charset="0"/>
-              </a:rPr>
-              <a:t>  #do something with </a:t>
-            </a:r>
-            <a:r>
-              <a:rPr lang="en-US" sz="2000" i="1" dirty="0" err="1">
-                <a:latin typeface="Courier New" pitchFamily="49" charset="0"/>
-                <a:cs typeface="Courier New" pitchFamily="49" charset="0"/>
-              </a:rPr>
-              <a:t>somevector</a:t>
-            </a:r>
-            <a:r>
-              <a:rPr lang="en-US" sz="2000" dirty="0">
-                <a:latin typeface="Courier New" pitchFamily="49" charset="0"/>
-                <a:cs typeface="Courier New" pitchFamily="49" charset="0"/>
-              </a:rPr>
-              <a:t>[i]</a:t>
-            </a:r>
-          </a:p>
-          <a:p>
-            <a:pPr marL="0" indent="0">
-              <a:buNone/>
-            </a:pPr>
-            <a:r>
-              <a:rPr lang="en-US" sz="2000" dirty="0">
-                <a:latin typeface="Courier New" pitchFamily="49" charset="0"/>
-                <a:cs typeface="Courier New" pitchFamily="49" charset="0"/>
-              </a:rPr>
-              <a:t>}</a:t>
-            </a:r>
-          </a:p>
-          <a:p>
-            <a:pPr marL="0" indent="0">
-              <a:buNone/>
-            </a:pPr>
-            <a:endParaRPr lang="en-US" sz="2000" dirty="0">
-              <a:latin typeface="Courier New" pitchFamily="49" charset="0"/>
-              <a:cs typeface="Courier New" pitchFamily="49" charset="0"/>
-            </a:endParaRPr>
+              <a:rPr lang="en-US" dirty="0"/>
+              <a:t>Computer scientists love </a:t>
+            </a:r>
+            <a:r>
+              <a:rPr lang="en-US" dirty="0" err="1"/>
+              <a:t>vectorized</a:t>
+            </a:r>
+            <a:r>
+              <a:rPr lang="en-US" dirty="0"/>
+              <a:t> operations, higher-order functions (e.g. apply), etc.</a:t>
+            </a:r>
+          </a:p>
+          <a:p>
+            <a:pPr lvl="1"/>
+            <a:r>
+              <a:rPr lang="en-US" sz="2200" dirty="0"/>
+              <a:t>They are elegant (I think) and allow for writing compact code</a:t>
+            </a:r>
+          </a:p>
+          <a:p>
+            <a:pPr lvl="1"/>
+            <a:endParaRPr lang="en-US" dirty="0"/>
+          </a:p>
+          <a:p>
+            <a:r>
+              <a:rPr lang="en-US" dirty="0"/>
+              <a:t>But many computer programmers find looping to be the natural way to think about repeated operations</a:t>
+            </a:r>
+          </a:p>
+          <a:p>
+            <a:endParaRPr lang="en-US" dirty="0"/>
+          </a:p>
+          <a:p>
+            <a:r>
+              <a:rPr lang="en-US" dirty="0"/>
+              <a:t>It's usually a wash in terms of performance in R (and elsewhere)</a:t>
+            </a:r>
           </a:p>
         </p:txBody>
       </p:sp>
@@ -5261,7 +5349,7 @@
     </p:spTree>
     <p:extLst>
       <p:ext uri="{BB962C8B-B14F-4D97-AF65-F5344CB8AC3E}">
-        <p14:creationId xmlns:p14="http://schemas.microsoft.com/office/powerpoint/2010/main" val="133229452"/>
+        <p14:creationId xmlns:p14="http://schemas.microsoft.com/office/powerpoint/2010/main" val="2544880541"/>
       </p:ext>
     </p:extLst>
   </p:cSld>
@@ -5305,7 +5393,7 @@
           <a:p>
             <a:r>
               <a:rPr lang="en-US" dirty="0"/>
-              <a:t>Loops vs. alternatives</a:t>
+              <a:t>Doing the PCA</a:t>
             </a:r>
           </a:p>
         </p:txBody>
@@ -5322,48 +5410,21 @@
         </p:nvSpPr>
         <p:spPr/>
         <p:txBody>
-          <a:bodyPr>
-            <a:normAutofit fontScale="92500" lnSpcReduction="10000"/>
-          </a:bodyPr>
+          <a:bodyPr/>
           <a:lstStyle/>
           <a:p>
             <a:r>
               <a:rPr lang="en-US" dirty="0"/>
-              <a:t>Computer scientists love </a:t>
-            </a:r>
-            <a:r>
-              <a:rPr lang="en-US" dirty="0" err="1"/>
-              <a:t>vectorized</a:t>
-            </a:r>
+              <a:t>Okay, so we've finally gotten the data we need – log transformed urinary phthalate levels for women aged 15-45 in 2005-2006 NHANES.</a:t>
+            </a:r>
+          </a:p>
+          <a:p>
+            <a:endParaRPr lang="en-US" dirty="0"/>
+          </a:p>
+          <a:p>
             <a:r>
               <a:rPr lang="en-US" dirty="0"/>
-              <a:t> operations, higher-order functions (e.g. apply), etc.</a:t>
-            </a:r>
-          </a:p>
-          <a:p>
-            <a:pPr lvl="1"/>
-            <a:r>
-              <a:rPr lang="en-US" sz="2200" dirty="0"/>
-              <a:t>They are elegant (I think) and allow for writing compact code</a:t>
-            </a:r>
-          </a:p>
-          <a:p>
-            <a:pPr lvl="1"/>
-            <a:endParaRPr lang="en-US" dirty="0"/>
-          </a:p>
-          <a:p>
-            <a:r>
-              <a:rPr lang="en-US" dirty="0"/>
-              <a:t>But many computer programmers find looping to be the natural way to think about repeated operations</a:t>
-            </a:r>
-          </a:p>
-          <a:p>
-            <a:endParaRPr lang="en-US" dirty="0"/>
-          </a:p>
-          <a:p>
-            <a:r>
-              <a:rPr lang="en-US" dirty="0"/>
-              <a:t>It's usually a wash in terms of performance in R (and elsewhere)</a:t>
+              <a:t>So how do we do the PCA?</a:t>
             </a:r>
           </a:p>
         </p:txBody>
@@ -5394,7 +5455,7 @@
     </p:spTree>
     <p:extLst>
       <p:ext uri="{BB962C8B-B14F-4D97-AF65-F5344CB8AC3E}">
-        <p14:creationId xmlns:p14="http://schemas.microsoft.com/office/powerpoint/2010/main" val="2544880541"/>
+        <p14:creationId xmlns:p14="http://schemas.microsoft.com/office/powerpoint/2010/main" val="1351570508"/>
       </p:ext>
     </p:extLst>
   </p:cSld>
@@ -5438,7 +5499,7 @@
           <a:p>
             <a:r>
               <a:rPr lang="en-US" dirty="0"/>
-              <a:t>Doing the PCA</a:t>
+              <a:t>Which PCA function?</a:t>
             </a:r>
           </a:p>
         </p:txBody>
@@ -5460,16 +5521,25 @@
           <a:p>
             <a:r>
               <a:rPr lang="en-US" dirty="0"/>
-              <a:t>Okay, so we've finally gotten the data we need – log transformed urinary phthalate levels for women aged 15-45 in 2005-2006 NHANES.</a:t>
-            </a:r>
-          </a:p>
-          <a:p>
+              <a:t>Let's pick from among the PCA packages:</a:t>
+            </a:r>
+          </a:p>
+          <a:p>
+            <a:r>
+              <a:rPr lang="en-US" dirty="0">
+                <a:hlinkClick r:id="rId2"/>
+              </a:rPr>
+              <a:t>http://gastonsanchez.com/blog/how-to/2012/06/17/PCA-in-R.html</a:t>
+            </a:r>
             <a:endParaRPr lang="en-US" dirty="0"/>
           </a:p>
           <a:p>
+            <a:endParaRPr lang="en-US" dirty="0"/>
+          </a:p>
+          <a:p>
             <a:r>
               <a:rPr lang="en-US" dirty="0"/>
-              <a:t>So how do we do the PCA?</a:t>
+              <a:t>(Which I found by searching for 'PCA in R')</a:t>
             </a:r>
           </a:p>
         </p:txBody>
@@ -5500,7 +5570,7 @@
     </p:spTree>
     <p:extLst>
       <p:ext uri="{BB962C8B-B14F-4D97-AF65-F5344CB8AC3E}">
-        <p14:creationId xmlns:p14="http://schemas.microsoft.com/office/powerpoint/2010/main" val="1351570508"/>
+        <p14:creationId xmlns:p14="http://schemas.microsoft.com/office/powerpoint/2010/main" val="3503189701"/>
       </p:ext>
     </p:extLst>
   </p:cSld>
@@ -5611,14 +5681,14 @@
           <a:effectLst/>
           <a:extLst>
             <a:ext uri="{909E8E84-426E-40dd-AFC4-6F175D3DCCD1}">
-              <a14:hiddenFill xmlns="" xmlns:a14="http://schemas.microsoft.com/office/drawing/2010/main">
+              <a14:hiddenFill xmlns:a14="http://schemas.microsoft.com/office/drawing/2010/main" xmlns="">
                 <a:solidFill>
                   <a:schemeClr val="accent1"/>
                 </a:solidFill>
               </a14:hiddenFill>
             </a:ext>
             <a:ext uri="{91240B29-F687-4f45-9708-019B960494DF}">
-              <a14:hiddenLine xmlns="" xmlns:a14="http://schemas.microsoft.com/office/drawing/2010/main" w="9525">
+              <a14:hiddenLine xmlns:a14="http://schemas.microsoft.com/office/drawing/2010/main" xmlns="" w="9525">
                 <a:solidFill>
                   <a:schemeClr val="tx1"/>
                 </a:solidFill>
@@ -5628,7 +5698,7 @@
               </a14:hiddenLine>
             </a:ext>
             <a:ext uri="{AF507438-7753-43e0-B8FC-AC1667EBCBE1}">
-              <a14:hiddenEffects xmlns="" xmlns:a14="http://schemas.microsoft.com/office/drawing/2010/main">
+              <a14:hiddenEffects xmlns:a14="http://schemas.microsoft.com/office/drawing/2010/main" xmlns="">
                 <a:effectLst>
                   <a:outerShdw dist="35921" dir="2700000" algn="ctr" rotWithShape="0">
                     <a:schemeClr val="bg2"/>
@@ -5709,7 +5779,7 @@
           <a:p>
             <a:r>
               <a:rPr lang="en-US" dirty="0"/>
-              <a:t>Which PCA function?</a:t>
+              <a:t>So, some options</a:t>
             </a:r>
           </a:p>
         </p:txBody>
@@ -5731,25 +5801,65 @@
           <a:p>
             <a:r>
               <a:rPr lang="en-US" dirty="0"/>
-              <a:t>Let's pick from among the PCA packages:</a:t>
-            </a:r>
-          </a:p>
-          <a:p>
-            <a:r>
-              <a:rPr lang="en-US" dirty="0">
-                <a:hlinkClick r:id="rId2"/>
-              </a:rPr>
-              <a:t>http://gastonsanchez.com/blog/how-to/2012/06/17/PCA-in-R.html</a:t>
+              <a:t>stats::</a:t>
+            </a:r>
+            <a:r>
+              <a:rPr lang="en-US" dirty="0" err="1"/>
+              <a:t>prcomp</a:t>
             </a:r>
             <a:endParaRPr lang="en-US" dirty="0"/>
           </a:p>
           <a:p>
+            <a:r>
+              <a:rPr lang="en-US" dirty="0"/>
+              <a:t>stats::</a:t>
+            </a:r>
+            <a:r>
+              <a:rPr lang="en-US" dirty="0" err="1"/>
+              <a:t>princomp</a:t>
+            </a:r>
             <a:endParaRPr lang="en-US" dirty="0"/>
           </a:p>
           <a:p>
             <a:r>
+              <a:rPr lang="en-US" dirty="0" err="1"/>
+              <a:t>FactoMineR</a:t>
+            </a:r>
+            <a:r>
               <a:rPr lang="en-US" dirty="0"/>
-              <a:t>(Which I found by searching for 'PCA in R')</a:t>
+              <a:t>::PCA </a:t>
+            </a:r>
+          </a:p>
+          <a:p>
+            <a:r>
+              <a:rPr lang="en-US" dirty="0"/>
+              <a:t>ade4::</a:t>
+            </a:r>
+            <a:r>
+              <a:rPr lang="en-US" dirty="0" err="1"/>
+              <a:t>dudi.pca</a:t>
+            </a:r>
+            <a:endParaRPr lang="en-US" dirty="0"/>
+          </a:p>
+          <a:p>
+            <a:r>
+              <a:rPr lang="en-US" dirty="0" err="1"/>
+              <a:t>amap</a:t>
+            </a:r>
+            <a:r>
+              <a:rPr lang="en-US" dirty="0"/>
+              <a:t>::</a:t>
+            </a:r>
+            <a:r>
+              <a:rPr lang="en-US" dirty="0" err="1"/>
+              <a:t>acp</a:t>
+            </a:r>
+            <a:endParaRPr lang="en-US" dirty="0"/>
+          </a:p>
+          <a:p>
+            <a:r>
+              <a:rPr lang="en-US" dirty="0"/>
+              <a:t>Also… psych::principal, probably others</a:t>
             </a:r>
           </a:p>
         </p:txBody>
@@ -5780,7 +5890,7 @@
     </p:spTree>
     <p:extLst>
       <p:ext uri="{BB962C8B-B14F-4D97-AF65-F5344CB8AC3E}">
-        <p14:creationId xmlns:p14="http://schemas.microsoft.com/office/powerpoint/2010/main" val="3503189701"/>
+        <p14:creationId xmlns:p14="http://schemas.microsoft.com/office/powerpoint/2010/main" val="885648355"/>
       </p:ext>
     </p:extLst>
   </p:cSld>
@@ -5823,89 +5933,59 @@
           <a:lstStyle/>
           <a:p>
             <a:r>
-              <a:rPr lang="en-US" dirty="0"/>
-              <a:t>So, some options</a:t>
-            </a:r>
-          </a:p>
-        </p:txBody>
-      </p:sp>
-      <p:sp>
-        <p:nvSpPr>
-          <p:cNvPr id="3" name="Content Placeholder 2"/>
-          <p:cNvSpPr>
-            <a:spLocks noGrp="1"/>
-          </p:cNvSpPr>
-          <p:nvPr>
-            <p:ph idx="1"/>
-          </p:nvPr>
-        </p:nvSpPr>
-        <p:spPr/>
-        <p:txBody>
-          <a:bodyPr/>
-          <a:lstStyle/>
-          <a:p>
-            <a:r>
-              <a:rPr lang="en-US" dirty="0"/>
-              <a:t>stats::</a:t>
-            </a:r>
-            <a:r>
-              <a:rPr lang="en-US" dirty="0" err="1"/>
-              <a:t>prcomp</a:t>
-            </a:r>
-            <a:endParaRPr lang="en-US" dirty="0"/>
-          </a:p>
-          <a:p>
-            <a:r>
-              <a:rPr lang="en-US" dirty="0"/>
-              <a:t>stats::</a:t>
-            </a:r>
-            <a:r>
-              <a:rPr lang="en-US" dirty="0" err="1"/>
-              <a:t>princomp</a:t>
-            </a:r>
-            <a:endParaRPr lang="en-US" dirty="0"/>
-          </a:p>
-          <a:p>
-            <a:r>
               <a:rPr lang="en-US" dirty="0" err="1"/>
               <a:t>FactoMineR</a:t>
             </a:r>
+            <a:endParaRPr lang="en-US" dirty="0"/>
+          </a:p>
+        </p:txBody>
+      </p:sp>
+      <p:sp>
+        <p:nvSpPr>
+          <p:cNvPr id="3" name="Content Placeholder 2"/>
+          <p:cNvSpPr>
+            <a:spLocks noGrp="1"/>
+          </p:cNvSpPr>
+          <p:nvPr>
+            <p:ph idx="1"/>
+          </p:nvPr>
+        </p:nvSpPr>
+        <p:spPr/>
+        <p:txBody>
+          <a:bodyPr/>
+          <a:lstStyle/>
+          <a:p>
+            <a:r>
+              <a:rPr lang="en-US" dirty="0" err="1"/>
+              <a:t>FactoMineR's</a:t>
+            </a:r>
             <a:r>
               <a:rPr lang="en-US" dirty="0"/>
-              <a:t>::PCA </a:t>
+              <a:t> PCA comes recommended</a:t>
             </a:r>
           </a:p>
           <a:p>
             <a:r>
               <a:rPr lang="en-US" dirty="0"/>
-              <a:t>ade4::</a:t>
+              <a:t>And </a:t>
             </a:r>
             <a:r>
               <a:rPr lang="en-US" dirty="0" err="1"/>
-              <a:t>dudi.pca</a:t>
-            </a:r>
+              <a:t>FactoMineR's</a:t>
+            </a:r>
+            <a:r>
+              <a:rPr lang="en-US" dirty="0"/>
+              <a:t> PCA allows for row weights, which is desirable since this is weighted data…</a:t>
+            </a:r>
+          </a:p>
+          <a:p>
+            <a:r>
+              <a:rPr lang="en-US" dirty="0"/>
+              <a:t>… so let's try it</a:t>
+            </a:r>
+          </a:p>
+          <a:p>
             <a:endParaRPr lang="en-US" dirty="0"/>
-          </a:p>
-          <a:p>
-            <a:r>
-              <a:rPr lang="en-US" dirty="0" err="1"/>
-              <a:t>amap</a:t>
-            </a:r>
-            <a:r>
-              <a:rPr lang="en-US" dirty="0"/>
-              <a:t>::</a:t>
-            </a:r>
-            <a:r>
-              <a:rPr lang="en-US" dirty="0" err="1"/>
-              <a:t>acp</a:t>
-            </a:r>
-            <a:endParaRPr lang="en-US" dirty="0"/>
-          </a:p>
-          <a:p>
-            <a:r>
-              <a:rPr lang="en-US" dirty="0"/>
-              <a:t>Also… psych::principal, probably others</a:t>
-            </a:r>
           </a:p>
         </p:txBody>
       </p:sp>
@@ -5935,7 +6015,7 @@
     </p:spTree>
     <p:extLst>
       <p:ext uri="{BB962C8B-B14F-4D97-AF65-F5344CB8AC3E}">
-        <p14:creationId xmlns:p14="http://schemas.microsoft.com/office/powerpoint/2010/main" val="885648355"/>
+        <p14:creationId xmlns:p14="http://schemas.microsoft.com/office/powerpoint/2010/main" val="1969818689"/>
       </p:ext>
     </p:extLst>
   </p:cSld>
@@ -5978,131 +6058,6 @@
           <a:lstStyle/>
           <a:p>
             <a:r>
-              <a:rPr lang="en-US" dirty="0" err="1"/>
-              <a:t>FactoMineR</a:t>
-            </a:r>
-            <a:endParaRPr lang="en-US" dirty="0"/>
-          </a:p>
-        </p:txBody>
-      </p:sp>
-      <p:sp>
-        <p:nvSpPr>
-          <p:cNvPr id="3" name="Content Placeholder 2"/>
-          <p:cNvSpPr>
-            <a:spLocks noGrp="1"/>
-          </p:cNvSpPr>
-          <p:nvPr>
-            <p:ph idx="1"/>
-          </p:nvPr>
-        </p:nvSpPr>
-        <p:spPr/>
-        <p:txBody>
-          <a:bodyPr/>
-          <a:lstStyle/>
-          <a:p>
-            <a:r>
-              <a:rPr lang="en-US" dirty="0" err="1"/>
-              <a:t>FactoMineR's</a:t>
-            </a:r>
-            <a:r>
-              <a:rPr lang="en-US" dirty="0"/>
-              <a:t> PCA comes recommended</a:t>
-            </a:r>
-          </a:p>
-          <a:p>
-            <a:r>
-              <a:rPr lang="en-US" dirty="0"/>
-              <a:t>And </a:t>
-            </a:r>
-            <a:r>
-              <a:rPr lang="en-US" dirty="0" err="1"/>
-              <a:t>FactoMineR's</a:t>
-            </a:r>
-            <a:r>
-              <a:rPr lang="en-US" dirty="0"/>
-              <a:t> PCA allows for row weights, which is desirable since this is weighted data…</a:t>
-            </a:r>
-          </a:p>
-          <a:p>
-            <a:r>
-              <a:rPr lang="en-US" dirty="0"/>
-              <a:t>… so let's try it</a:t>
-            </a:r>
-          </a:p>
-          <a:p>
-            <a:endParaRPr lang="en-US" dirty="0"/>
-          </a:p>
-        </p:txBody>
-      </p:sp>
-      <p:sp>
-        <p:nvSpPr>
-          <p:cNvPr id="4" name="Slide Number Placeholder 3"/>
-          <p:cNvSpPr>
-            <a:spLocks noGrp="1"/>
-          </p:cNvSpPr>
-          <p:nvPr>
-            <p:ph type="sldNum" sz="quarter" idx="12"/>
-          </p:nvPr>
-        </p:nvSpPr>
-        <p:spPr/>
-        <p:txBody>
-          <a:bodyPr/>
-          <a:lstStyle/>
-          <a:p>
-            <a:fld id="{3CE78DC2-C3EA-4731-B863-4FE22F9DFA93}" type="slidenum">
-              <a:rPr lang="en-US" smtClean="0"/>
-              <a:t>22</a:t>
-            </a:fld>
-            <a:endParaRPr lang="en-US"/>
-          </a:p>
-        </p:txBody>
-      </p:sp>
-    </p:spTree>
-    <p:extLst>
-      <p:ext uri="{BB962C8B-B14F-4D97-AF65-F5344CB8AC3E}">
-        <p14:creationId xmlns:p14="http://schemas.microsoft.com/office/powerpoint/2010/main" val="1969818689"/>
-      </p:ext>
-    </p:extLst>
-  </p:cSld>
-  <p:clrMapOvr>
-    <a:masterClrMapping/>
-  </p:clrMapOvr>
-</p:sld>
-</file>
-
-<file path=ppt/slides/slide23.xml><?xml version="1.0" encoding="utf-8"?>
-<p:sld xmlns:a="http://schemas.openxmlformats.org/drawingml/2006/main" xmlns:r="http://schemas.openxmlformats.org/officeDocument/2006/relationships" xmlns:p="http://schemas.openxmlformats.org/presentationml/2006/main">
-  <p:cSld>
-    <p:spTree>
-      <p:nvGrpSpPr>
-        <p:cNvPr id="1" name=""/>
-        <p:cNvGrpSpPr/>
-        <p:nvPr/>
-      </p:nvGrpSpPr>
-      <p:grpSpPr>
-        <a:xfrm>
-          <a:off x="0" y="0"/>
-          <a:ext cx="0" cy="0"/>
-          <a:chOff x="0" y="0"/>
-          <a:chExt cx="0" cy="0"/>
-        </a:xfrm>
-      </p:grpSpPr>
-      <p:sp>
-        <p:nvSpPr>
-          <p:cNvPr id="2" name="Title 1"/>
-          <p:cNvSpPr>
-            <a:spLocks noGrp="1"/>
-          </p:cNvSpPr>
-          <p:nvPr>
-            <p:ph type="title"/>
-          </p:nvPr>
-        </p:nvSpPr>
-        <p:spPr/>
-        <p:txBody>
-          <a:bodyPr/>
-          <a:lstStyle/>
-          <a:p>
-            <a:r>
               <a:rPr lang="en-US" dirty="0"/>
               <a:t>Using </a:t>
             </a:r>
@@ -6262,7 +6217,21 @@
                 <a:latin typeface="Courier New" panose="02070309020205020404" pitchFamily="49" charset="0"/>
                 <a:cs typeface="Courier New" panose="02070309020205020404" pitchFamily="49" charset="0"/>
               </a:rPr>
-              <a:t>                    </a:t>
+              <a:t>			        </a:t>
+            </a:r>
+            <a:r>
+              <a:rPr lang="en-US" sz="1400" dirty="0" err="1">
+                <a:latin typeface="Courier New" panose="02070309020205020404" pitchFamily="49" charset="0"/>
+                <a:cs typeface="Courier New" panose="02070309020205020404" pitchFamily="49" charset="0"/>
+              </a:rPr>
+              <a:t>ncp</a:t>
+            </a:r>
+            <a:r>
+              <a:rPr lang="en-US" sz="1400" dirty="0">
+                <a:latin typeface="Courier New" panose="02070309020205020404" pitchFamily="49" charset="0"/>
+                <a:cs typeface="Courier New" panose="02070309020205020404" pitchFamily="49" charset="0"/>
+              </a:rPr>
+              <a:t>=2, 								</a:t>
             </a:r>
             <a:r>
               <a:rPr lang="en-US" sz="1400" dirty="0" err="1">
@@ -6288,21 +6257,61 @@
                 <a:latin typeface="Courier New" panose="02070309020205020404" pitchFamily="49" charset="0"/>
                 <a:cs typeface="Courier New" panose="02070309020205020404" pitchFamily="49" charset="0"/>
               </a:rPr>
-              <a:t>round(</a:t>
+              <a:t>rotated &lt;- varimax(</a:t>
             </a:r>
             <a:r>
               <a:rPr lang="en-US" sz="1400" dirty="0" err="1">
                 <a:latin typeface="Courier New" panose="02070309020205020404" pitchFamily="49" charset="0"/>
                 <a:cs typeface="Courier New" panose="02070309020205020404" pitchFamily="49" charset="0"/>
               </a:rPr>
-              <a:t>pca.result$eig</a:t>
+              <a:t>pca.result$var$coord</a:t>
             </a:r>
             <a:r>
               <a:rPr lang="en-US" sz="1400" dirty="0">
                 <a:latin typeface="Courier New" panose="02070309020205020404" pitchFamily="49" charset="0"/>
                 <a:cs typeface="Courier New" panose="02070309020205020404" pitchFamily="49" charset="0"/>
               </a:rPr>
-              <a:t>[,1:2], 2)</a:t>
+              <a:t>)</a:t>
+            </a:r>
+          </a:p>
+          <a:p>
+            <a:pPr marL="0" indent="0">
+              <a:buNone/>
+            </a:pPr>
+            <a:r>
+              <a:rPr lang="en-US" sz="1400" dirty="0">
+                <a:latin typeface="Courier New" panose="02070309020205020404" pitchFamily="49" charset="0"/>
+                <a:cs typeface="Courier New" panose="02070309020205020404" pitchFamily="49" charset="0"/>
+              </a:rPr>
+              <a:t>round(matrix(</a:t>
+            </a:r>
+            <a:r>
+              <a:rPr lang="en-US" sz="1400" dirty="0" err="1">
+                <a:latin typeface="Courier New" panose="02070309020205020404" pitchFamily="49" charset="0"/>
+                <a:cs typeface="Courier New" panose="02070309020205020404" pitchFamily="49" charset="0"/>
+              </a:rPr>
+              <a:t>rotated$loadings</a:t>
+            </a:r>
+            <a:r>
+              <a:rPr lang="en-US" sz="1400" dirty="0">
+                <a:latin typeface="Courier New" panose="02070309020205020404" pitchFamily="49" charset="0"/>
+                <a:cs typeface="Courier New" panose="02070309020205020404" pitchFamily="49" charset="0"/>
+              </a:rPr>
+              <a:t>, </a:t>
+            </a:r>
+            <a:r>
+              <a:rPr lang="en-US" sz="1400" dirty="0" err="1">
+                <a:latin typeface="Courier New" panose="02070309020205020404" pitchFamily="49" charset="0"/>
+                <a:cs typeface="Courier New" panose="02070309020205020404" pitchFamily="49" charset="0"/>
+              </a:rPr>
+              <a:t>ncol</a:t>
+            </a:r>
+            <a:r>
+              <a:rPr lang="en-US" sz="1400" dirty="0">
+                <a:latin typeface="Courier New" panose="02070309020205020404" pitchFamily="49" charset="0"/>
+                <a:cs typeface="Courier New" panose="02070309020205020404" pitchFamily="49" charset="0"/>
+              </a:rPr>
+              <a:t>=2), 2)</a:t>
             </a:r>
           </a:p>
         </p:txBody>
@@ -6324,7 +6333,7 @@
           <a:p>
             <a:fld id="{3CE78DC2-C3EA-4731-B863-4FE22F9DFA93}" type="slidenum">
               <a:rPr lang="en-US" smtClean="0"/>
-              <a:t>23</a:t>
+              <a:t>22</a:t>
             </a:fld>
             <a:endParaRPr lang="en-US"/>
           </a:p>
@@ -6343,270 +6352,7 @@
 </p:sld>
 </file>
 
-<file path=ppt/slides/slide24.xml><?xml version="1.0" encoding="utf-8"?>
-<p:sld xmlns:a="http://schemas.openxmlformats.org/drawingml/2006/main" xmlns:r="http://schemas.openxmlformats.org/officeDocument/2006/relationships" xmlns:p="http://schemas.openxmlformats.org/presentationml/2006/main">
-  <p:cSld>
-    <p:spTree>
-      <p:nvGrpSpPr>
-        <p:cNvPr id="1" name=""/>
-        <p:cNvGrpSpPr/>
-        <p:nvPr/>
-      </p:nvGrpSpPr>
-      <p:grpSpPr>
-        <a:xfrm>
-          <a:off x="0" y="0"/>
-          <a:ext cx="0" cy="0"/>
-          <a:chOff x="0" y="0"/>
-          <a:chExt cx="0" cy="0"/>
-        </a:xfrm>
-      </p:grpSpPr>
-      <p:sp>
-        <p:nvSpPr>
-          <p:cNvPr id="2" name="Title 1"/>
-          <p:cNvSpPr>
-            <a:spLocks noGrp="1"/>
-          </p:cNvSpPr>
-          <p:nvPr>
-            <p:ph type="title"/>
-          </p:nvPr>
-        </p:nvSpPr>
-        <p:spPr/>
-        <p:txBody>
-          <a:bodyPr>
-            <a:normAutofit fontScale="90000"/>
-          </a:bodyPr>
-          <a:lstStyle/>
-          <a:p>
-            <a:r>
-              <a:rPr lang="en-US" dirty="0"/>
-              <a:t>So, how does NHANES compare to CCCEH?</a:t>
-            </a:r>
-          </a:p>
-        </p:txBody>
-      </p:sp>
-      <p:pic>
-        <p:nvPicPr>
-          <p:cNvPr id="6146" name="Picture 2"/>
-          <p:cNvPicPr>
-            <a:picLocks noGrp="1" noChangeAspect="1" noChangeArrowheads="1"/>
-          </p:cNvPicPr>
-          <p:nvPr>
-            <p:ph idx="1"/>
-          </p:nvPr>
-        </p:nvPicPr>
-        <p:blipFill rotWithShape="1">
-          <a:blip r:embed="rId2" cstate="print">
-            <a:extLst>
-              <a:ext uri="{28A0092B-C50C-407E-A947-70E740481C1C}">
-                <a14:useLocalDpi xmlns:a14="http://schemas.microsoft.com/office/drawing/2010/main" val="0"/>
-              </a:ext>
-            </a:extLst>
-          </a:blip>
-          <a:srcRect r="19231" b="18182"/>
-          <a:stretch/>
-        </p:blipFill>
-        <p:spPr bwMode="auto">
-          <a:xfrm>
-            <a:off x="1066800" y="1752600"/>
-            <a:ext cx="2699657" cy="2743200"/>
-          </a:xfrm>
-          <a:prstGeom prst="rect">
-            <a:avLst/>
-          </a:prstGeom>
-          <a:noFill/>
-          <a:ln>
-            <a:noFill/>
-          </a:ln>
-          <a:effectLst/>
-          <a:extLst>
-            <a:ext uri="{909E8E84-426E-40dd-AFC4-6F175D3DCCD1}">
-              <a14:hiddenFill xmlns="" xmlns:a14="http://schemas.microsoft.com/office/drawing/2010/main">
-                <a:solidFill>
-                  <a:schemeClr val="accent1"/>
-                </a:solidFill>
-              </a14:hiddenFill>
-            </a:ext>
-            <a:ext uri="{91240B29-F687-4f45-9708-019B960494DF}">
-              <a14:hiddenLine xmlns="" xmlns:a14="http://schemas.microsoft.com/office/drawing/2010/main" w="9525">
-                <a:solidFill>
-                  <a:schemeClr val="tx1"/>
-                </a:solidFill>
-                <a:miter lim="800000"/>
-                <a:headEnd/>
-                <a:tailEnd/>
-              </a14:hiddenLine>
-            </a:ext>
-            <a:ext uri="{AF507438-7753-43e0-B8FC-AC1667EBCBE1}">
-              <a14:hiddenEffects xmlns="" xmlns:a14="http://schemas.microsoft.com/office/drawing/2010/main">
-                <a:effectLst>
-                  <a:outerShdw dist="35921" dir="2700000" algn="ctr" rotWithShape="0">
-                    <a:schemeClr val="bg2"/>
-                  </a:outerShdw>
-                </a:effectLst>
-              </a14:hiddenEffects>
-            </a:ext>
-          </a:extLst>
-        </p:spPr>
-      </p:pic>
-      <p:pic>
-        <p:nvPicPr>
-          <p:cNvPr id="6147" name="Picture 3"/>
-          <p:cNvPicPr>
-            <a:picLocks noChangeAspect="1" noChangeArrowheads="1"/>
-          </p:cNvPicPr>
-          <p:nvPr/>
-        </p:nvPicPr>
-        <p:blipFill>
-          <a:blip r:embed="rId3">
-            <a:extLst>
-              <a:ext uri="{28A0092B-C50C-407E-A947-70E740481C1C}">
-                <a14:useLocalDpi xmlns:a14="http://schemas.microsoft.com/office/drawing/2010/main" val="0"/>
-              </a:ext>
-            </a:extLst>
-          </a:blip>
-          <a:srcRect/>
-          <a:stretch>
-            <a:fillRect/>
-          </a:stretch>
-        </p:blipFill>
-        <p:spPr bwMode="auto">
-          <a:xfrm>
-            <a:off x="5486400" y="1752601"/>
-            <a:ext cx="2753103" cy="2743200"/>
-          </a:xfrm>
-          <a:prstGeom prst="rect">
-            <a:avLst/>
-          </a:prstGeom>
-          <a:noFill/>
-          <a:ln>
-            <a:noFill/>
-          </a:ln>
-          <a:effectLst/>
-          <a:extLst>
-            <a:ext uri="{909E8E84-426E-40dd-AFC4-6F175D3DCCD1}">
-              <a14:hiddenFill xmlns="" xmlns:a14="http://schemas.microsoft.com/office/drawing/2010/main">
-                <a:solidFill>
-                  <a:schemeClr val="accent1"/>
-                </a:solidFill>
-              </a14:hiddenFill>
-            </a:ext>
-            <a:ext uri="{91240B29-F687-4f45-9708-019B960494DF}">
-              <a14:hiddenLine xmlns="" xmlns:a14="http://schemas.microsoft.com/office/drawing/2010/main" w="9525">
-                <a:solidFill>
-                  <a:schemeClr val="tx1"/>
-                </a:solidFill>
-                <a:miter lim="800000"/>
-                <a:headEnd/>
-                <a:tailEnd/>
-              </a14:hiddenLine>
-            </a:ext>
-            <a:ext uri="{AF507438-7753-43e0-B8FC-AC1667EBCBE1}">
-              <a14:hiddenEffects xmlns="" xmlns:a14="http://schemas.microsoft.com/office/drawing/2010/main">
-                <a:effectLst>
-                  <a:outerShdw dist="35921" dir="2700000" algn="ctr" rotWithShape="0">
-                    <a:schemeClr val="bg2"/>
-                  </a:outerShdw>
-                </a:effectLst>
-              </a14:hiddenEffects>
-            </a:ext>
-          </a:extLst>
-        </p:spPr>
-      </p:pic>
-      <p:sp>
-        <p:nvSpPr>
-          <p:cNvPr id="4" name="TextBox 3"/>
-          <p:cNvSpPr txBox="1"/>
-          <p:nvPr/>
-        </p:nvSpPr>
-        <p:spPr>
-          <a:xfrm>
-            <a:off x="1905000" y="4724791"/>
-            <a:ext cx="952500" cy="369332"/>
-          </a:xfrm>
-          <a:prstGeom prst="rect">
-            <a:avLst/>
-          </a:prstGeom>
-          <a:noFill/>
-        </p:spPr>
-        <p:txBody>
-          <a:bodyPr wrap="square" rtlCol="0">
-            <a:spAutoFit/>
-          </a:bodyPr>
-          <a:lstStyle/>
-          <a:p>
-            <a:r>
-              <a:rPr lang="en-US" dirty="0"/>
-              <a:t>CCCEH</a:t>
-            </a:r>
-          </a:p>
-        </p:txBody>
-      </p:sp>
-      <p:sp>
-        <p:nvSpPr>
-          <p:cNvPr id="7" name="TextBox 6"/>
-          <p:cNvSpPr txBox="1"/>
-          <p:nvPr/>
-        </p:nvSpPr>
-        <p:spPr>
-          <a:xfrm>
-            <a:off x="6324600" y="4659868"/>
-            <a:ext cx="1143000" cy="369332"/>
-          </a:xfrm>
-          <a:prstGeom prst="rect">
-            <a:avLst/>
-          </a:prstGeom>
-          <a:noFill/>
-        </p:spPr>
-        <p:txBody>
-          <a:bodyPr wrap="square" rtlCol="0">
-            <a:spAutoFit/>
-          </a:bodyPr>
-          <a:lstStyle/>
-          <a:p>
-            <a:r>
-              <a:rPr lang="en-US" dirty="0"/>
-              <a:t>NHANES</a:t>
-            </a:r>
-          </a:p>
-        </p:txBody>
-      </p:sp>
-      <p:sp>
-        <p:nvSpPr>
-          <p:cNvPr id="3" name="Slide Number Placeholder 2"/>
-          <p:cNvSpPr>
-            <a:spLocks noGrp="1"/>
-          </p:cNvSpPr>
-          <p:nvPr>
-            <p:ph type="sldNum" sz="quarter" idx="12"/>
-          </p:nvPr>
-        </p:nvSpPr>
-        <p:spPr/>
-        <p:txBody>
-          <a:bodyPr/>
-          <a:lstStyle/>
-          <a:p>
-            <a:fld id="{3CE78DC2-C3EA-4731-B863-4FE22F9DFA93}" type="slidenum">
-              <a:rPr lang="en-US" smtClean="0"/>
-              <a:t>24</a:t>
-            </a:fld>
-            <a:endParaRPr lang="en-US"/>
-          </a:p>
-        </p:txBody>
-      </p:sp>
-    </p:spTree>
-    <p:extLst>
-      <p:ext uri="{BB962C8B-B14F-4D97-AF65-F5344CB8AC3E}">
-        <p14:creationId xmlns:p14="http://schemas.microsoft.com/office/powerpoint/2010/main" val="2838526787"/>
-      </p:ext>
-    </p:extLst>
-  </p:cSld>
-  <p:clrMapOvr>
-    <a:masterClrMapping/>
-  </p:clrMapOvr>
-</p:sld>
-</file>
-
-<file path=ppt/slides/slide25.xml><?xml version="1.0" encoding="utf-8"?>
+<file path=ppt/slides/slide23.xml><?xml version="1.0" encoding="utf-8"?>
 <p:sld xmlns:a="http://schemas.openxmlformats.org/drawingml/2006/main" xmlns:r="http://schemas.openxmlformats.org/officeDocument/2006/relationships" xmlns:p="http://schemas.openxmlformats.org/presentationml/2006/main">
   <p:cSld>
     <p:spTree>
@@ -6681,14 +6427,14 @@
           <a:effectLst/>
           <a:extLst>
             <a:ext uri="{909E8E84-426E-40dd-AFC4-6F175D3DCCD1}">
-              <a14:hiddenFill xmlns="" xmlns:a14="http://schemas.microsoft.com/office/drawing/2010/main">
+              <a14:hiddenFill xmlns:a14="http://schemas.microsoft.com/office/drawing/2010/main" xmlns="">
                 <a:solidFill>
                   <a:schemeClr val="accent1"/>
                 </a:solidFill>
               </a14:hiddenFill>
             </a:ext>
             <a:ext uri="{91240B29-F687-4f45-9708-019B960494DF}">
-              <a14:hiddenLine xmlns="" xmlns:a14="http://schemas.microsoft.com/office/drawing/2010/main" w="9525">
+              <a14:hiddenLine xmlns:a14="http://schemas.microsoft.com/office/drawing/2010/main" xmlns="" w="9525">
                 <a:solidFill>
                   <a:schemeClr val="tx1"/>
                 </a:solidFill>
@@ -6698,7 +6444,7 @@
               </a14:hiddenLine>
             </a:ext>
             <a:ext uri="{AF507438-7753-43e0-B8FC-AC1667EBCBE1}">
-              <a14:hiddenEffects xmlns="" xmlns:a14="http://schemas.microsoft.com/office/drawing/2010/main">
+              <a14:hiddenEffects xmlns:a14="http://schemas.microsoft.com/office/drawing/2010/main" xmlns="">
                 <a:effectLst>
                   <a:outerShdw dist="35921" dir="2700000" algn="ctr" rotWithShape="0">
                     <a:schemeClr val="bg2"/>
@@ -6709,70 +6455,6 @@
           </a:extLst>
         </p:spPr>
       </p:pic>
-      <p:pic>
-        <p:nvPicPr>
-          <p:cNvPr id="7171" name="Picture 3"/>
-          <p:cNvPicPr>
-            <a:picLocks noChangeAspect="1" noChangeArrowheads="1"/>
-          </p:cNvPicPr>
-          <p:nvPr/>
-        </p:nvPicPr>
-        <p:blipFill>
-          <a:blip r:embed="rId3">
-            <a:extLst>
-              <a:ext uri="{28A0092B-C50C-407E-A947-70E740481C1C}">
-                <a14:useLocalDpi xmlns:a14="http://schemas.microsoft.com/office/drawing/2010/main" val="0"/>
-              </a:ext>
-            </a:extLst>
-          </a:blip>
-          <a:srcRect/>
-          <a:stretch>
-            <a:fillRect/>
-          </a:stretch>
-        </p:blipFill>
-        <p:spPr bwMode="auto">
-          <a:xfrm>
-            <a:off x="4724401" y="2133601"/>
-            <a:ext cx="3827904" cy="2743200"/>
-          </a:xfrm>
-          <a:prstGeom prst="rect">
-            <a:avLst/>
-          </a:prstGeom>
-          <a:noFill/>
-          <a:ln>
-            <a:noFill/>
-          </a:ln>
-          <a:effectLst/>
-          <a:extLst>
-            <a:ext uri="{909E8E84-426E-40dd-AFC4-6F175D3DCCD1}">
-              <a14:hiddenFill xmlns="" xmlns:a14="http://schemas.microsoft.com/office/drawing/2010/main">
-                <a:solidFill>
-                  <a:schemeClr val="accent1"/>
-                </a:solidFill>
-              </a14:hiddenFill>
-            </a:ext>
-            <a:ext uri="{91240B29-F687-4f45-9708-019B960494DF}">
-              <a14:hiddenLine xmlns="" xmlns:a14="http://schemas.microsoft.com/office/drawing/2010/main" w="9525">
-                <a:solidFill>
-                  <a:schemeClr val="tx1"/>
-                </a:solidFill>
-                <a:miter lim="800000"/>
-                <a:headEnd/>
-                <a:tailEnd/>
-              </a14:hiddenLine>
-            </a:ext>
-            <a:ext uri="{AF507438-7753-43e0-B8FC-AC1667EBCBE1}">
-              <a14:hiddenEffects xmlns="" xmlns:a14="http://schemas.microsoft.com/office/drawing/2010/main">
-                <a:effectLst>
-                  <a:outerShdw dist="35921" dir="2700000" algn="ctr" rotWithShape="0">
-                    <a:schemeClr val="bg2"/>
-                  </a:outerShdw>
-                </a:effectLst>
-              </a14:hiddenEffects>
-            </a:ext>
-          </a:extLst>
-        </p:spPr>
-      </p:pic>
       <p:sp>
         <p:nvSpPr>
           <p:cNvPr id="4" name="TextBox 3"/>
@@ -6810,7 +6492,7 @@
         </p:nvSpPr>
         <p:spPr>
           <a:xfrm>
-            <a:off x="6324600" y="4953000"/>
+            <a:off x="6338963" y="5562600"/>
             <a:ext cx="1143000" cy="369332"/>
           </a:xfrm>
           <a:prstGeom prst="rect">
@@ -6848,12 +6530,1621 @@
           <a:p>
             <a:fld id="{3CE78DC2-C3EA-4731-B863-4FE22F9DFA93}" type="slidenum">
               <a:rPr lang="en-US" smtClean="0"/>
-              <a:t>25</a:t>
+              <a:t>23</a:t>
             </a:fld>
             <a:endParaRPr lang="en-US"/>
           </a:p>
         </p:txBody>
       </p:sp>
+      <p:graphicFrame>
+        <p:nvGraphicFramePr>
+          <p:cNvPr id="6" name="Table 7">
+            <a:extLst>
+              <a:ext uri="{FF2B5EF4-FFF2-40B4-BE49-F238E27FC236}">
+                <a16:creationId xmlns:a16="http://schemas.microsoft.com/office/drawing/2014/main" id="{E5D01D46-230C-7246-9AE1-35C58B6563B4}"/>
+              </a:ext>
+            </a:extLst>
+          </p:cNvPr>
+          <p:cNvGraphicFramePr>
+            <a:graphicFrameLocks noGrp="1"/>
+          </p:cNvGraphicFramePr>
+          <p:nvPr>
+            <p:extLst>
+              <p:ext uri="{D42A27DB-BD31-4B8C-83A1-F6EECF244321}">
+                <p14:modId xmlns:p14="http://schemas.microsoft.com/office/powerpoint/2010/main" val="1133549555"/>
+              </p:ext>
+            </p:extLst>
+          </p:nvPr>
+        </p:nvGraphicFramePr>
+        <p:xfrm>
+          <a:off x="5219700" y="1828800"/>
+          <a:ext cx="3162300" cy="3484880"/>
+        </p:xfrm>
+        <a:graphic>
+          <a:graphicData uri="http://schemas.openxmlformats.org/drawingml/2006/table">
+            <a:tbl>
+              <a:tblPr bandRow="1">
+                <a:tableStyleId>{073A0DAA-6AF3-43AB-8588-CEC1D06C72B9}</a:tableStyleId>
+              </a:tblPr>
+              <a:tblGrid>
+                <a:gridCol w="952500">
+                  <a:extLst>
+                    <a:ext uri="{9D8B030D-6E8A-4147-A177-3AD203B41FA5}">
+                      <a16:colId xmlns:a16="http://schemas.microsoft.com/office/drawing/2014/main" val="1797112247"/>
+                    </a:ext>
+                  </a:extLst>
+                </a:gridCol>
+                <a:gridCol w="1066800">
+                  <a:extLst>
+                    <a:ext uri="{9D8B030D-6E8A-4147-A177-3AD203B41FA5}">
+                      <a16:colId xmlns:a16="http://schemas.microsoft.com/office/drawing/2014/main" val="4166699705"/>
+                    </a:ext>
+                  </a:extLst>
+                </a:gridCol>
+                <a:gridCol w="1143000">
+                  <a:extLst>
+                    <a:ext uri="{9D8B030D-6E8A-4147-A177-3AD203B41FA5}">
+                      <a16:colId xmlns:a16="http://schemas.microsoft.com/office/drawing/2014/main" val="1007126515"/>
+                    </a:ext>
+                  </a:extLst>
+                </a:gridCol>
+              </a:tblGrid>
+              <a:tr h="370840">
+                <a:tc>
+                  <a:txBody>
+                    <a:bodyPr/>
+                    <a:lstStyle/>
+                    <a:p>
+                      <a:pPr algn="ctr"/>
+                      <a:endParaRPr lang="en-US" sz="1400" b="0" dirty="0"/>
+                    </a:p>
+                  </a:txBody>
+                  <a:tcPr>
+                    <a:lnL w="12700" cap="flat" cmpd="sng" algn="ctr">
+                      <a:solidFill>
+                        <a:schemeClr val="tx1"/>
+                      </a:solidFill>
+                      <a:prstDash val="solid"/>
+                      <a:round/>
+                      <a:headEnd type="none" w="med" len="med"/>
+                      <a:tailEnd type="none" w="med" len="med"/>
+                    </a:lnL>
+                    <a:lnR w="12700" cap="flat" cmpd="sng" algn="ctr">
+                      <a:solidFill>
+                        <a:schemeClr val="tx1"/>
+                      </a:solidFill>
+                      <a:prstDash val="solid"/>
+                      <a:round/>
+                      <a:headEnd type="none" w="med" len="med"/>
+                      <a:tailEnd type="none" w="med" len="med"/>
+                    </a:lnR>
+                    <a:lnT w="12700" cap="flat" cmpd="sng" algn="ctr">
+                      <a:solidFill>
+                        <a:schemeClr val="tx1"/>
+                      </a:solidFill>
+                      <a:prstDash val="solid"/>
+                      <a:round/>
+                      <a:headEnd type="none" w="med" len="med"/>
+                      <a:tailEnd type="none" w="med" len="med"/>
+                    </a:lnT>
+                    <a:lnB w="12700" cap="flat" cmpd="sng" algn="ctr">
+                      <a:solidFill>
+                        <a:schemeClr val="tx1"/>
+                      </a:solidFill>
+                      <a:prstDash val="solid"/>
+                      <a:round/>
+                      <a:headEnd type="none" w="med" len="med"/>
+                      <a:tailEnd type="none" w="med" len="med"/>
+                    </a:lnB>
+                    <a:noFill/>
+                  </a:tcPr>
+                </a:tc>
+                <a:tc>
+                  <a:txBody>
+                    <a:bodyPr/>
+                    <a:lstStyle/>
+                    <a:p>
+                      <a:pPr algn="ctr"/>
+                      <a:r>
+                        <a:rPr lang="en-US" sz="1400" b="0" dirty="0"/>
+                        <a:t>DEHP Component</a:t>
+                      </a:r>
+                    </a:p>
+                  </a:txBody>
+                  <a:tcPr>
+                    <a:lnL w="12700" cap="flat" cmpd="sng" algn="ctr">
+                      <a:solidFill>
+                        <a:schemeClr val="tx1"/>
+                      </a:solidFill>
+                      <a:prstDash val="solid"/>
+                      <a:round/>
+                      <a:headEnd type="none" w="med" len="med"/>
+                      <a:tailEnd type="none" w="med" len="med"/>
+                    </a:lnL>
+                    <a:lnR w="12700" cap="flat" cmpd="sng" algn="ctr">
+                      <a:solidFill>
+                        <a:schemeClr val="tx1"/>
+                      </a:solidFill>
+                      <a:prstDash val="solid"/>
+                      <a:round/>
+                      <a:headEnd type="none" w="med" len="med"/>
+                      <a:tailEnd type="none" w="med" len="med"/>
+                    </a:lnR>
+                    <a:lnT w="12700" cap="flat" cmpd="sng" algn="ctr">
+                      <a:solidFill>
+                        <a:schemeClr val="tx1"/>
+                      </a:solidFill>
+                      <a:prstDash val="solid"/>
+                      <a:round/>
+                      <a:headEnd type="none" w="med" len="med"/>
+                      <a:tailEnd type="none" w="med" len="med"/>
+                    </a:lnT>
+                    <a:lnB w="12700" cap="flat" cmpd="sng" algn="ctr">
+                      <a:solidFill>
+                        <a:schemeClr val="tx1"/>
+                      </a:solidFill>
+                      <a:prstDash val="solid"/>
+                      <a:round/>
+                      <a:headEnd type="none" w="med" len="med"/>
+                      <a:tailEnd type="none" w="med" len="med"/>
+                    </a:lnB>
+                    <a:noFill/>
+                  </a:tcPr>
+                </a:tc>
+                <a:tc>
+                  <a:txBody>
+                    <a:bodyPr/>
+                    <a:lstStyle/>
+                    <a:p>
+                      <a:pPr algn="ctr"/>
+                      <a:r>
+                        <a:rPr lang="en-US" sz="1400" b="0" dirty="0"/>
+                        <a:t>Non-DEHP Component</a:t>
+                      </a:r>
+                    </a:p>
+                  </a:txBody>
+                  <a:tcPr>
+                    <a:lnL w="12700" cap="flat" cmpd="sng" algn="ctr">
+                      <a:solidFill>
+                        <a:schemeClr val="tx1"/>
+                      </a:solidFill>
+                      <a:prstDash val="solid"/>
+                      <a:round/>
+                      <a:headEnd type="none" w="med" len="med"/>
+                      <a:tailEnd type="none" w="med" len="med"/>
+                    </a:lnL>
+                    <a:lnR w="12700" cap="flat" cmpd="sng" algn="ctr">
+                      <a:solidFill>
+                        <a:schemeClr val="tx1"/>
+                      </a:solidFill>
+                      <a:prstDash val="solid"/>
+                      <a:round/>
+                      <a:headEnd type="none" w="med" len="med"/>
+                      <a:tailEnd type="none" w="med" len="med"/>
+                    </a:lnR>
+                    <a:lnT w="12700" cap="flat" cmpd="sng" algn="ctr">
+                      <a:solidFill>
+                        <a:schemeClr val="tx1"/>
+                      </a:solidFill>
+                      <a:prstDash val="solid"/>
+                      <a:round/>
+                      <a:headEnd type="none" w="med" len="med"/>
+                      <a:tailEnd type="none" w="med" len="med"/>
+                    </a:lnT>
+                    <a:lnB w="12700" cap="flat" cmpd="sng" algn="ctr">
+                      <a:solidFill>
+                        <a:schemeClr val="tx1"/>
+                      </a:solidFill>
+                      <a:prstDash val="solid"/>
+                      <a:round/>
+                      <a:headEnd type="none" w="med" len="med"/>
+                      <a:tailEnd type="none" w="med" len="med"/>
+                    </a:lnB>
+                    <a:noFill/>
+                  </a:tcPr>
+                </a:tc>
+                <a:extLst>
+                  <a:ext uri="{0D108BD9-81ED-4DB2-BD59-A6C34878D82A}">
+                    <a16:rowId xmlns:a16="http://schemas.microsoft.com/office/drawing/2014/main" val="2194122735"/>
+                  </a:ext>
+                </a:extLst>
+              </a:tr>
+              <a:tr h="370840">
+                <a:tc>
+                  <a:txBody>
+                    <a:bodyPr/>
+                    <a:lstStyle/>
+                    <a:p>
+                      <a:r>
+                        <a:rPr lang="en-US" dirty="0"/>
+                        <a:t>MEHP</a:t>
+                      </a:r>
+                    </a:p>
+                  </a:txBody>
+                  <a:tcPr>
+                    <a:lnL w="12700" cap="flat" cmpd="sng" algn="ctr">
+                      <a:solidFill>
+                        <a:schemeClr val="tx1"/>
+                      </a:solidFill>
+                      <a:prstDash val="solid"/>
+                      <a:round/>
+                      <a:headEnd type="none" w="med" len="med"/>
+                      <a:tailEnd type="none" w="med" len="med"/>
+                    </a:lnL>
+                    <a:lnR w="12700" cap="flat" cmpd="sng" algn="ctr">
+                      <a:solidFill>
+                        <a:schemeClr val="tx1"/>
+                      </a:solidFill>
+                      <a:prstDash val="solid"/>
+                      <a:round/>
+                      <a:headEnd type="none" w="med" len="med"/>
+                      <a:tailEnd type="none" w="med" len="med"/>
+                    </a:lnR>
+                    <a:lnT w="12700" cap="flat" cmpd="sng" algn="ctr">
+                      <a:solidFill>
+                        <a:schemeClr val="tx1"/>
+                      </a:solidFill>
+                      <a:prstDash val="solid"/>
+                      <a:round/>
+                      <a:headEnd type="none" w="med" len="med"/>
+                      <a:tailEnd type="none" w="med" len="med"/>
+                    </a:lnT>
+                    <a:lnB w="12700" cap="flat" cmpd="sng" algn="ctr">
+                      <a:solidFill>
+                        <a:schemeClr val="tx1"/>
+                      </a:solidFill>
+                      <a:prstDash val="solid"/>
+                      <a:round/>
+                      <a:headEnd type="none" w="med" len="med"/>
+                      <a:tailEnd type="none" w="med" len="med"/>
+                    </a:lnB>
+                    <a:noFill/>
+                  </a:tcPr>
+                </a:tc>
+                <a:tc>
+                  <a:txBody>
+                    <a:bodyPr/>
+                    <a:lstStyle/>
+                    <a:p>
+                      <a:pPr algn="ctr" fontAlgn="b"/>
+                      <a:r>
+                        <a:rPr lang="en-US" sz="1600" b="0" i="0" u="none" strike="noStrike" dirty="0">
+                          <a:solidFill>
+                            <a:srgbClr val="000000"/>
+                          </a:solidFill>
+                          <a:effectLst/>
+                          <a:latin typeface="Calibri" panose="020F0502020204030204" pitchFamily="34" charset="0"/>
+                        </a:rPr>
+                        <a:t>0.90</a:t>
+                      </a:r>
+                    </a:p>
+                  </a:txBody>
+                  <a:tcPr marL="9525" marR="9525" marT="9525" marB="0" anchor="b">
+                    <a:lnL w="12700" cap="flat" cmpd="sng" algn="ctr">
+                      <a:solidFill>
+                        <a:schemeClr val="tx1"/>
+                      </a:solidFill>
+                      <a:prstDash val="solid"/>
+                      <a:round/>
+                      <a:headEnd type="none" w="med" len="med"/>
+                      <a:tailEnd type="none" w="med" len="med"/>
+                    </a:lnL>
+                    <a:lnR w="12700" cap="flat" cmpd="sng" algn="ctr">
+                      <a:solidFill>
+                        <a:schemeClr val="tx1"/>
+                      </a:solidFill>
+                      <a:prstDash val="solid"/>
+                      <a:round/>
+                      <a:headEnd type="none" w="med" len="med"/>
+                      <a:tailEnd type="none" w="med" len="med"/>
+                    </a:lnR>
+                    <a:lnT w="12700" cap="flat" cmpd="sng" algn="ctr">
+                      <a:solidFill>
+                        <a:schemeClr val="tx1"/>
+                      </a:solidFill>
+                      <a:prstDash val="solid"/>
+                      <a:round/>
+                      <a:headEnd type="none" w="med" len="med"/>
+                      <a:tailEnd type="none" w="med" len="med"/>
+                    </a:lnT>
+                    <a:lnB w="12700" cap="flat" cmpd="sng" algn="ctr">
+                      <a:solidFill>
+                        <a:schemeClr val="tx1"/>
+                      </a:solidFill>
+                      <a:prstDash val="solid"/>
+                      <a:round/>
+                      <a:headEnd type="none" w="med" len="med"/>
+                      <a:tailEnd type="none" w="med" len="med"/>
+                    </a:lnB>
+                    <a:noFill/>
+                  </a:tcPr>
+                </a:tc>
+                <a:tc>
+                  <a:txBody>
+                    <a:bodyPr/>
+                    <a:lstStyle/>
+                    <a:p>
+                      <a:pPr algn="ctr" fontAlgn="b"/>
+                      <a:r>
+                        <a:rPr lang="en-US" sz="1600" b="0" i="0" u="none" strike="noStrike">
+                          <a:solidFill>
+                            <a:srgbClr val="000000"/>
+                          </a:solidFill>
+                          <a:effectLst/>
+                          <a:latin typeface="Calibri" panose="020F0502020204030204" pitchFamily="34" charset="0"/>
+                        </a:rPr>
+                        <a:t>0.16</a:t>
+                      </a:r>
+                    </a:p>
+                  </a:txBody>
+                  <a:tcPr marL="9525" marR="9525" marT="9525" marB="0" anchor="b">
+                    <a:lnL w="12700" cap="flat" cmpd="sng" algn="ctr">
+                      <a:solidFill>
+                        <a:schemeClr val="tx1"/>
+                      </a:solidFill>
+                      <a:prstDash val="solid"/>
+                      <a:round/>
+                      <a:headEnd type="none" w="med" len="med"/>
+                      <a:tailEnd type="none" w="med" len="med"/>
+                    </a:lnL>
+                    <a:lnR w="12700" cap="flat" cmpd="sng" algn="ctr">
+                      <a:solidFill>
+                        <a:schemeClr val="tx1"/>
+                      </a:solidFill>
+                      <a:prstDash val="solid"/>
+                      <a:round/>
+                      <a:headEnd type="none" w="med" len="med"/>
+                      <a:tailEnd type="none" w="med" len="med"/>
+                    </a:lnR>
+                    <a:lnT w="12700" cap="flat" cmpd="sng" algn="ctr">
+                      <a:solidFill>
+                        <a:schemeClr val="tx1"/>
+                      </a:solidFill>
+                      <a:prstDash val="solid"/>
+                      <a:round/>
+                      <a:headEnd type="none" w="med" len="med"/>
+                      <a:tailEnd type="none" w="med" len="med"/>
+                    </a:lnT>
+                    <a:lnB w="12700" cap="flat" cmpd="sng" algn="ctr">
+                      <a:solidFill>
+                        <a:schemeClr val="tx1"/>
+                      </a:solidFill>
+                      <a:prstDash val="solid"/>
+                      <a:round/>
+                      <a:headEnd type="none" w="med" len="med"/>
+                      <a:tailEnd type="none" w="med" len="med"/>
+                    </a:lnB>
+                    <a:noFill/>
+                  </a:tcPr>
+                </a:tc>
+                <a:extLst>
+                  <a:ext uri="{0D108BD9-81ED-4DB2-BD59-A6C34878D82A}">
+                    <a16:rowId xmlns:a16="http://schemas.microsoft.com/office/drawing/2014/main" val="3574296268"/>
+                  </a:ext>
+                </a:extLst>
+              </a:tr>
+              <a:tr h="370840">
+                <a:tc>
+                  <a:txBody>
+                    <a:bodyPr/>
+                    <a:lstStyle/>
+                    <a:p>
+                      <a:r>
+                        <a:rPr lang="en-US" dirty="0"/>
+                        <a:t>MEHHP</a:t>
+                      </a:r>
+                    </a:p>
+                  </a:txBody>
+                  <a:tcPr>
+                    <a:lnL w="12700" cap="flat" cmpd="sng" algn="ctr">
+                      <a:solidFill>
+                        <a:schemeClr val="tx1"/>
+                      </a:solidFill>
+                      <a:prstDash val="solid"/>
+                      <a:round/>
+                      <a:headEnd type="none" w="med" len="med"/>
+                      <a:tailEnd type="none" w="med" len="med"/>
+                    </a:lnL>
+                    <a:lnR w="12700" cap="flat" cmpd="sng" algn="ctr">
+                      <a:solidFill>
+                        <a:schemeClr val="tx1"/>
+                      </a:solidFill>
+                      <a:prstDash val="solid"/>
+                      <a:round/>
+                      <a:headEnd type="none" w="med" len="med"/>
+                      <a:tailEnd type="none" w="med" len="med"/>
+                    </a:lnR>
+                    <a:lnT w="12700" cap="flat" cmpd="sng" algn="ctr">
+                      <a:solidFill>
+                        <a:schemeClr val="tx1"/>
+                      </a:solidFill>
+                      <a:prstDash val="solid"/>
+                      <a:round/>
+                      <a:headEnd type="none" w="med" len="med"/>
+                      <a:tailEnd type="none" w="med" len="med"/>
+                    </a:lnT>
+                    <a:lnB w="12700" cap="flat" cmpd="sng" algn="ctr">
+                      <a:solidFill>
+                        <a:schemeClr val="tx1"/>
+                      </a:solidFill>
+                      <a:prstDash val="solid"/>
+                      <a:round/>
+                      <a:headEnd type="none" w="med" len="med"/>
+                      <a:tailEnd type="none" w="med" len="med"/>
+                    </a:lnB>
+                    <a:noFill/>
+                  </a:tcPr>
+                </a:tc>
+                <a:tc>
+                  <a:txBody>
+                    <a:bodyPr/>
+                    <a:lstStyle/>
+                    <a:p>
+                      <a:pPr algn="ctr" fontAlgn="b"/>
+                      <a:r>
+                        <a:rPr lang="en-US" sz="1600" b="0" i="0" u="none" strike="noStrike">
+                          <a:solidFill>
+                            <a:srgbClr val="000000"/>
+                          </a:solidFill>
+                          <a:effectLst/>
+                          <a:latin typeface="Calibri" panose="020F0502020204030204" pitchFamily="34" charset="0"/>
+                        </a:rPr>
+                        <a:t>0.95</a:t>
+                      </a:r>
+                    </a:p>
+                  </a:txBody>
+                  <a:tcPr marL="9525" marR="9525" marT="9525" marB="0" anchor="b">
+                    <a:lnL w="12700" cap="flat" cmpd="sng" algn="ctr">
+                      <a:solidFill>
+                        <a:schemeClr val="tx1"/>
+                      </a:solidFill>
+                      <a:prstDash val="solid"/>
+                      <a:round/>
+                      <a:headEnd type="none" w="med" len="med"/>
+                      <a:tailEnd type="none" w="med" len="med"/>
+                    </a:lnL>
+                    <a:lnR w="12700" cap="flat" cmpd="sng" algn="ctr">
+                      <a:solidFill>
+                        <a:schemeClr val="tx1"/>
+                      </a:solidFill>
+                      <a:prstDash val="solid"/>
+                      <a:round/>
+                      <a:headEnd type="none" w="med" len="med"/>
+                      <a:tailEnd type="none" w="med" len="med"/>
+                    </a:lnR>
+                    <a:lnT w="12700" cap="flat" cmpd="sng" algn="ctr">
+                      <a:solidFill>
+                        <a:schemeClr val="tx1"/>
+                      </a:solidFill>
+                      <a:prstDash val="solid"/>
+                      <a:round/>
+                      <a:headEnd type="none" w="med" len="med"/>
+                      <a:tailEnd type="none" w="med" len="med"/>
+                    </a:lnT>
+                    <a:lnB w="12700" cap="flat" cmpd="sng" algn="ctr">
+                      <a:solidFill>
+                        <a:schemeClr val="tx1"/>
+                      </a:solidFill>
+                      <a:prstDash val="solid"/>
+                      <a:round/>
+                      <a:headEnd type="none" w="med" len="med"/>
+                      <a:tailEnd type="none" w="med" len="med"/>
+                    </a:lnB>
+                    <a:noFill/>
+                  </a:tcPr>
+                </a:tc>
+                <a:tc>
+                  <a:txBody>
+                    <a:bodyPr/>
+                    <a:lstStyle/>
+                    <a:p>
+                      <a:pPr algn="ctr" fontAlgn="b"/>
+                      <a:r>
+                        <a:rPr lang="en-US" sz="1600" b="0" i="0" u="none" strike="noStrike">
+                          <a:solidFill>
+                            <a:srgbClr val="000000"/>
+                          </a:solidFill>
+                          <a:effectLst/>
+                          <a:latin typeface="Calibri" panose="020F0502020204030204" pitchFamily="34" charset="0"/>
+                        </a:rPr>
+                        <a:t>0.26</a:t>
+                      </a:r>
+                    </a:p>
+                  </a:txBody>
+                  <a:tcPr marL="9525" marR="9525" marT="9525" marB="0" anchor="b">
+                    <a:lnL w="12700" cap="flat" cmpd="sng" algn="ctr">
+                      <a:solidFill>
+                        <a:schemeClr val="tx1"/>
+                      </a:solidFill>
+                      <a:prstDash val="solid"/>
+                      <a:round/>
+                      <a:headEnd type="none" w="med" len="med"/>
+                      <a:tailEnd type="none" w="med" len="med"/>
+                    </a:lnL>
+                    <a:lnR w="12700" cap="flat" cmpd="sng" algn="ctr">
+                      <a:solidFill>
+                        <a:schemeClr val="tx1"/>
+                      </a:solidFill>
+                      <a:prstDash val="solid"/>
+                      <a:round/>
+                      <a:headEnd type="none" w="med" len="med"/>
+                      <a:tailEnd type="none" w="med" len="med"/>
+                    </a:lnR>
+                    <a:lnT w="12700" cap="flat" cmpd="sng" algn="ctr">
+                      <a:solidFill>
+                        <a:schemeClr val="tx1"/>
+                      </a:solidFill>
+                      <a:prstDash val="solid"/>
+                      <a:round/>
+                      <a:headEnd type="none" w="med" len="med"/>
+                      <a:tailEnd type="none" w="med" len="med"/>
+                    </a:lnT>
+                    <a:lnB w="12700" cap="flat" cmpd="sng" algn="ctr">
+                      <a:solidFill>
+                        <a:schemeClr val="tx1"/>
+                      </a:solidFill>
+                      <a:prstDash val="solid"/>
+                      <a:round/>
+                      <a:headEnd type="none" w="med" len="med"/>
+                      <a:tailEnd type="none" w="med" len="med"/>
+                    </a:lnB>
+                    <a:noFill/>
+                  </a:tcPr>
+                </a:tc>
+                <a:extLst>
+                  <a:ext uri="{0D108BD9-81ED-4DB2-BD59-A6C34878D82A}">
+                    <a16:rowId xmlns:a16="http://schemas.microsoft.com/office/drawing/2014/main" val="2256255956"/>
+                  </a:ext>
+                </a:extLst>
+              </a:tr>
+              <a:tr h="370840">
+                <a:tc>
+                  <a:txBody>
+                    <a:bodyPr/>
+                    <a:lstStyle/>
+                    <a:p>
+                      <a:r>
+                        <a:rPr lang="en-US" dirty="0"/>
+                        <a:t>MECPP</a:t>
+                      </a:r>
+                    </a:p>
+                  </a:txBody>
+                  <a:tcPr>
+                    <a:lnL w="12700" cap="flat" cmpd="sng" algn="ctr">
+                      <a:solidFill>
+                        <a:schemeClr val="tx1"/>
+                      </a:solidFill>
+                      <a:prstDash val="solid"/>
+                      <a:round/>
+                      <a:headEnd type="none" w="med" len="med"/>
+                      <a:tailEnd type="none" w="med" len="med"/>
+                    </a:lnL>
+                    <a:lnR w="12700" cap="flat" cmpd="sng" algn="ctr">
+                      <a:solidFill>
+                        <a:schemeClr val="tx1"/>
+                      </a:solidFill>
+                      <a:prstDash val="solid"/>
+                      <a:round/>
+                      <a:headEnd type="none" w="med" len="med"/>
+                      <a:tailEnd type="none" w="med" len="med"/>
+                    </a:lnR>
+                    <a:lnT w="12700" cap="flat" cmpd="sng" algn="ctr">
+                      <a:solidFill>
+                        <a:schemeClr val="tx1"/>
+                      </a:solidFill>
+                      <a:prstDash val="solid"/>
+                      <a:round/>
+                      <a:headEnd type="none" w="med" len="med"/>
+                      <a:tailEnd type="none" w="med" len="med"/>
+                    </a:lnT>
+                    <a:lnB w="12700" cap="flat" cmpd="sng" algn="ctr">
+                      <a:solidFill>
+                        <a:schemeClr val="tx1"/>
+                      </a:solidFill>
+                      <a:prstDash val="solid"/>
+                      <a:round/>
+                      <a:headEnd type="none" w="med" len="med"/>
+                      <a:tailEnd type="none" w="med" len="med"/>
+                    </a:lnB>
+                    <a:noFill/>
+                  </a:tcPr>
+                </a:tc>
+                <a:tc>
+                  <a:txBody>
+                    <a:bodyPr/>
+                    <a:lstStyle/>
+                    <a:p>
+                      <a:pPr algn="ctr" fontAlgn="b"/>
+                      <a:r>
+                        <a:rPr lang="en-US" sz="1600" b="0" i="0" u="none" strike="noStrike">
+                          <a:solidFill>
+                            <a:srgbClr val="000000"/>
+                          </a:solidFill>
+                          <a:effectLst/>
+                          <a:latin typeface="Calibri" panose="020F0502020204030204" pitchFamily="34" charset="0"/>
+                        </a:rPr>
+                        <a:t>0.95</a:t>
+                      </a:r>
+                    </a:p>
+                  </a:txBody>
+                  <a:tcPr marL="9525" marR="9525" marT="9525" marB="0" anchor="b">
+                    <a:lnL w="12700" cap="flat" cmpd="sng" algn="ctr">
+                      <a:solidFill>
+                        <a:schemeClr val="tx1"/>
+                      </a:solidFill>
+                      <a:prstDash val="solid"/>
+                      <a:round/>
+                      <a:headEnd type="none" w="med" len="med"/>
+                      <a:tailEnd type="none" w="med" len="med"/>
+                    </a:lnL>
+                    <a:lnR w="12700" cap="flat" cmpd="sng" algn="ctr">
+                      <a:solidFill>
+                        <a:schemeClr val="tx1"/>
+                      </a:solidFill>
+                      <a:prstDash val="solid"/>
+                      <a:round/>
+                      <a:headEnd type="none" w="med" len="med"/>
+                      <a:tailEnd type="none" w="med" len="med"/>
+                    </a:lnR>
+                    <a:lnT w="12700" cap="flat" cmpd="sng" algn="ctr">
+                      <a:solidFill>
+                        <a:schemeClr val="tx1"/>
+                      </a:solidFill>
+                      <a:prstDash val="solid"/>
+                      <a:round/>
+                      <a:headEnd type="none" w="med" len="med"/>
+                      <a:tailEnd type="none" w="med" len="med"/>
+                    </a:lnT>
+                    <a:lnB w="12700" cap="flat" cmpd="sng" algn="ctr">
+                      <a:solidFill>
+                        <a:schemeClr val="tx1"/>
+                      </a:solidFill>
+                      <a:prstDash val="solid"/>
+                      <a:round/>
+                      <a:headEnd type="none" w="med" len="med"/>
+                      <a:tailEnd type="none" w="med" len="med"/>
+                    </a:lnB>
+                    <a:noFill/>
+                  </a:tcPr>
+                </a:tc>
+                <a:tc>
+                  <a:txBody>
+                    <a:bodyPr/>
+                    <a:lstStyle/>
+                    <a:p>
+                      <a:pPr algn="ctr" fontAlgn="b"/>
+                      <a:r>
+                        <a:rPr lang="en-US" sz="1600" b="0" i="0" u="none" strike="noStrike">
+                          <a:solidFill>
+                            <a:srgbClr val="000000"/>
+                          </a:solidFill>
+                          <a:effectLst/>
+                          <a:latin typeface="Calibri" panose="020F0502020204030204" pitchFamily="34" charset="0"/>
+                        </a:rPr>
+                        <a:t>0.23</a:t>
+                      </a:r>
+                    </a:p>
+                  </a:txBody>
+                  <a:tcPr marL="9525" marR="9525" marT="9525" marB="0" anchor="b">
+                    <a:lnL w="12700" cap="flat" cmpd="sng" algn="ctr">
+                      <a:solidFill>
+                        <a:schemeClr val="tx1"/>
+                      </a:solidFill>
+                      <a:prstDash val="solid"/>
+                      <a:round/>
+                      <a:headEnd type="none" w="med" len="med"/>
+                      <a:tailEnd type="none" w="med" len="med"/>
+                    </a:lnL>
+                    <a:lnR w="12700" cap="flat" cmpd="sng" algn="ctr">
+                      <a:solidFill>
+                        <a:schemeClr val="tx1"/>
+                      </a:solidFill>
+                      <a:prstDash val="solid"/>
+                      <a:round/>
+                      <a:headEnd type="none" w="med" len="med"/>
+                      <a:tailEnd type="none" w="med" len="med"/>
+                    </a:lnR>
+                    <a:lnT w="12700" cap="flat" cmpd="sng" algn="ctr">
+                      <a:solidFill>
+                        <a:schemeClr val="tx1"/>
+                      </a:solidFill>
+                      <a:prstDash val="solid"/>
+                      <a:round/>
+                      <a:headEnd type="none" w="med" len="med"/>
+                      <a:tailEnd type="none" w="med" len="med"/>
+                    </a:lnT>
+                    <a:lnB w="12700" cap="flat" cmpd="sng" algn="ctr">
+                      <a:solidFill>
+                        <a:schemeClr val="tx1"/>
+                      </a:solidFill>
+                      <a:prstDash val="solid"/>
+                      <a:round/>
+                      <a:headEnd type="none" w="med" len="med"/>
+                      <a:tailEnd type="none" w="med" len="med"/>
+                    </a:lnB>
+                    <a:noFill/>
+                  </a:tcPr>
+                </a:tc>
+                <a:extLst>
+                  <a:ext uri="{0D108BD9-81ED-4DB2-BD59-A6C34878D82A}">
+                    <a16:rowId xmlns:a16="http://schemas.microsoft.com/office/drawing/2014/main" val="1923074007"/>
+                  </a:ext>
+                </a:extLst>
+              </a:tr>
+              <a:tr h="370840">
+                <a:tc>
+                  <a:txBody>
+                    <a:bodyPr/>
+                    <a:lstStyle/>
+                    <a:p>
+                      <a:r>
+                        <a:rPr lang="en-US" dirty="0"/>
+                        <a:t>MCPP</a:t>
+                      </a:r>
+                    </a:p>
+                  </a:txBody>
+                  <a:tcPr>
+                    <a:lnL w="12700" cap="flat" cmpd="sng" algn="ctr">
+                      <a:solidFill>
+                        <a:schemeClr val="tx1"/>
+                      </a:solidFill>
+                      <a:prstDash val="solid"/>
+                      <a:round/>
+                      <a:headEnd type="none" w="med" len="med"/>
+                      <a:tailEnd type="none" w="med" len="med"/>
+                    </a:lnL>
+                    <a:lnR w="12700" cap="flat" cmpd="sng" algn="ctr">
+                      <a:solidFill>
+                        <a:schemeClr val="tx1"/>
+                      </a:solidFill>
+                      <a:prstDash val="solid"/>
+                      <a:round/>
+                      <a:headEnd type="none" w="med" len="med"/>
+                      <a:tailEnd type="none" w="med" len="med"/>
+                    </a:lnR>
+                    <a:lnT w="12700" cap="flat" cmpd="sng" algn="ctr">
+                      <a:solidFill>
+                        <a:schemeClr val="tx1"/>
+                      </a:solidFill>
+                      <a:prstDash val="solid"/>
+                      <a:round/>
+                      <a:headEnd type="none" w="med" len="med"/>
+                      <a:tailEnd type="none" w="med" len="med"/>
+                    </a:lnT>
+                    <a:lnB w="12700" cap="flat" cmpd="sng" algn="ctr">
+                      <a:solidFill>
+                        <a:schemeClr val="tx1"/>
+                      </a:solidFill>
+                      <a:prstDash val="solid"/>
+                      <a:round/>
+                      <a:headEnd type="none" w="med" len="med"/>
+                      <a:tailEnd type="none" w="med" len="med"/>
+                    </a:lnB>
+                    <a:noFill/>
+                  </a:tcPr>
+                </a:tc>
+                <a:tc>
+                  <a:txBody>
+                    <a:bodyPr/>
+                    <a:lstStyle/>
+                    <a:p>
+                      <a:pPr algn="ctr" fontAlgn="b"/>
+                      <a:r>
+                        <a:rPr lang="en-US" sz="1600" b="0" i="0" u="none" strike="noStrike">
+                          <a:solidFill>
+                            <a:srgbClr val="000000"/>
+                          </a:solidFill>
+                          <a:effectLst/>
+                          <a:latin typeface="Calibri" panose="020F0502020204030204" pitchFamily="34" charset="0"/>
+                        </a:rPr>
+                        <a:t>0.95</a:t>
+                      </a:r>
+                    </a:p>
+                  </a:txBody>
+                  <a:tcPr marL="9525" marR="9525" marT="9525" marB="0" anchor="b">
+                    <a:lnL w="12700" cap="flat" cmpd="sng" algn="ctr">
+                      <a:solidFill>
+                        <a:schemeClr val="tx1"/>
+                      </a:solidFill>
+                      <a:prstDash val="solid"/>
+                      <a:round/>
+                      <a:headEnd type="none" w="med" len="med"/>
+                      <a:tailEnd type="none" w="med" len="med"/>
+                    </a:lnL>
+                    <a:lnR w="12700" cap="flat" cmpd="sng" algn="ctr">
+                      <a:solidFill>
+                        <a:schemeClr val="tx1"/>
+                      </a:solidFill>
+                      <a:prstDash val="solid"/>
+                      <a:round/>
+                      <a:headEnd type="none" w="med" len="med"/>
+                      <a:tailEnd type="none" w="med" len="med"/>
+                    </a:lnR>
+                    <a:lnT w="12700" cap="flat" cmpd="sng" algn="ctr">
+                      <a:solidFill>
+                        <a:schemeClr val="tx1"/>
+                      </a:solidFill>
+                      <a:prstDash val="solid"/>
+                      <a:round/>
+                      <a:headEnd type="none" w="med" len="med"/>
+                      <a:tailEnd type="none" w="med" len="med"/>
+                    </a:lnT>
+                    <a:lnB w="12700" cap="flat" cmpd="sng" algn="ctr">
+                      <a:solidFill>
+                        <a:schemeClr val="tx1"/>
+                      </a:solidFill>
+                      <a:prstDash val="solid"/>
+                      <a:round/>
+                      <a:headEnd type="none" w="med" len="med"/>
+                      <a:tailEnd type="none" w="med" len="med"/>
+                    </a:lnB>
+                    <a:noFill/>
+                  </a:tcPr>
+                </a:tc>
+                <a:tc>
+                  <a:txBody>
+                    <a:bodyPr/>
+                    <a:lstStyle/>
+                    <a:p>
+                      <a:pPr algn="ctr" fontAlgn="b"/>
+                      <a:r>
+                        <a:rPr lang="en-US" sz="1600" b="0" i="0" u="none" strike="noStrike">
+                          <a:solidFill>
+                            <a:srgbClr val="000000"/>
+                          </a:solidFill>
+                          <a:effectLst/>
+                          <a:latin typeface="Calibri" panose="020F0502020204030204" pitchFamily="34" charset="0"/>
+                        </a:rPr>
+                        <a:t>0.26</a:t>
+                      </a:r>
+                    </a:p>
+                  </a:txBody>
+                  <a:tcPr marL="9525" marR="9525" marT="9525" marB="0" anchor="b">
+                    <a:lnL w="12700" cap="flat" cmpd="sng" algn="ctr">
+                      <a:solidFill>
+                        <a:schemeClr val="tx1"/>
+                      </a:solidFill>
+                      <a:prstDash val="solid"/>
+                      <a:round/>
+                      <a:headEnd type="none" w="med" len="med"/>
+                      <a:tailEnd type="none" w="med" len="med"/>
+                    </a:lnL>
+                    <a:lnR w="12700" cap="flat" cmpd="sng" algn="ctr">
+                      <a:solidFill>
+                        <a:schemeClr val="tx1"/>
+                      </a:solidFill>
+                      <a:prstDash val="solid"/>
+                      <a:round/>
+                      <a:headEnd type="none" w="med" len="med"/>
+                      <a:tailEnd type="none" w="med" len="med"/>
+                    </a:lnR>
+                    <a:lnT w="12700" cap="flat" cmpd="sng" algn="ctr">
+                      <a:solidFill>
+                        <a:schemeClr val="tx1"/>
+                      </a:solidFill>
+                      <a:prstDash val="solid"/>
+                      <a:round/>
+                      <a:headEnd type="none" w="med" len="med"/>
+                      <a:tailEnd type="none" w="med" len="med"/>
+                    </a:lnT>
+                    <a:lnB w="12700" cap="flat" cmpd="sng" algn="ctr">
+                      <a:solidFill>
+                        <a:schemeClr val="tx1"/>
+                      </a:solidFill>
+                      <a:prstDash val="solid"/>
+                      <a:round/>
+                      <a:headEnd type="none" w="med" len="med"/>
+                      <a:tailEnd type="none" w="med" len="med"/>
+                    </a:lnB>
+                    <a:noFill/>
+                  </a:tcPr>
+                </a:tc>
+                <a:extLst>
+                  <a:ext uri="{0D108BD9-81ED-4DB2-BD59-A6C34878D82A}">
+                    <a16:rowId xmlns:a16="http://schemas.microsoft.com/office/drawing/2014/main" val="2005215077"/>
+                  </a:ext>
+                </a:extLst>
+              </a:tr>
+              <a:tr h="370840">
+                <a:tc>
+                  <a:txBody>
+                    <a:bodyPr/>
+                    <a:lstStyle/>
+                    <a:p>
+                      <a:r>
+                        <a:rPr lang="en-US" dirty="0"/>
+                        <a:t>MIBP</a:t>
+                      </a:r>
+                    </a:p>
+                  </a:txBody>
+                  <a:tcPr>
+                    <a:lnL w="12700" cap="flat" cmpd="sng" algn="ctr">
+                      <a:solidFill>
+                        <a:schemeClr val="tx1"/>
+                      </a:solidFill>
+                      <a:prstDash val="solid"/>
+                      <a:round/>
+                      <a:headEnd type="none" w="med" len="med"/>
+                      <a:tailEnd type="none" w="med" len="med"/>
+                    </a:lnL>
+                    <a:lnR w="12700" cap="flat" cmpd="sng" algn="ctr">
+                      <a:solidFill>
+                        <a:schemeClr val="tx1"/>
+                      </a:solidFill>
+                      <a:prstDash val="solid"/>
+                      <a:round/>
+                      <a:headEnd type="none" w="med" len="med"/>
+                      <a:tailEnd type="none" w="med" len="med"/>
+                    </a:lnR>
+                    <a:lnT w="12700" cap="flat" cmpd="sng" algn="ctr">
+                      <a:solidFill>
+                        <a:schemeClr val="tx1"/>
+                      </a:solidFill>
+                      <a:prstDash val="solid"/>
+                      <a:round/>
+                      <a:headEnd type="none" w="med" len="med"/>
+                      <a:tailEnd type="none" w="med" len="med"/>
+                    </a:lnT>
+                    <a:lnB w="12700" cap="flat" cmpd="sng" algn="ctr">
+                      <a:solidFill>
+                        <a:schemeClr val="tx1"/>
+                      </a:solidFill>
+                      <a:prstDash val="solid"/>
+                      <a:round/>
+                      <a:headEnd type="none" w="med" len="med"/>
+                      <a:tailEnd type="none" w="med" len="med"/>
+                    </a:lnB>
+                    <a:noFill/>
+                  </a:tcPr>
+                </a:tc>
+                <a:tc>
+                  <a:txBody>
+                    <a:bodyPr/>
+                    <a:lstStyle/>
+                    <a:p>
+                      <a:pPr algn="ctr" fontAlgn="b"/>
+                      <a:r>
+                        <a:rPr lang="en-US" sz="1600" b="0" i="0" u="none" strike="noStrike">
+                          <a:solidFill>
+                            <a:srgbClr val="000000"/>
+                          </a:solidFill>
+                          <a:effectLst/>
+                          <a:latin typeface="Calibri" panose="020F0502020204030204" pitchFamily="34" charset="0"/>
+                        </a:rPr>
+                        <a:t>0.53</a:t>
+                      </a:r>
+                    </a:p>
+                  </a:txBody>
+                  <a:tcPr marL="9525" marR="9525" marT="9525" marB="0" anchor="b">
+                    <a:lnL w="12700" cap="flat" cmpd="sng" algn="ctr">
+                      <a:solidFill>
+                        <a:schemeClr val="tx1"/>
+                      </a:solidFill>
+                      <a:prstDash val="solid"/>
+                      <a:round/>
+                      <a:headEnd type="none" w="med" len="med"/>
+                      <a:tailEnd type="none" w="med" len="med"/>
+                    </a:lnL>
+                    <a:lnR w="12700" cap="flat" cmpd="sng" algn="ctr">
+                      <a:solidFill>
+                        <a:schemeClr val="tx1"/>
+                      </a:solidFill>
+                      <a:prstDash val="solid"/>
+                      <a:round/>
+                      <a:headEnd type="none" w="med" len="med"/>
+                      <a:tailEnd type="none" w="med" len="med"/>
+                    </a:lnR>
+                    <a:lnT w="12700" cap="flat" cmpd="sng" algn="ctr">
+                      <a:solidFill>
+                        <a:schemeClr val="tx1"/>
+                      </a:solidFill>
+                      <a:prstDash val="solid"/>
+                      <a:round/>
+                      <a:headEnd type="none" w="med" len="med"/>
+                      <a:tailEnd type="none" w="med" len="med"/>
+                    </a:lnT>
+                    <a:lnB w="12700" cap="flat" cmpd="sng" algn="ctr">
+                      <a:solidFill>
+                        <a:schemeClr val="tx1"/>
+                      </a:solidFill>
+                      <a:prstDash val="solid"/>
+                      <a:round/>
+                      <a:headEnd type="none" w="med" len="med"/>
+                      <a:tailEnd type="none" w="med" len="med"/>
+                    </a:lnB>
+                    <a:noFill/>
+                  </a:tcPr>
+                </a:tc>
+                <a:tc>
+                  <a:txBody>
+                    <a:bodyPr/>
+                    <a:lstStyle/>
+                    <a:p>
+                      <a:pPr algn="ctr" fontAlgn="b"/>
+                      <a:r>
+                        <a:rPr lang="en-US" sz="1600" b="0" i="0" u="none" strike="noStrike">
+                          <a:solidFill>
+                            <a:srgbClr val="000000"/>
+                          </a:solidFill>
+                          <a:effectLst/>
+                          <a:latin typeface="Calibri" panose="020F0502020204030204" pitchFamily="34" charset="0"/>
+                        </a:rPr>
+                        <a:t>0.62</a:t>
+                      </a:r>
+                    </a:p>
+                  </a:txBody>
+                  <a:tcPr marL="9525" marR="9525" marT="9525" marB="0" anchor="b">
+                    <a:lnL w="12700" cap="flat" cmpd="sng" algn="ctr">
+                      <a:solidFill>
+                        <a:schemeClr val="tx1"/>
+                      </a:solidFill>
+                      <a:prstDash val="solid"/>
+                      <a:round/>
+                      <a:headEnd type="none" w="med" len="med"/>
+                      <a:tailEnd type="none" w="med" len="med"/>
+                    </a:lnL>
+                    <a:lnR w="12700" cap="flat" cmpd="sng" algn="ctr">
+                      <a:solidFill>
+                        <a:schemeClr val="tx1"/>
+                      </a:solidFill>
+                      <a:prstDash val="solid"/>
+                      <a:round/>
+                      <a:headEnd type="none" w="med" len="med"/>
+                      <a:tailEnd type="none" w="med" len="med"/>
+                    </a:lnR>
+                    <a:lnT w="12700" cap="flat" cmpd="sng" algn="ctr">
+                      <a:solidFill>
+                        <a:schemeClr val="tx1"/>
+                      </a:solidFill>
+                      <a:prstDash val="solid"/>
+                      <a:round/>
+                      <a:headEnd type="none" w="med" len="med"/>
+                      <a:tailEnd type="none" w="med" len="med"/>
+                    </a:lnT>
+                    <a:lnB w="12700" cap="flat" cmpd="sng" algn="ctr">
+                      <a:solidFill>
+                        <a:schemeClr val="tx1"/>
+                      </a:solidFill>
+                      <a:prstDash val="solid"/>
+                      <a:round/>
+                      <a:headEnd type="none" w="med" len="med"/>
+                      <a:tailEnd type="none" w="med" len="med"/>
+                    </a:lnB>
+                    <a:noFill/>
+                  </a:tcPr>
+                </a:tc>
+                <a:extLst>
+                  <a:ext uri="{0D108BD9-81ED-4DB2-BD59-A6C34878D82A}">
+                    <a16:rowId xmlns:a16="http://schemas.microsoft.com/office/drawing/2014/main" val="3889262212"/>
+                  </a:ext>
+                </a:extLst>
+              </a:tr>
+              <a:tr h="370840">
+                <a:tc>
+                  <a:txBody>
+                    <a:bodyPr/>
+                    <a:lstStyle/>
+                    <a:p>
+                      <a:r>
+                        <a:rPr lang="en-US" dirty="0"/>
+                        <a:t>MBP</a:t>
+                      </a:r>
+                    </a:p>
+                  </a:txBody>
+                  <a:tcPr>
+                    <a:lnL w="12700" cap="flat" cmpd="sng" algn="ctr">
+                      <a:solidFill>
+                        <a:schemeClr val="tx1"/>
+                      </a:solidFill>
+                      <a:prstDash val="solid"/>
+                      <a:round/>
+                      <a:headEnd type="none" w="med" len="med"/>
+                      <a:tailEnd type="none" w="med" len="med"/>
+                    </a:lnL>
+                    <a:lnR w="12700" cap="flat" cmpd="sng" algn="ctr">
+                      <a:solidFill>
+                        <a:schemeClr val="tx1"/>
+                      </a:solidFill>
+                      <a:prstDash val="solid"/>
+                      <a:round/>
+                      <a:headEnd type="none" w="med" len="med"/>
+                      <a:tailEnd type="none" w="med" len="med"/>
+                    </a:lnR>
+                    <a:lnT w="12700" cap="flat" cmpd="sng" algn="ctr">
+                      <a:solidFill>
+                        <a:schemeClr val="tx1"/>
+                      </a:solidFill>
+                      <a:prstDash val="solid"/>
+                      <a:round/>
+                      <a:headEnd type="none" w="med" len="med"/>
+                      <a:tailEnd type="none" w="med" len="med"/>
+                    </a:lnT>
+                    <a:lnB w="12700" cap="flat" cmpd="sng" algn="ctr">
+                      <a:solidFill>
+                        <a:schemeClr val="tx1"/>
+                      </a:solidFill>
+                      <a:prstDash val="solid"/>
+                      <a:round/>
+                      <a:headEnd type="none" w="med" len="med"/>
+                      <a:tailEnd type="none" w="med" len="med"/>
+                    </a:lnB>
+                    <a:noFill/>
+                  </a:tcPr>
+                </a:tc>
+                <a:tc>
+                  <a:txBody>
+                    <a:bodyPr/>
+                    <a:lstStyle/>
+                    <a:p>
+                      <a:pPr algn="ctr" fontAlgn="b"/>
+                      <a:r>
+                        <a:rPr lang="en-US" sz="1600" b="0" i="0" u="none" strike="noStrike">
+                          <a:solidFill>
+                            <a:srgbClr val="000000"/>
+                          </a:solidFill>
+                          <a:effectLst/>
+                          <a:latin typeface="Calibri" panose="020F0502020204030204" pitchFamily="34" charset="0"/>
+                        </a:rPr>
+                        <a:t>0.31</a:t>
+                      </a:r>
+                    </a:p>
+                  </a:txBody>
+                  <a:tcPr marL="9525" marR="9525" marT="9525" marB="0" anchor="b">
+                    <a:lnL w="12700" cap="flat" cmpd="sng" algn="ctr">
+                      <a:solidFill>
+                        <a:schemeClr val="tx1"/>
+                      </a:solidFill>
+                      <a:prstDash val="solid"/>
+                      <a:round/>
+                      <a:headEnd type="none" w="med" len="med"/>
+                      <a:tailEnd type="none" w="med" len="med"/>
+                    </a:lnL>
+                    <a:lnR w="12700" cap="flat" cmpd="sng" algn="ctr">
+                      <a:solidFill>
+                        <a:schemeClr val="tx1"/>
+                      </a:solidFill>
+                      <a:prstDash val="solid"/>
+                      <a:round/>
+                      <a:headEnd type="none" w="med" len="med"/>
+                      <a:tailEnd type="none" w="med" len="med"/>
+                    </a:lnR>
+                    <a:lnT w="12700" cap="flat" cmpd="sng" algn="ctr">
+                      <a:solidFill>
+                        <a:schemeClr val="tx1"/>
+                      </a:solidFill>
+                      <a:prstDash val="solid"/>
+                      <a:round/>
+                      <a:headEnd type="none" w="med" len="med"/>
+                      <a:tailEnd type="none" w="med" len="med"/>
+                    </a:lnT>
+                    <a:lnB w="12700" cap="flat" cmpd="sng" algn="ctr">
+                      <a:solidFill>
+                        <a:schemeClr val="tx1"/>
+                      </a:solidFill>
+                      <a:prstDash val="solid"/>
+                      <a:round/>
+                      <a:headEnd type="none" w="med" len="med"/>
+                      <a:tailEnd type="none" w="med" len="med"/>
+                    </a:lnB>
+                    <a:noFill/>
+                  </a:tcPr>
+                </a:tc>
+                <a:tc>
+                  <a:txBody>
+                    <a:bodyPr/>
+                    <a:lstStyle/>
+                    <a:p>
+                      <a:pPr algn="ctr" fontAlgn="b"/>
+                      <a:r>
+                        <a:rPr lang="en-US" sz="1600" b="0" i="0" u="none" strike="noStrike">
+                          <a:solidFill>
+                            <a:srgbClr val="000000"/>
+                          </a:solidFill>
+                          <a:effectLst/>
+                          <a:latin typeface="Calibri" panose="020F0502020204030204" pitchFamily="34" charset="0"/>
+                        </a:rPr>
+                        <a:t>0.79</a:t>
+                      </a:r>
+                    </a:p>
+                  </a:txBody>
+                  <a:tcPr marL="9525" marR="9525" marT="9525" marB="0" anchor="b">
+                    <a:lnL w="12700" cap="flat" cmpd="sng" algn="ctr">
+                      <a:solidFill>
+                        <a:schemeClr val="tx1"/>
+                      </a:solidFill>
+                      <a:prstDash val="solid"/>
+                      <a:round/>
+                      <a:headEnd type="none" w="med" len="med"/>
+                      <a:tailEnd type="none" w="med" len="med"/>
+                    </a:lnL>
+                    <a:lnR w="12700" cap="flat" cmpd="sng" algn="ctr">
+                      <a:solidFill>
+                        <a:schemeClr val="tx1"/>
+                      </a:solidFill>
+                      <a:prstDash val="solid"/>
+                      <a:round/>
+                      <a:headEnd type="none" w="med" len="med"/>
+                      <a:tailEnd type="none" w="med" len="med"/>
+                    </a:lnR>
+                    <a:lnT w="12700" cap="flat" cmpd="sng" algn="ctr">
+                      <a:solidFill>
+                        <a:schemeClr val="tx1"/>
+                      </a:solidFill>
+                      <a:prstDash val="solid"/>
+                      <a:round/>
+                      <a:headEnd type="none" w="med" len="med"/>
+                      <a:tailEnd type="none" w="med" len="med"/>
+                    </a:lnT>
+                    <a:lnB w="12700" cap="flat" cmpd="sng" algn="ctr">
+                      <a:solidFill>
+                        <a:schemeClr val="tx1"/>
+                      </a:solidFill>
+                      <a:prstDash val="solid"/>
+                      <a:round/>
+                      <a:headEnd type="none" w="med" len="med"/>
+                      <a:tailEnd type="none" w="med" len="med"/>
+                    </a:lnB>
+                    <a:noFill/>
+                  </a:tcPr>
+                </a:tc>
+                <a:extLst>
+                  <a:ext uri="{0D108BD9-81ED-4DB2-BD59-A6C34878D82A}">
+                    <a16:rowId xmlns:a16="http://schemas.microsoft.com/office/drawing/2014/main" val="2624583514"/>
+                  </a:ext>
+                </a:extLst>
+              </a:tr>
+              <a:tr h="370840">
+                <a:tc>
+                  <a:txBody>
+                    <a:bodyPr/>
+                    <a:lstStyle/>
+                    <a:p>
+                      <a:r>
+                        <a:rPr lang="en-US" dirty="0"/>
+                        <a:t>MBZP</a:t>
+                      </a:r>
+                    </a:p>
+                  </a:txBody>
+                  <a:tcPr>
+                    <a:lnL w="12700" cap="flat" cmpd="sng" algn="ctr">
+                      <a:solidFill>
+                        <a:schemeClr val="tx1"/>
+                      </a:solidFill>
+                      <a:prstDash val="solid"/>
+                      <a:round/>
+                      <a:headEnd type="none" w="med" len="med"/>
+                      <a:tailEnd type="none" w="med" len="med"/>
+                    </a:lnL>
+                    <a:lnR w="12700" cap="flat" cmpd="sng" algn="ctr">
+                      <a:solidFill>
+                        <a:schemeClr val="tx1"/>
+                      </a:solidFill>
+                      <a:prstDash val="solid"/>
+                      <a:round/>
+                      <a:headEnd type="none" w="med" len="med"/>
+                      <a:tailEnd type="none" w="med" len="med"/>
+                    </a:lnR>
+                    <a:lnT w="12700" cap="flat" cmpd="sng" algn="ctr">
+                      <a:solidFill>
+                        <a:schemeClr val="tx1"/>
+                      </a:solidFill>
+                      <a:prstDash val="solid"/>
+                      <a:round/>
+                      <a:headEnd type="none" w="med" len="med"/>
+                      <a:tailEnd type="none" w="med" len="med"/>
+                    </a:lnT>
+                    <a:lnB w="12700" cap="flat" cmpd="sng" algn="ctr">
+                      <a:solidFill>
+                        <a:schemeClr val="tx1"/>
+                      </a:solidFill>
+                      <a:prstDash val="solid"/>
+                      <a:round/>
+                      <a:headEnd type="none" w="med" len="med"/>
+                      <a:tailEnd type="none" w="med" len="med"/>
+                    </a:lnB>
+                    <a:noFill/>
+                  </a:tcPr>
+                </a:tc>
+                <a:tc>
+                  <a:txBody>
+                    <a:bodyPr/>
+                    <a:lstStyle/>
+                    <a:p>
+                      <a:pPr algn="ctr" fontAlgn="b"/>
+                      <a:r>
+                        <a:rPr lang="en-US" sz="1600" b="0" i="0" u="none" strike="noStrike">
+                          <a:solidFill>
+                            <a:srgbClr val="000000"/>
+                          </a:solidFill>
+                          <a:effectLst/>
+                          <a:latin typeface="Calibri" panose="020F0502020204030204" pitchFamily="34" charset="0"/>
+                        </a:rPr>
+                        <a:t>0.26</a:t>
+                      </a:r>
+                    </a:p>
+                  </a:txBody>
+                  <a:tcPr marL="9525" marR="9525" marT="9525" marB="0" anchor="b">
+                    <a:lnL w="12700" cap="flat" cmpd="sng" algn="ctr">
+                      <a:solidFill>
+                        <a:schemeClr val="tx1"/>
+                      </a:solidFill>
+                      <a:prstDash val="solid"/>
+                      <a:round/>
+                      <a:headEnd type="none" w="med" len="med"/>
+                      <a:tailEnd type="none" w="med" len="med"/>
+                    </a:lnL>
+                    <a:lnR w="12700" cap="flat" cmpd="sng" algn="ctr">
+                      <a:solidFill>
+                        <a:schemeClr val="tx1"/>
+                      </a:solidFill>
+                      <a:prstDash val="solid"/>
+                      <a:round/>
+                      <a:headEnd type="none" w="med" len="med"/>
+                      <a:tailEnd type="none" w="med" len="med"/>
+                    </a:lnR>
+                    <a:lnT w="12700" cap="flat" cmpd="sng" algn="ctr">
+                      <a:solidFill>
+                        <a:schemeClr val="tx1"/>
+                      </a:solidFill>
+                      <a:prstDash val="solid"/>
+                      <a:round/>
+                      <a:headEnd type="none" w="med" len="med"/>
+                      <a:tailEnd type="none" w="med" len="med"/>
+                    </a:lnT>
+                    <a:lnB w="12700" cap="flat" cmpd="sng" algn="ctr">
+                      <a:solidFill>
+                        <a:schemeClr val="tx1"/>
+                      </a:solidFill>
+                      <a:prstDash val="solid"/>
+                      <a:round/>
+                      <a:headEnd type="none" w="med" len="med"/>
+                      <a:tailEnd type="none" w="med" len="med"/>
+                    </a:lnB>
+                    <a:noFill/>
+                  </a:tcPr>
+                </a:tc>
+                <a:tc>
+                  <a:txBody>
+                    <a:bodyPr/>
+                    <a:lstStyle/>
+                    <a:p>
+                      <a:pPr algn="ctr" fontAlgn="b"/>
+                      <a:r>
+                        <a:rPr lang="en-US" sz="1600" b="0" i="0" u="none" strike="noStrike">
+                          <a:solidFill>
+                            <a:srgbClr val="000000"/>
+                          </a:solidFill>
+                          <a:effectLst/>
+                          <a:latin typeface="Calibri" panose="020F0502020204030204" pitchFamily="34" charset="0"/>
+                        </a:rPr>
+                        <a:t>0.86</a:t>
+                      </a:r>
+                    </a:p>
+                  </a:txBody>
+                  <a:tcPr marL="9525" marR="9525" marT="9525" marB="0" anchor="b">
+                    <a:lnL w="12700" cap="flat" cmpd="sng" algn="ctr">
+                      <a:solidFill>
+                        <a:schemeClr val="tx1"/>
+                      </a:solidFill>
+                      <a:prstDash val="solid"/>
+                      <a:round/>
+                      <a:headEnd type="none" w="med" len="med"/>
+                      <a:tailEnd type="none" w="med" len="med"/>
+                    </a:lnL>
+                    <a:lnR w="12700" cap="flat" cmpd="sng" algn="ctr">
+                      <a:solidFill>
+                        <a:schemeClr val="tx1"/>
+                      </a:solidFill>
+                      <a:prstDash val="solid"/>
+                      <a:round/>
+                      <a:headEnd type="none" w="med" len="med"/>
+                      <a:tailEnd type="none" w="med" len="med"/>
+                    </a:lnR>
+                    <a:lnT w="12700" cap="flat" cmpd="sng" algn="ctr">
+                      <a:solidFill>
+                        <a:schemeClr val="tx1"/>
+                      </a:solidFill>
+                      <a:prstDash val="solid"/>
+                      <a:round/>
+                      <a:headEnd type="none" w="med" len="med"/>
+                      <a:tailEnd type="none" w="med" len="med"/>
+                    </a:lnT>
+                    <a:lnB w="12700" cap="flat" cmpd="sng" algn="ctr">
+                      <a:solidFill>
+                        <a:schemeClr val="tx1"/>
+                      </a:solidFill>
+                      <a:prstDash val="solid"/>
+                      <a:round/>
+                      <a:headEnd type="none" w="med" len="med"/>
+                      <a:tailEnd type="none" w="med" len="med"/>
+                    </a:lnB>
+                    <a:noFill/>
+                  </a:tcPr>
+                </a:tc>
+                <a:extLst>
+                  <a:ext uri="{0D108BD9-81ED-4DB2-BD59-A6C34878D82A}">
+                    <a16:rowId xmlns:a16="http://schemas.microsoft.com/office/drawing/2014/main" val="1972751306"/>
+                  </a:ext>
+                </a:extLst>
+              </a:tr>
+              <a:tr h="370840">
+                <a:tc>
+                  <a:txBody>
+                    <a:bodyPr/>
+                    <a:lstStyle/>
+                    <a:p>
+                      <a:r>
+                        <a:rPr lang="en-US" dirty="0"/>
+                        <a:t>MEP</a:t>
+                      </a:r>
+                    </a:p>
+                  </a:txBody>
+                  <a:tcPr>
+                    <a:lnL w="12700" cap="flat" cmpd="sng" algn="ctr">
+                      <a:solidFill>
+                        <a:schemeClr val="tx1"/>
+                      </a:solidFill>
+                      <a:prstDash val="solid"/>
+                      <a:round/>
+                      <a:headEnd type="none" w="med" len="med"/>
+                      <a:tailEnd type="none" w="med" len="med"/>
+                    </a:lnL>
+                    <a:lnR w="12700" cap="flat" cmpd="sng" algn="ctr">
+                      <a:solidFill>
+                        <a:schemeClr val="tx1"/>
+                      </a:solidFill>
+                      <a:prstDash val="solid"/>
+                      <a:round/>
+                      <a:headEnd type="none" w="med" len="med"/>
+                      <a:tailEnd type="none" w="med" len="med"/>
+                    </a:lnR>
+                    <a:lnT w="12700" cap="flat" cmpd="sng" algn="ctr">
+                      <a:solidFill>
+                        <a:schemeClr val="tx1"/>
+                      </a:solidFill>
+                      <a:prstDash val="solid"/>
+                      <a:round/>
+                      <a:headEnd type="none" w="med" len="med"/>
+                      <a:tailEnd type="none" w="med" len="med"/>
+                    </a:lnT>
+                    <a:lnB w="12700" cap="flat" cmpd="sng" algn="ctr">
+                      <a:solidFill>
+                        <a:schemeClr val="tx1"/>
+                      </a:solidFill>
+                      <a:prstDash val="solid"/>
+                      <a:round/>
+                      <a:headEnd type="none" w="med" len="med"/>
+                      <a:tailEnd type="none" w="med" len="med"/>
+                    </a:lnB>
+                    <a:noFill/>
+                  </a:tcPr>
+                </a:tc>
+                <a:tc>
+                  <a:txBody>
+                    <a:bodyPr/>
+                    <a:lstStyle/>
+                    <a:p>
+                      <a:pPr algn="ctr" fontAlgn="b"/>
+                      <a:r>
+                        <a:rPr lang="en-US" sz="1600" b="0" i="0" u="none" strike="noStrike">
+                          <a:solidFill>
+                            <a:srgbClr val="000000"/>
+                          </a:solidFill>
+                          <a:effectLst/>
+                          <a:latin typeface="Calibri" panose="020F0502020204030204" pitchFamily="34" charset="0"/>
+                        </a:rPr>
+                        <a:t>0.22</a:t>
+                      </a:r>
+                    </a:p>
+                  </a:txBody>
+                  <a:tcPr marL="9525" marR="9525" marT="9525" marB="0" anchor="b">
+                    <a:lnL w="12700" cap="flat" cmpd="sng" algn="ctr">
+                      <a:solidFill>
+                        <a:schemeClr val="tx1"/>
+                      </a:solidFill>
+                      <a:prstDash val="solid"/>
+                      <a:round/>
+                      <a:headEnd type="none" w="med" len="med"/>
+                      <a:tailEnd type="none" w="med" len="med"/>
+                    </a:lnL>
+                    <a:lnR w="12700" cap="flat" cmpd="sng" algn="ctr">
+                      <a:solidFill>
+                        <a:schemeClr val="tx1"/>
+                      </a:solidFill>
+                      <a:prstDash val="solid"/>
+                      <a:round/>
+                      <a:headEnd type="none" w="med" len="med"/>
+                      <a:tailEnd type="none" w="med" len="med"/>
+                    </a:lnR>
+                    <a:lnT w="12700" cap="flat" cmpd="sng" algn="ctr">
+                      <a:solidFill>
+                        <a:schemeClr val="tx1"/>
+                      </a:solidFill>
+                      <a:prstDash val="solid"/>
+                      <a:round/>
+                      <a:headEnd type="none" w="med" len="med"/>
+                      <a:tailEnd type="none" w="med" len="med"/>
+                    </a:lnT>
+                    <a:lnB w="12700" cap="flat" cmpd="sng" algn="ctr">
+                      <a:solidFill>
+                        <a:schemeClr val="tx1"/>
+                      </a:solidFill>
+                      <a:prstDash val="solid"/>
+                      <a:round/>
+                      <a:headEnd type="none" w="med" len="med"/>
+                      <a:tailEnd type="none" w="med" len="med"/>
+                    </a:lnB>
+                    <a:noFill/>
+                  </a:tcPr>
+                </a:tc>
+                <a:tc>
+                  <a:txBody>
+                    <a:bodyPr/>
+                    <a:lstStyle/>
+                    <a:p>
+                      <a:pPr algn="ctr" fontAlgn="b"/>
+                      <a:r>
+                        <a:rPr lang="en-US" sz="1600" b="0" i="0" u="none" strike="noStrike" dirty="0">
+                          <a:solidFill>
+                            <a:srgbClr val="000000"/>
+                          </a:solidFill>
+                          <a:effectLst/>
+                          <a:latin typeface="Calibri" panose="020F0502020204030204" pitchFamily="34" charset="0"/>
+                        </a:rPr>
+                        <a:t>0.79</a:t>
+                      </a:r>
+                    </a:p>
+                  </a:txBody>
+                  <a:tcPr marL="9525" marR="9525" marT="9525" marB="0" anchor="b">
+                    <a:lnL w="12700" cap="flat" cmpd="sng" algn="ctr">
+                      <a:solidFill>
+                        <a:schemeClr val="tx1"/>
+                      </a:solidFill>
+                      <a:prstDash val="solid"/>
+                      <a:round/>
+                      <a:headEnd type="none" w="med" len="med"/>
+                      <a:tailEnd type="none" w="med" len="med"/>
+                    </a:lnL>
+                    <a:lnR w="12700" cap="flat" cmpd="sng" algn="ctr">
+                      <a:solidFill>
+                        <a:schemeClr val="tx1"/>
+                      </a:solidFill>
+                      <a:prstDash val="solid"/>
+                      <a:round/>
+                      <a:headEnd type="none" w="med" len="med"/>
+                      <a:tailEnd type="none" w="med" len="med"/>
+                    </a:lnR>
+                    <a:lnT w="12700" cap="flat" cmpd="sng" algn="ctr">
+                      <a:solidFill>
+                        <a:schemeClr val="tx1"/>
+                      </a:solidFill>
+                      <a:prstDash val="solid"/>
+                      <a:round/>
+                      <a:headEnd type="none" w="med" len="med"/>
+                      <a:tailEnd type="none" w="med" len="med"/>
+                    </a:lnT>
+                    <a:lnB w="12700" cap="flat" cmpd="sng" algn="ctr">
+                      <a:solidFill>
+                        <a:schemeClr val="tx1"/>
+                      </a:solidFill>
+                      <a:prstDash val="solid"/>
+                      <a:round/>
+                      <a:headEnd type="none" w="med" len="med"/>
+                      <a:tailEnd type="none" w="med" len="med"/>
+                    </a:lnB>
+                    <a:noFill/>
+                  </a:tcPr>
+                </a:tc>
+                <a:extLst>
+                  <a:ext uri="{0D108BD9-81ED-4DB2-BD59-A6C34878D82A}">
+                    <a16:rowId xmlns:a16="http://schemas.microsoft.com/office/drawing/2014/main" val="95738520"/>
+                  </a:ext>
+                </a:extLst>
+              </a:tr>
+            </a:tbl>
+          </a:graphicData>
+        </a:graphic>
+      </p:graphicFrame>
       <p:pic>
         <p:nvPicPr>
           <p:cNvPr id="5" name="Picture 4"/>
@@ -6863,14 +8154,14 @@
           <p:nvPr/>
         </p:nvPicPr>
         <p:blipFill>
-          <a:blip r:embed="rId4"/>
+          <a:blip r:embed="rId3"/>
           <a:stretch>
             <a:fillRect/>
           </a:stretch>
         </p:blipFill>
         <p:spPr>
           <a:xfrm>
-            <a:off x="2463800" y="774700"/>
+            <a:off x="2745771" y="781050"/>
             <a:ext cx="4216400" cy="5295900"/>
           </a:xfrm>
           <a:prstGeom prst="rect">
@@ -6966,264 +8257,6 @@
 </p:sld>
 </file>
 
-<file path=ppt/slides/slide26.xml><?xml version="1.0" encoding="utf-8"?>
-<p:sld xmlns:a="http://schemas.openxmlformats.org/drawingml/2006/main" xmlns:r="http://schemas.openxmlformats.org/officeDocument/2006/relationships" xmlns:p="http://schemas.openxmlformats.org/presentationml/2006/main">
-  <p:cSld>
-    <p:spTree>
-      <p:nvGrpSpPr>
-        <p:cNvPr id="1" name=""/>
-        <p:cNvGrpSpPr/>
-        <p:nvPr/>
-      </p:nvGrpSpPr>
-      <p:grpSpPr>
-        <a:xfrm>
-          <a:off x="0" y="0"/>
-          <a:ext cx="0" cy="0"/>
-          <a:chOff x="0" y="0"/>
-          <a:chExt cx="0" cy="0"/>
-        </a:xfrm>
-      </p:grpSpPr>
-      <p:sp>
-        <p:nvSpPr>
-          <p:cNvPr id="2" name="Title 1"/>
-          <p:cNvSpPr>
-            <a:spLocks noGrp="1"/>
-          </p:cNvSpPr>
-          <p:nvPr>
-            <p:ph type="title"/>
-          </p:nvPr>
-        </p:nvSpPr>
-        <p:spPr/>
-        <p:txBody>
-          <a:bodyPr/>
-          <a:lstStyle/>
-          <a:p>
-            <a:r>
-              <a:rPr lang="en-US" dirty="0"/>
-              <a:t>Complex survey weighting</a:t>
-            </a:r>
-          </a:p>
-        </p:txBody>
-      </p:sp>
-      <p:sp>
-        <p:nvSpPr>
-          <p:cNvPr id="3" name="Content Placeholder 2"/>
-          <p:cNvSpPr>
-            <a:spLocks noGrp="1"/>
-          </p:cNvSpPr>
-          <p:nvPr>
-            <p:ph idx="1"/>
-          </p:nvPr>
-        </p:nvSpPr>
-        <p:spPr/>
-        <p:txBody>
-          <a:bodyPr>
-            <a:normAutofit fontScale="92500" lnSpcReduction="10000"/>
-          </a:bodyPr>
-          <a:lstStyle/>
-          <a:p>
-            <a:r>
-              <a:rPr lang="en-US" dirty="0"/>
-              <a:t>Complex surveys often use clustered, stratified sampling</a:t>
-            </a:r>
-          </a:p>
-          <a:p>
-            <a:endParaRPr lang="en-US" dirty="0"/>
-          </a:p>
-          <a:p>
-            <a:r>
-              <a:rPr lang="en-US" dirty="0"/>
-              <a:t>Not going to get into the details, but essentially, you need to specify the clusters and strata correctly to get the right standard errors</a:t>
-            </a:r>
-          </a:p>
-          <a:p>
-            <a:endParaRPr lang="en-US" dirty="0"/>
-          </a:p>
-          <a:p>
-            <a:r>
-              <a:rPr lang="en-US" dirty="0"/>
-              <a:t>So, does just specifying the row weights work for us?</a:t>
-            </a:r>
-          </a:p>
-        </p:txBody>
-      </p:sp>
-      <p:sp>
-        <p:nvSpPr>
-          <p:cNvPr id="4" name="Slide Number Placeholder 3"/>
-          <p:cNvSpPr>
-            <a:spLocks noGrp="1"/>
-          </p:cNvSpPr>
-          <p:nvPr>
-            <p:ph type="sldNum" sz="quarter" idx="12"/>
-          </p:nvPr>
-        </p:nvSpPr>
-        <p:spPr/>
-        <p:txBody>
-          <a:bodyPr/>
-          <a:lstStyle/>
-          <a:p>
-            <a:fld id="{3CE78DC2-C3EA-4731-B863-4FE22F9DFA93}" type="slidenum">
-              <a:rPr lang="en-US" smtClean="0"/>
-              <a:t>26</a:t>
-            </a:fld>
-            <a:endParaRPr lang="en-US"/>
-          </a:p>
-        </p:txBody>
-      </p:sp>
-    </p:spTree>
-    <p:extLst>
-      <p:ext uri="{BB962C8B-B14F-4D97-AF65-F5344CB8AC3E}">
-        <p14:creationId xmlns:p14="http://schemas.microsoft.com/office/powerpoint/2010/main" val="2242131273"/>
-      </p:ext>
-    </p:extLst>
-  </p:cSld>
-  <p:clrMapOvr>
-    <a:masterClrMapping/>
-  </p:clrMapOvr>
-</p:sld>
-</file>
-
-<file path=ppt/slides/slide27.xml><?xml version="1.0" encoding="utf-8"?>
-<p:sld xmlns:a="http://schemas.openxmlformats.org/drawingml/2006/main" xmlns:r="http://schemas.openxmlformats.org/officeDocument/2006/relationships" xmlns:p="http://schemas.openxmlformats.org/presentationml/2006/main">
-  <p:cSld>
-    <p:spTree>
-      <p:nvGrpSpPr>
-        <p:cNvPr id="1" name=""/>
-        <p:cNvGrpSpPr/>
-        <p:nvPr/>
-      </p:nvGrpSpPr>
-      <p:grpSpPr>
-        <a:xfrm>
-          <a:off x="0" y="0"/>
-          <a:ext cx="0" cy="0"/>
-          <a:chOff x="0" y="0"/>
-          <a:chExt cx="0" cy="0"/>
-        </a:xfrm>
-      </p:grpSpPr>
-      <p:sp>
-        <p:nvSpPr>
-          <p:cNvPr id="2" name="Title 1"/>
-          <p:cNvSpPr>
-            <a:spLocks noGrp="1"/>
-          </p:cNvSpPr>
-          <p:nvPr>
-            <p:ph type="title"/>
-          </p:nvPr>
-        </p:nvSpPr>
-        <p:spPr/>
-        <p:txBody>
-          <a:bodyPr>
-            <a:normAutofit/>
-          </a:bodyPr>
-          <a:lstStyle/>
-          <a:p>
-            <a:r>
-              <a:rPr lang="en-US" dirty="0"/>
-              <a:t>PCAs and complex surveys</a:t>
-            </a:r>
-          </a:p>
-        </p:txBody>
-      </p:sp>
-      <p:sp>
-        <p:nvSpPr>
-          <p:cNvPr id="3" name="Content Placeholder 2"/>
-          <p:cNvSpPr>
-            <a:spLocks noGrp="1"/>
-          </p:cNvSpPr>
-          <p:nvPr>
-            <p:ph idx="1"/>
-          </p:nvPr>
-        </p:nvSpPr>
-        <p:spPr/>
-        <p:txBody>
-          <a:bodyPr>
-            <a:normAutofit lnSpcReduction="10000"/>
-          </a:bodyPr>
-          <a:lstStyle/>
-          <a:p>
-            <a:r>
-              <a:rPr lang="en-US" dirty="0"/>
-              <a:t>PCAs in complex survey data is an area of active research:</a:t>
-            </a:r>
-          </a:p>
-          <a:p>
-            <a:pPr lvl="1"/>
-            <a:r>
-              <a:rPr lang="en-US" dirty="0"/>
-              <a:t>PCAs should account for the survey design, but they generally don't in practice</a:t>
-            </a:r>
-          </a:p>
-          <a:p>
-            <a:pPr lvl="1"/>
-            <a:r>
-              <a:rPr lang="en-US" dirty="0"/>
-              <a:t>Technically, this is non-trivial</a:t>
-            </a:r>
-          </a:p>
-          <a:p>
-            <a:pPr lvl="1"/>
-            <a:r>
-              <a:rPr lang="en-US" dirty="0"/>
-              <a:t>Biases do not appear to be huge for our purposes here</a:t>
-            </a:r>
-          </a:p>
-          <a:p>
-            <a:pPr lvl="1"/>
-            <a:r>
-              <a:rPr lang="en-US" dirty="0"/>
-              <a:t>Read more: https://www.amstat.org/sections/SRMS/Proceedings/y2008/Files/302340.pdf</a:t>
-            </a:r>
-          </a:p>
-          <a:p>
-            <a:pPr lvl="1"/>
-            <a:r>
-              <a:rPr lang="en-US" dirty="0"/>
-              <a:t>(Sample code in </a:t>
-            </a:r>
-            <a:r>
-              <a:rPr lang="en-US"/>
-              <a:t>accompanying file)</a:t>
-            </a:r>
-            <a:endParaRPr lang="en-US" dirty="0"/>
-          </a:p>
-        </p:txBody>
-      </p:sp>
-      <p:sp>
-        <p:nvSpPr>
-          <p:cNvPr id="4" name="Slide Number Placeholder 3"/>
-          <p:cNvSpPr>
-            <a:spLocks noGrp="1"/>
-          </p:cNvSpPr>
-          <p:nvPr>
-            <p:ph type="sldNum" sz="quarter" idx="12"/>
-          </p:nvPr>
-        </p:nvSpPr>
-        <p:spPr/>
-        <p:txBody>
-          <a:bodyPr/>
-          <a:lstStyle/>
-          <a:p>
-            <a:fld id="{3CE78DC2-C3EA-4731-B863-4FE22F9DFA93}" type="slidenum">
-              <a:rPr lang="en-US" smtClean="0"/>
-              <a:t>27</a:t>
-            </a:fld>
-            <a:endParaRPr lang="en-US"/>
-          </a:p>
-        </p:txBody>
-      </p:sp>
-    </p:spTree>
-    <p:extLst>
-      <p:ext uri="{BB962C8B-B14F-4D97-AF65-F5344CB8AC3E}">
-        <p14:creationId xmlns:p14="http://schemas.microsoft.com/office/powerpoint/2010/main" val="4050463418"/>
-      </p:ext>
-    </p:extLst>
-  </p:cSld>
-  <p:clrMapOvr>
-    <a:masterClrMapping/>
-  </p:clrMapOvr>
-</p:sld>
-</file>
-
 <file path=ppt/slides/slide3.xml><?xml version="1.0" encoding="utf-8"?>
 <p:sld xmlns:a="http://schemas.openxmlformats.org/drawingml/2006/main" xmlns:r="http://schemas.openxmlformats.org/officeDocument/2006/relationships" xmlns:p="http://schemas.openxmlformats.org/presentationml/2006/main">
   <p:cSld>
@@ -7438,14 +8471,14 @@
           <a:effectLst/>
           <a:extLst>
             <a:ext uri="{909E8E84-426E-40dd-AFC4-6F175D3DCCD1}">
-              <a14:hiddenFill xmlns="" xmlns:a14="http://schemas.microsoft.com/office/drawing/2010/main">
+              <a14:hiddenFill xmlns:a14="http://schemas.microsoft.com/office/drawing/2010/main" xmlns="">
                 <a:solidFill>
                   <a:schemeClr val="accent1"/>
                 </a:solidFill>
               </a14:hiddenFill>
             </a:ext>
             <a:ext uri="{91240B29-F687-4f45-9708-019B960494DF}">
-              <a14:hiddenLine xmlns="" xmlns:a14="http://schemas.microsoft.com/office/drawing/2010/main" w="9525">
+              <a14:hiddenLine xmlns:a14="http://schemas.microsoft.com/office/drawing/2010/main" xmlns="" w="9525">
                 <a:solidFill>
                   <a:schemeClr val="tx1"/>
                 </a:solidFill>
@@ -7455,7 +8488,7 @@
               </a14:hiddenLine>
             </a:ext>
             <a:ext uri="{AF507438-7753-43e0-B8FC-AC1667EBCBE1}">
-              <a14:hiddenEffects xmlns="" xmlns:a14="http://schemas.microsoft.com/office/drawing/2010/main">
+              <a14:hiddenEffects xmlns:a14="http://schemas.microsoft.com/office/drawing/2010/main" xmlns="">
                 <a:effectLst>
                   <a:outerShdw dist="35921" dir="2700000" algn="ctr" rotWithShape="0">
                     <a:schemeClr val="bg2"/>
@@ -7531,72 +8564,43 @@
         </p:nvSpPr>
         <p:spPr/>
         <p:txBody>
-          <a:bodyPr>
-            <a:normAutofit fontScale="90000"/>
-          </a:bodyPr>
+          <a:bodyPr/>
           <a:lstStyle/>
           <a:p>
             <a:r>
               <a:rPr lang="en-US" dirty="0"/>
-              <a:t>An aside on molecular</a:t>
-            </a:r>
-            <a:br>
+              <a:t>Initial Analysis</a:t>
+            </a:r>
+          </a:p>
+        </p:txBody>
+      </p:sp>
+      <p:sp>
+        <p:nvSpPr>
+          <p:cNvPr id="3" name="Content Placeholder 2"/>
+          <p:cNvSpPr>
+            <a:spLocks noGrp="1"/>
+          </p:cNvSpPr>
+          <p:nvPr>
+            <p:ph idx="1"/>
+          </p:nvPr>
+        </p:nvSpPr>
+        <p:spPr/>
+        <p:txBody>
+          <a:bodyPr/>
+          <a:lstStyle/>
+          <a:p>
+            <a:r>
               <a:rPr lang="en-US" dirty="0"/>
-            </a:br>
+              <a:t>It turns out that the levels of these 9 metabolites are log-normally distributed and are correlated</a:t>
+            </a:r>
+          </a:p>
+          <a:p>
+            <a:endParaRPr lang="en-US" dirty="0"/>
+          </a:p>
+          <a:p>
             <a:r>
               <a:rPr lang="en-US" dirty="0"/>
-              <a:t> epidemiology and metabolites…</a:t>
-            </a:r>
-          </a:p>
-        </p:txBody>
-      </p:sp>
-      <p:sp>
-        <p:nvSpPr>
-          <p:cNvPr id="3" name="Content Placeholder 2"/>
-          <p:cNvSpPr>
-            <a:spLocks noGrp="1"/>
-          </p:cNvSpPr>
-          <p:nvPr>
-            <p:ph idx="1"/>
-          </p:nvPr>
-        </p:nvSpPr>
-        <p:spPr/>
-        <p:txBody>
-          <a:bodyPr>
-            <a:normAutofit/>
-          </a:bodyPr>
-          <a:lstStyle/>
-          <a:p>
-            <a:r>
-              <a:rPr lang="en-US" dirty="0"/>
-              <a:t>Suppose Z is a chemical which is metabolized as: Z -&gt; Z1 -&gt; Z2 -&gt; Z3</a:t>
-            </a:r>
-          </a:p>
-          <a:p>
-            <a:pPr lvl="1"/>
-            <a:r>
-              <a:rPr lang="en-US" dirty="0"/>
-              <a:t>Z3 is excreted in urine</a:t>
-            </a:r>
-          </a:p>
-          <a:p>
-            <a:pPr lvl="1"/>
-            <a:r>
-              <a:rPr lang="en-US" dirty="0"/>
-              <a:t>Z2 causes cancer</a:t>
-            </a:r>
-          </a:p>
-          <a:p>
-            <a:pPr lvl="1"/>
-            <a:r>
-              <a:rPr lang="en-US" dirty="0"/>
-              <a:t>Metabolic efficiency varies between people</a:t>
-            </a:r>
-          </a:p>
-          <a:p>
-            <a:r>
-              <a:rPr lang="en-US" dirty="0"/>
-              <a:t>If person A has more urinary Z3 than person B does, who is at higher risk for cancer owing to Z exposure?</a:t>
+              <a:t>So, analytic plan: use PCA to identify components of variance, and use components to predict obesity status</a:t>
             </a:r>
           </a:p>
         </p:txBody>
@@ -7619,112 +8623,6 @@
             <a:fld id="{3CE78DC2-C3EA-4731-B863-4FE22F9DFA93}" type="slidenum">
               <a:rPr lang="en-US" smtClean="0"/>
               <a:t>5</a:t>
-            </a:fld>
-            <a:endParaRPr lang="en-US"/>
-          </a:p>
-        </p:txBody>
-      </p:sp>
-    </p:spTree>
-    <p:extLst>
-      <p:ext uri="{BB962C8B-B14F-4D97-AF65-F5344CB8AC3E}">
-        <p14:creationId xmlns:p14="http://schemas.microsoft.com/office/powerpoint/2010/main" val="649267461"/>
-      </p:ext>
-    </p:extLst>
-  </p:cSld>
-  <p:clrMapOvr>
-    <a:masterClrMapping/>
-  </p:clrMapOvr>
-</p:sld>
-</file>
-
-<file path=ppt/slides/slide6.xml><?xml version="1.0" encoding="utf-8"?>
-<p:sld xmlns:a="http://schemas.openxmlformats.org/drawingml/2006/main" xmlns:r="http://schemas.openxmlformats.org/officeDocument/2006/relationships" xmlns:p="http://schemas.openxmlformats.org/presentationml/2006/main">
-  <p:cSld>
-    <p:spTree>
-      <p:nvGrpSpPr>
-        <p:cNvPr id="1" name=""/>
-        <p:cNvGrpSpPr/>
-        <p:nvPr/>
-      </p:nvGrpSpPr>
-      <p:grpSpPr>
-        <a:xfrm>
-          <a:off x="0" y="0"/>
-          <a:ext cx="0" cy="0"/>
-          <a:chOff x="0" y="0"/>
-          <a:chExt cx="0" cy="0"/>
-        </a:xfrm>
-      </p:grpSpPr>
-      <p:sp>
-        <p:nvSpPr>
-          <p:cNvPr id="2" name="Title 1"/>
-          <p:cNvSpPr>
-            <a:spLocks noGrp="1"/>
-          </p:cNvSpPr>
-          <p:nvPr>
-            <p:ph type="title"/>
-          </p:nvPr>
-        </p:nvSpPr>
-        <p:spPr/>
-        <p:txBody>
-          <a:bodyPr/>
-          <a:lstStyle/>
-          <a:p>
-            <a:r>
-              <a:rPr lang="en-US" dirty="0"/>
-              <a:t>… but anyway</a:t>
-            </a:r>
-          </a:p>
-        </p:txBody>
-      </p:sp>
-      <p:sp>
-        <p:nvSpPr>
-          <p:cNvPr id="3" name="Content Placeholder 2"/>
-          <p:cNvSpPr>
-            <a:spLocks noGrp="1"/>
-          </p:cNvSpPr>
-          <p:nvPr>
-            <p:ph idx="1"/>
-          </p:nvPr>
-        </p:nvSpPr>
-        <p:spPr/>
-        <p:txBody>
-          <a:bodyPr/>
-          <a:lstStyle/>
-          <a:p>
-            <a:r>
-              <a:rPr lang="en-US" dirty="0"/>
-              <a:t>It turns out that the levels of these 9 metabolites are log-normally distributed and are correlated</a:t>
-            </a:r>
-          </a:p>
-          <a:p>
-            <a:endParaRPr lang="en-US" dirty="0"/>
-          </a:p>
-          <a:p>
-            <a:r>
-              <a:rPr lang="en-US" dirty="0"/>
-              <a:t>So, analytic plan: use PCA to identify components of variance, and use components to predict obesity status</a:t>
-            </a:r>
-          </a:p>
-        </p:txBody>
-      </p:sp>
-      <p:sp>
-        <p:nvSpPr>
-          <p:cNvPr id="4" name="Slide Number Placeholder 3"/>
-          <p:cNvSpPr>
-            <a:spLocks noGrp="1"/>
-          </p:cNvSpPr>
-          <p:nvPr>
-            <p:ph type="sldNum" sz="quarter" idx="12"/>
-          </p:nvPr>
-        </p:nvSpPr>
-        <p:spPr/>
-        <p:txBody>
-          <a:bodyPr/>
-          <a:lstStyle/>
-          <a:p>
-            <a:fld id="{3CE78DC2-C3EA-4731-B863-4FE22F9DFA93}" type="slidenum">
-              <a:rPr lang="en-US" smtClean="0"/>
-              <a:t>6</a:t>
             </a:fld>
             <a:endParaRPr lang="en-US"/>
           </a:p>
@@ -7743,7 +8641,7 @@
 </p:sld>
 </file>
 
-<file path=ppt/slides/slide7.xml><?xml version="1.0" encoding="utf-8"?>
+<file path=ppt/slides/slide6.xml><?xml version="1.0" encoding="utf-8"?>
 <p:sld xmlns:a="http://schemas.openxmlformats.org/drawingml/2006/main" xmlns:r="http://schemas.openxmlformats.org/officeDocument/2006/relationships" xmlns:p="http://schemas.openxmlformats.org/presentationml/2006/main">
   <p:cSld>
     <p:spTree>
@@ -7836,7 +8734,7 @@
           <a:noFill/>
           <a:extLst>
             <a:ext uri="{909E8E84-426E-40dd-AFC4-6F175D3DCCD1}">
-              <a14:hiddenFill xmlns="" xmlns:a14="http://schemas.microsoft.com/office/drawing/2010/main">
+              <a14:hiddenFill xmlns:a14="http://schemas.microsoft.com/office/drawing/2010/main" xmlns="">
                 <a:solidFill>
                   <a:srgbClr val="FFFFFF"/>
                 </a:solidFill>
@@ -7862,7 +8760,7 @@
           <a:p>
             <a:fld id="{3CE78DC2-C3EA-4731-B863-4FE22F9DFA93}" type="slidenum">
               <a:rPr lang="en-US" smtClean="0"/>
-              <a:t>7</a:t>
+              <a:t>6</a:t>
             </a:fld>
             <a:endParaRPr lang="en-US"/>
           </a:p>
@@ -7872,6 +8770,108 @@
     <p:extLst>
       <p:ext uri="{BB962C8B-B14F-4D97-AF65-F5344CB8AC3E}">
         <p14:creationId xmlns:p14="http://schemas.microsoft.com/office/powerpoint/2010/main" val="3017696233"/>
+      </p:ext>
+    </p:extLst>
+  </p:cSld>
+  <p:clrMapOvr>
+    <a:masterClrMapping/>
+  </p:clrMapOvr>
+</p:sld>
+</file>
+
+<file path=ppt/slides/slide7.xml><?xml version="1.0" encoding="utf-8"?>
+<p:sld xmlns:a="http://schemas.openxmlformats.org/drawingml/2006/main" xmlns:r="http://schemas.openxmlformats.org/officeDocument/2006/relationships" xmlns:p="http://schemas.openxmlformats.org/presentationml/2006/main">
+  <p:cSld>
+    <p:spTree>
+      <p:nvGrpSpPr>
+        <p:cNvPr id="1" name=""/>
+        <p:cNvGrpSpPr/>
+        <p:nvPr/>
+      </p:nvGrpSpPr>
+      <p:grpSpPr>
+        <a:xfrm>
+          <a:off x="0" y="0"/>
+          <a:ext cx="0" cy="0"/>
+          <a:chOff x="0" y="0"/>
+          <a:chExt cx="0" cy="0"/>
+        </a:xfrm>
+      </p:grpSpPr>
+      <p:sp>
+        <p:nvSpPr>
+          <p:cNvPr id="2" name="Title 1"/>
+          <p:cNvSpPr>
+            <a:spLocks noGrp="1"/>
+          </p:cNvSpPr>
+          <p:nvPr>
+            <p:ph type="title"/>
+          </p:nvPr>
+        </p:nvSpPr>
+        <p:spPr/>
+        <p:txBody>
+          <a:bodyPr/>
+          <a:lstStyle/>
+          <a:p>
+            <a:r>
+              <a:rPr lang="en-US" dirty="0"/>
+              <a:t>So… our goal:</a:t>
+            </a:r>
+          </a:p>
+        </p:txBody>
+      </p:sp>
+      <p:sp>
+        <p:nvSpPr>
+          <p:cNvPr id="3" name="Content Placeholder 2"/>
+          <p:cNvSpPr>
+            <a:spLocks noGrp="1"/>
+          </p:cNvSpPr>
+          <p:nvPr>
+            <p:ph idx="1"/>
+          </p:nvPr>
+        </p:nvSpPr>
+        <p:spPr/>
+        <p:txBody>
+          <a:bodyPr>
+            <a:normAutofit/>
+          </a:bodyPr>
+          <a:lstStyle/>
+          <a:p>
+            <a:r>
+              <a:rPr lang="en-US" dirty="0"/>
+              <a:t>See how similar the components identified by a PCA for NHANES women age 15-45 are to the components identified by the PCA in the our cohort</a:t>
+            </a:r>
+          </a:p>
+          <a:p>
+            <a:endParaRPr lang="en-US" dirty="0"/>
+          </a:p>
+        </p:txBody>
+      </p:sp>
+      <p:sp>
+        <p:nvSpPr>
+          <p:cNvPr id="4" name="Slide Number Placeholder 3"/>
+          <p:cNvSpPr>
+            <a:spLocks noGrp="1"/>
+          </p:cNvSpPr>
+          <p:nvPr>
+            <p:ph type="sldNum" sz="quarter" idx="12"/>
+          </p:nvPr>
+        </p:nvSpPr>
+        <p:spPr/>
+        <p:txBody>
+          <a:bodyPr/>
+          <a:lstStyle/>
+          <a:p>
+            <a:fld id="{3CE78DC2-C3EA-4731-B863-4FE22F9DFA93}" type="slidenum">
+              <a:rPr lang="en-US" smtClean="0"/>
+              <a:t>7</a:t>
+            </a:fld>
+            <a:endParaRPr lang="en-US"/>
+          </a:p>
+        </p:txBody>
+      </p:sp>
+    </p:spTree>
+    <p:extLst>
+      <p:ext uri="{BB962C8B-B14F-4D97-AF65-F5344CB8AC3E}">
+        <p14:creationId xmlns:p14="http://schemas.microsoft.com/office/powerpoint/2010/main" val="4061254232"/>
       </p:ext>
     </p:extLst>
   </p:cSld>
@@ -7915,7 +8915,7 @@
           <a:p>
             <a:r>
               <a:rPr lang="en-US" dirty="0"/>
-              <a:t>So… our goal:</a:t>
+              <a:t>Specific plan</a:t>
             </a:r>
           </a:p>
         </p:txBody>
@@ -7937,13 +8937,64 @@
           </a:bodyPr>
           <a:lstStyle/>
           <a:p>
+            <a:pPr marL="514350" indent="-514350">
+              <a:buFont typeface="+mj-lt"/>
+              <a:buAutoNum type="arabicPeriod"/>
+            </a:pPr>
             <a:r>
               <a:rPr lang="en-US" dirty="0"/>
-              <a:t>See how similar the components identified by a PCA for NHANES women age 15-45 are to the components identified by the PCA in the our cohort</a:t>
-            </a:r>
-          </a:p>
-          <a:p>
-            <a:endParaRPr lang="en-US" dirty="0"/>
+              <a:t>Download relevant NHANES data</a:t>
+            </a:r>
+          </a:p>
+          <a:p>
+            <a:pPr marL="514350" indent="-514350">
+              <a:buFont typeface="+mj-lt"/>
+              <a:buAutoNum type="arabicPeriod"/>
+            </a:pPr>
+            <a:r>
+              <a:rPr lang="en-US" dirty="0"/>
+              <a:t>Load NHANES data into R</a:t>
+            </a:r>
+          </a:p>
+          <a:p>
+            <a:pPr marL="514350" indent="-514350">
+              <a:buFont typeface="+mj-lt"/>
+              <a:buAutoNum type="arabicPeriod"/>
+            </a:pPr>
+            <a:r>
+              <a:rPr lang="en-US" dirty="0"/>
+              <a:t>Filter to women aged 15-45</a:t>
+            </a:r>
+          </a:p>
+          <a:p>
+            <a:pPr marL="514350" indent="-514350">
+              <a:buFont typeface="+mj-lt"/>
+              <a:buAutoNum type="arabicPeriod"/>
+            </a:pPr>
+            <a:r>
+              <a:rPr lang="en-US" dirty="0"/>
+              <a:t>Log transform phthalate metabolite variables</a:t>
+            </a:r>
+          </a:p>
+          <a:p>
+            <a:pPr marL="514350" indent="-514350">
+              <a:buFont typeface="+mj-lt"/>
+              <a:buAutoNum type="arabicPeriod"/>
+            </a:pPr>
+            <a:r>
+              <a:rPr lang="en-US" dirty="0"/>
+              <a:t>Run a PCA and compute component scores</a:t>
+            </a:r>
+          </a:p>
+          <a:p>
+            <a:pPr marL="514350" indent="-514350">
+              <a:buFont typeface="+mj-lt"/>
+              <a:buAutoNum type="arabicPeriod"/>
+            </a:pPr>
+            <a:r>
+              <a:rPr lang="en-US" dirty="0"/>
+              <a:t>Compare to component scores in CCCEH</a:t>
+            </a:r>
           </a:p>
         </p:txBody>
       </p:sp>
@@ -7973,7 +9024,7 @@
     </p:spTree>
     <p:extLst>
       <p:ext uri="{BB962C8B-B14F-4D97-AF65-F5344CB8AC3E}">
-        <p14:creationId xmlns:p14="http://schemas.microsoft.com/office/powerpoint/2010/main" val="4061254232"/>
+        <p14:creationId xmlns:p14="http://schemas.microsoft.com/office/powerpoint/2010/main" val="3529158086"/>
       </p:ext>
     </p:extLst>
   </p:cSld>
@@ -8017,7 +9068,7 @@
           <a:p>
             <a:r>
               <a:rPr lang="en-US" dirty="0"/>
-              <a:t>Specific plan</a:t>
+              <a:t>Get the data</a:t>
             </a:r>
           </a:p>
         </p:txBody>
@@ -8034,81 +9085,97 @@
         </p:nvSpPr>
         <p:spPr/>
         <p:txBody>
-          <a:bodyPr>
-            <a:normAutofit fontScale="92500" lnSpcReduction="10000"/>
-          </a:bodyPr>
-          <a:lstStyle/>
-          <a:p>
-            <a:pPr marL="514350" indent="-514350">
-              <a:buFont typeface="+mj-lt"/>
-              <a:buAutoNum type="arabicPeriod"/>
-            </a:pPr>
+          <a:bodyPr/>
+          <a:lstStyle/>
+          <a:p>
             <a:r>
               <a:rPr lang="en-US" dirty="0"/>
-              <a:t>Download relevant NHANES data</a:t>
-            </a:r>
-          </a:p>
-          <a:p>
-            <a:pPr marL="514350" indent="-514350">
-              <a:buFont typeface="+mj-lt"/>
-              <a:buAutoNum type="arabicPeriod"/>
-            </a:pPr>
+              <a:t>NHANES is publically available on the CDC's site</a:t>
+            </a:r>
+          </a:p>
+          <a:p>
             <a:r>
               <a:rPr lang="en-US" dirty="0"/>
-              <a:t>Load NHANES data into R</a:t>
-            </a:r>
-          </a:p>
-          <a:p>
-            <a:pPr marL="514350" indent="-514350">
-              <a:buFont typeface="+mj-lt"/>
-              <a:buAutoNum type="arabicPeriod"/>
-            </a:pPr>
+              <a:t>We want demographics and phthalates for 2005-2006</a:t>
+            </a:r>
+          </a:p>
+          <a:p>
             <a:r>
               <a:rPr lang="en-US" dirty="0"/>
-              <a:t>Filter to women aged 15-45</a:t>
-            </a:r>
-          </a:p>
-          <a:p>
-            <a:pPr marL="514350" indent="-514350">
-              <a:buFont typeface="+mj-lt"/>
-              <a:buAutoNum type="arabicPeriod"/>
-            </a:pPr>
-            <a:r>
-              <a:rPr lang="en-US" dirty="0"/>
-              <a:t>Log transform phthalate metabolite variables</a:t>
-            </a:r>
-          </a:p>
-          <a:p>
-            <a:pPr marL="514350" indent="-514350">
-              <a:buFont typeface="+mj-lt"/>
-              <a:buAutoNum type="arabicPeriod"/>
-            </a:pPr>
-            <a:r>
-              <a:rPr lang="en-US" dirty="0"/>
-              <a:t>Run a PCA and compute component scores</a:t>
-            </a:r>
-          </a:p>
-          <a:p>
-            <a:pPr marL="514350" indent="-514350">
-              <a:buFont typeface="+mj-lt"/>
-              <a:buAutoNum type="arabicPeriod"/>
-            </a:pPr>
-            <a:r>
-              <a:rPr lang="en-US" dirty="0"/>
-              <a:t>Compare to component scores in CCCEH</a:t>
-            </a:r>
-          </a:p>
-          <a:p>
+              <a:t>(Copied to GitHub for </a:t>
+            </a:r>
+            <a:r>
+              <a:rPr lang="en-US"/>
+              <a:t>this workshop)</a:t>
+            </a:r>
             <a:endParaRPr lang="en-US" dirty="0"/>
           </a:p>
-          <a:p>
-            <a:r>
-              <a:rPr lang="en-US" dirty="0"/>
-              <a:t>A Bonus question: what do we do about the complex survey sampling used by NHANES?</a:t>
-            </a:r>
-          </a:p>
-        </p:txBody>
-      </p:sp>
+        </p:txBody>
+      </p:sp>
+      <p:pic>
+        <p:nvPicPr>
+          <p:cNvPr id="4098" name="Picture 2"/>
+          <p:cNvPicPr>
+            <a:picLocks noChangeAspect="1" noChangeArrowheads="1"/>
+          </p:cNvPicPr>
+          <p:nvPr/>
+        </p:nvPicPr>
+        <p:blipFill>
+          <a:blip r:embed="rId2">
+            <a:extLst>
+              <a:ext uri="{28A0092B-C50C-407E-A947-70E740481C1C}">
+                <a14:useLocalDpi xmlns:a14="http://schemas.microsoft.com/office/drawing/2010/main" val="0"/>
+              </a:ext>
+            </a:extLst>
+          </a:blip>
+          <a:srcRect/>
+          <a:stretch>
+            <a:fillRect/>
+          </a:stretch>
+        </p:blipFill>
+        <p:spPr bwMode="auto">
+          <a:xfrm>
+            <a:off x="1800225" y="4362450"/>
+            <a:ext cx="5543550" cy="1428750"/>
+          </a:xfrm>
+          <a:prstGeom prst="rect">
+            <a:avLst/>
+          </a:prstGeom>
+          <a:noFill/>
+          <a:ln>
+            <a:noFill/>
+          </a:ln>
+          <a:effectLst/>
+          <a:extLst>
+            <a:ext uri="{909E8E84-426E-40dd-AFC4-6F175D3DCCD1}">
+              <a14:hiddenFill xmlns:a14="http://schemas.microsoft.com/office/drawing/2010/main" xmlns="">
+                <a:solidFill>
+                  <a:schemeClr val="accent1"/>
+                </a:solidFill>
+              </a14:hiddenFill>
+            </a:ext>
+            <a:ext uri="{91240B29-F687-4f45-9708-019B960494DF}">
+              <a14:hiddenLine xmlns:a14="http://schemas.microsoft.com/office/drawing/2010/main" xmlns="" w="9525">
+                <a:solidFill>
+                  <a:schemeClr val="tx1"/>
+                </a:solidFill>
+                <a:miter lim="800000"/>
+                <a:headEnd/>
+                <a:tailEnd/>
+              </a14:hiddenLine>
+            </a:ext>
+            <a:ext uri="{AF507438-7753-43e0-B8FC-AC1667EBCBE1}">
+              <a14:hiddenEffects xmlns:a14="http://schemas.microsoft.com/office/drawing/2010/main" xmlns="">
+                <a:effectLst>
+                  <a:outerShdw dist="35921" dir="2700000" algn="ctr" rotWithShape="0">
+                    <a:schemeClr val="bg2"/>
+                  </a:outerShdw>
+                </a:effectLst>
+              </a14:hiddenEffects>
+            </a:ext>
+          </a:extLst>
+        </p:spPr>
+      </p:pic>
       <p:sp>
         <p:nvSpPr>
           <p:cNvPr id="4" name="Slide Number Placeholder 3"/>
@@ -8135,7 +9202,7 @@
     </p:spTree>
     <p:extLst>
       <p:ext uri="{BB962C8B-B14F-4D97-AF65-F5344CB8AC3E}">
-        <p14:creationId xmlns:p14="http://schemas.microsoft.com/office/powerpoint/2010/main" val="3529158086"/>
+        <p14:creationId xmlns:p14="http://schemas.microsoft.com/office/powerpoint/2010/main" val="1773612785"/>
       </p:ext>
     </p:extLst>
   </p:cSld>
